--- a/Project PPT-Final .pptx
+++ b/Project PPT-Final .pptx
@@ -1,38 +1,39 @@
 
 <file path=ppt/presentation.xml><?xml version="1.0" encoding="utf-8"?>
-<p:presentation xmlns:a="http://schemas.openxmlformats.org/drawingml/2006/main" xmlns:r="http://schemas.openxmlformats.org/officeDocument/2006/relationships" xmlns:mc="http://schemas.openxmlformats.org/markup-compatibility/2006" xmlns:mv="urn:schemas-microsoft-com:mac:vml" xmlns:p="http://schemas.openxmlformats.org/presentationml/2006/main" xmlns:c="http://schemas.openxmlformats.org/drawingml/2006/chart" xmlns:dgm="http://schemas.openxmlformats.org/drawingml/2006/diagram" xmlns:o="urn:schemas-microsoft-com:office:office" xmlns:v="urn:schemas-microsoft-com:vml" xmlns:pvml="urn:schemas-microsoft-com:office:powerpoint" xmlns:com="http://schemas.openxmlformats.org/drawingml/2006/compatibility" xmlns:p14="http://schemas.microsoft.com/office/powerpoint/2010/main" xmlns:p15="http://schemas.microsoft.com/office/powerpoint/2012/main" xmlns:ahyp="http://schemas.microsoft.com/office/drawing/2018/hyperlinkcolor" autoCompressPictures="0" embedTrueTypeFonts="1" strictFirstAndLastChars="0" saveSubsetFonts="1">
+<p:presentation xmlns:a="http://schemas.openxmlformats.org/drawingml/2006/main" xmlns:r="http://schemas.openxmlformats.org/officeDocument/2006/relationships" xmlns:p="http://schemas.openxmlformats.org/presentationml/2006/main" strictFirstAndLastChars="0" embedTrueTypeFonts="1" saveSubsetFonts="1" autoCompressPictures="0">
   <p:sldMasterIdLst>
-    <p:sldMasterId id="2147483659" r:id="rId4"/>
+    <p:sldMasterId id="2147483659" r:id="rId1"/>
   </p:sldMasterIdLst>
   <p:notesMasterIdLst>
-    <p:notesMasterId r:id="rId5"/>
+    <p:notesMasterId r:id="rId9"/>
   </p:notesMasterIdLst>
   <p:sldIdLst>
-    <p:sldId id="256" r:id="rId6"/>
-    <p:sldId id="257" r:id="rId7"/>
-    <p:sldId id="258" r:id="rId8"/>
-    <p:sldId id="259" r:id="rId9"/>
-    <p:sldId id="260" r:id="rId10"/>
-    <p:sldId id="261" r:id="rId11"/>
+    <p:sldId id="256" r:id="rId2"/>
+    <p:sldId id="257" r:id="rId3"/>
+    <p:sldId id="258" r:id="rId4"/>
+    <p:sldId id="259" r:id="rId5"/>
+    <p:sldId id="260" r:id="rId6"/>
+    <p:sldId id="262" r:id="rId7"/>
+    <p:sldId id="261" r:id="rId8"/>
   </p:sldIdLst>
-  <p:sldSz cy="5143500" cx="9144000"/>
+  <p:sldSz cx="9144000" cy="5143500" type="screen16x9"/>
   <p:notesSz cx="6858000" cy="9144000"/>
   <p:embeddedFontLst>
     <p:embeddedFont>
-      <p:font typeface="Roboto Slab"/>
-      <p:regular r:id="rId12"/>
-      <p:bold r:id="rId13"/>
+      <p:font typeface="Roboto" panose="02000000000000000000" pitchFamily="2" charset="0"/>
+      <p:regular r:id="rId10"/>
+      <p:bold r:id="rId11"/>
+      <p:italic r:id="rId12"/>
+      <p:boldItalic r:id="rId13"/>
     </p:embeddedFont>
     <p:embeddedFont>
-      <p:font typeface="Roboto"/>
+      <p:font typeface="Roboto Slab" pitchFamily="2" charset="0"/>
       <p:regular r:id="rId14"/>
       <p:bold r:id="rId15"/>
-      <p:italic r:id="rId16"/>
-      <p:boldItalic r:id="rId17"/>
     </p:embeddedFont>
   </p:embeddedFontLst>
   <p:defaultTextStyle>
-    <a:defPPr lvl="0" marR="0" rtl="0" algn="l">
+    <a:defPPr marR="0" lvl="0" algn="l" rtl="0">
       <a:lnSpc>
         <a:spcPct val="100000"/>
       </a:lnSpc>
@@ -43,7 +44,7 @@
         <a:spcPts val="0"/>
       </a:spcAft>
     </a:defPPr>
-    <a:lvl1pPr lvl="0" marR="0" rtl="0" algn="l">
+    <a:lvl1pPr marR="0" lvl="0" algn="l" rtl="0">
       <a:lnSpc>
         <a:spcPct val="100000"/>
       </a:lnSpc>
@@ -57,7 +58,7 @@
         <a:srgbClr val="000000"/>
       </a:buClr>
       <a:buFont typeface="Arial"/>
-      <a:defRPr b="0" i="0" sz="1400" u="none" cap="none" strike="noStrike">
+      <a:defRPr sz="1400" b="0" i="0" u="none" strike="noStrike" cap="none">
         <a:solidFill>
           <a:srgbClr val="000000"/>
         </a:solidFill>
@@ -67,7 +68,7 @@
         <a:sym typeface="Arial"/>
       </a:defRPr>
     </a:lvl1pPr>
-    <a:lvl2pPr lvl="1" marR="0" rtl="0" algn="l">
+    <a:lvl2pPr marR="0" lvl="1" algn="l" rtl="0">
       <a:lnSpc>
         <a:spcPct val="100000"/>
       </a:lnSpc>
@@ -81,7 +82,7 @@
         <a:srgbClr val="000000"/>
       </a:buClr>
       <a:buFont typeface="Arial"/>
-      <a:defRPr b="0" i="0" sz="1400" u="none" cap="none" strike="noStrike">
+      <a:defRPr sz="1400" b="0" i="0" u="none" strike="noStrike" cap="none">
         <a:solidFill>
           <a:srgbClr val="000000"/>
         </a:solidFill>
@@ -91,7 +92,7 @@
         <a:sym typeface="Arial"/>
       </a:defRPr>
     </a:lvl2pPr>
-    <a:lvl3pPr lvl="2" marR="0" rtl="0" algn="l">
+    <a:lvl3pPr marR="0" lvl="2" algn="l" rtl="0">
       <a:lnSpc>
         <a:spcPct val="100000"/>
       </a:lnSpc>
@@ -105,7 +106,7 @@
         <a:srgbClr val="000000"/>
       </a:buClr>
       <a:buFont typeface="Arial"/>
-      <a:defRPr b="0" i="0" sz="1400" u="none" cap="none" strike="noStrike">
+      <a:defRPr sz="1400" b="0" i="0" u="none" strike="noStrike" cap="none">
         <a:solidFill>
           <a:srgbClr val="000000"/>
         </a:solidFill>
@@ -115,7 +116,7 @@
         <a:sym typeface="Arial"/>
       </a:defRPr>
     </a:lvl3pPr>
-    <a:lvl4pPr lvl="3" marR="0" rtl="0" algn="l">
+    <a:lvl4pPr marR="0" lvl="3" algn="l" rtl="0">
       <a:lnSpc>
         <a:spcPct val="100000"/>
       </a:lnSpc>
@@ -129,7 +130,7 @@
         <a:srgbClr val="000000"/>
       </a:buClr>
       <a:buFont typeface="Arial"/>
-      <a:defRPr b="0" i="0" sz="1400" u="none" cap="none" strike="noStrike">
+      <a:defRPr sz="1400" b="0" i="0" u="none" strike="noStrike" cap="none">
         <a:solidFill>
           <a:srgbClr val="000000"/>
         </a:solidFill>
@@ -139,7 +140,7 @@
         <a:sym typeface="Arial"/>
       </a:defRPr>
     </a:lvl4pPr>
-    <a:lvl5pPr lvl="4" marR="0" rtl="0" algn="l">
+    <a:lvl5pPr marR="0" lvl="4" algn="l" rtl="0">
       <a:lnSpc>
         <a:spcPct val="100000"/>
       </a:lnSpc>
@@ -153,7 +154,7 @@
         <a:srgbClr val="000000"/>
       </a:buClr>
       <a:buFont typeface="Arial"/>
-      <a:defRPr b="0" i="0" sz="1400" u="none" cap="none" strike="noStrike">
+      <a:defRPr sz="1400" b="0" i="0" u="none" strike="noStrike" cap="none">
         <a:solidFill>
           <a:srgbClr val="000000"/>
         </a:solidFill>
@@ -163,7 +164,7 @@
         <a:sym typeface="Arial"/>
       </a:defRPr>
     </a:lvl5pPr>
-    <a:lvl6pPr lvl="5" marR="0" rtl="0" algn="l">
+    <a:lvl6pPr marR="0" lvl="5" algn="l" rtl="0">
       <a:lnSpc>
         <a:spcPct val="100000"/>
       </a:lnSpc>
@@ -177,7 +178,7 @@
         <a:srgbClr val="000000"/>
       </a:buClr>
       <a:buFont typeface="Arial"/>
-      <a:defRPr b="0" i="0" sz="1400" u="none" cap="none" strike="noStrike">
+      <a:defRPr sz="1400" b="0" i="0" u="none" strike="noStrike" cap="none">
         <a:solidFill>
           <a:srgbClr val="000000"/>
         </a:solidFill>
@@ -187,7 +188,7 @@
         <a:sym typeface="Arial"/>
       </a:defRPr>
     </a:lvl6pPr>
-    <a:lvl7pPr lvl="6" marR="0" rtl="0" algn="l">
+    <a:lvl7pPr marR="0" lvl="6" algn="l" rtl="0">
       <a:lnSpc>
         <a:spcPct val="100000"/>
       </a:lnSpc>
@@ -201,7 +202,7 @@
         <a:srgbClr val="000000"/>
       </a:buClr>
       <a:buFont typeface="Arial"/>
-      <a:defRPr b="0" i="0" sz="1400" u="none" cap="none" strike="noStrike">
+      <a:defRPr sz="1400" b="0" i="0" u="none" strike="noStrike" cap="none">
         <a:solidFill>
           <a:srgbClr val="000000"/>
         </a:solidFill>
@@ -211,7 +212,7 @@
         <a:sym typeface="Arial"/>
       </a:defRPr>
     </a:lvl7pPr>
-    <a:lvl8pPr lvl="7" marR="0" rtl="0" algn="l">
+    <a:lvl8pPr marR="0" lvl="7" algn="l" rtl="0">
       <a:lnSpc>
         <a:spcPct val="100000"/>
       </a:lnSpc>
@@ -225,7 +226,7 @@
         <a:srgbClr val="000000"/>
       </a:buClr>
       <a:buFont typeface="Arial"/>
-      <a:defRPr b="0" i="0" sz="1400" u="none" cap="none" strike="noStrike">
+      <a:defRPr sz="1400" b="0" i="0" u="none" strike="noStrike" cap="none">
         <a:solidFill>
           <a:srgbClr val="000000"/>
         </a:solidFill>
@@ -235,7 +236,7 @@
         <a:sym typeface="Arial"/>
       </a:defRPr>
     </a:lvl8pPr>
-    <a:lvl9pPr lvl="8" marR="0" rtl="0" algn="l">
+    <a:lvl9pPr marR="0" lvl="8" algn="l" rtl="0">
       <a:lnSpc>
         <a:spcPct val="100000"/>
       </a:lnSpc>
@@ -249,7 +250,7 @@
         <a:srgbClr val="000000"/>
       </a:buClr>
       <a:buFont typeface="Arial"/>
-      <a:defRPr b="0" i="0" sz="1400" u="none" cap="none" strike="noStrike">
+      <a:defRPr sz="1400" b="0" i="0" u="none" strike="noStrike" cap="none">
         <a:solidFill>
           <a:srgbClr val="000000"/>
         </a:solidFill>
@@ -262,7 +263,7 @@
   </p:defaultTextStyle>
   <p:extLst>
     <p:ext uri="{EFAFB233-063F-42B5-8137-9DF3F51BA10A}">
-      <p15:sldGuideLst>
+      <p15:sldGuideLst xmlns:p15="http://schemas.microsoft.com/office/powerpoint/2012/main">
         <p15:guide id="1" orient="horz" pos="1620">
           <p15:clr>
             <a:srgbClr val="A4A3A4"/>
@@ -280,11 +281,16 @@
 </file>
 
 <file path=ppt/notesMasters/notesMaster1.xml><?xml version="1.0" encoding="utf-8"?>
-<p:notesMaster xmlns:a="http://schemas.openxmlformats.org/drawingml/2006/main" xmlns:r="http://schemas.openxmlformats.org/officeDocument/2006/relationships" xmlns:mc="http://schemas.openxmlformats.org/markup-compatibility/2006" xmlns:mv="urn:schemas-microsoft-com:mac:vml" xmlns:p="http://schemas.openxmlformats.org/presentationml/2006/main" xmlns:c="http://schemas.openxmlformats.org/drawingml/2006/chart" xmlns:dgm="http://schemas.openxmlformats.org/drawingml/2006/diagram" xmlns:o="urn:schemas-microsoft-com:office:office" xmlns:v="urn:schemas-microsoft-com:vml" xmlns:pvml="urn:schemas-microsoft-com:office:powerpoint" xmlns:com="http://schemas.openxmlformats.org/drawingml/2006/compatibility" xmlns:p14="http://schemas.microsoft.com/office/powerpoint/2010/main" xmlns:p15="http://schemas.microsoft.com/office/powerpoint/2012/main" xmlns:ahyp="http://schemas.microsoft.com/office/drawing/2018/hyperlinkcolor">
+<p:notesMaster xmlns:a="http://schemas.openxmlformats.org/drawingml/2006/main" xmlns:r="http://schemas.openxmlformats.org/officeDocument/2006/relationships" xmlns:p="http://schemas.openxmlformats.org/presentationml/2006/main">
   <p:cSld>
+    <p:bg>
+      <p:bgRef idx="1001">
+        <a:schemeClr val="bg1"/>
+      </p:bgRef>
+    </p:bg>
     <p:spTree>
       <p:nvGrpSpPr>
-        <p:cNvPr id="2" name="Shape 2"/>
+        <p:cNvPr id="1" name="Shape 2"/>
         <p:cNvGrpSpPr/>
         <p:nvPr/>
       </p:nvGrpSpPr>
@@ -299,9 +305,11 @@
       <p:sp>
         <p:nvSpPr>
           <p:cNvPr id="3" name="Google Shape;3;n"/>
-          <p:cNvSpPr/>
+          <p:cNvSpPr>
+            <a:spLocks noGrp="1" noRot="1" noChangeAspect="1"/>
+          </p:cNvSpPr>
           <p:nvPr>
-            <p:ph idx="2" type="sldImg"/>
+            <p:ph type="sldImg" idx="2"/>
           </p:nvPr>
         </p:nvSpPr>
         <p:spPr>
@@ -310,9 +318,13 @@
             <a:ext cx="6096075" cy="3429000"/>
           </a:xfrm>
           <a:custGeom>
-            <a:rect b="b" l="l" r="r" t="t"/>
+            <a:avLst/>
+            <a:gdLst/>
+            <a:ahLst/>
+            <a:cxnLst/>
+            <a:rect l="l" t="t" r="r" b="b"/>
             <a:pathLst>
-              <a:path extrusionOk="0" h="120000" w="120000">
+              <a:path w="120000" h="120000" extrusionOk="0">
                 <a:moveTo>
                   <a:pt x="0" y="0"/>
                 </a:moveTo>
@@ -330,23 +342,25 @@
             </a:pathLst>
           </a:custGeom>
           <a:noFill/>
-          <a:ln cap="flat" cmpd="sng" w="9525">
+          <a:ln w="9525" cap="flat" cmpd="sng">
             <a:solidFill>
               <a:srgbClr val="000000"/>
             </a:solidFill>
             <a:prstDash val="solid"/>
             <a:round/>
-            <a:headEnd len="sm" w="sm" type="none"/>
-            <a:tailEnd len="sm" w="sm" type="none"/>
+            <a:headEnd type="none" w="sm" len="sm"/>
+            <a:tailEnd type="none" w="sm" len="sm"/>
           </a:ln>
         </p:spPr>
       </p:sp>
       <p:sp>
         <p:nvSpPr>
           <p:cNvPr id="4" name="Google Shape;4;n"/>
-          <p:cNvSpPr txBox="1"/>
+          <p:cNvSpPr txBox="1">
+            <a:spLocks noGrp="1"/>
+          </p:cNvSpPr>
           <p:nvPr>
-            <p:ph idx="1" type="body"/>
+            <p:ph type="body" idx="1"/>
           </p:nvPr>
         </p:nvSpPr>
         <p:spPr>
@@ -363,11 +377,11 @@
           </a:ln>
         </p:spPr>
         <p:txBody>
-          <a:bodyPr anchorCtr="0" anchor="t" bIns="91425" lIns="91425" spcFirstLastPara="1" rIns="91425" wrap="square" tIns="91425">
+          <a:bodyPr spcFirstLastPara="1" wrap="square" lIns="91425" tIns="91425" rIns="91425" bIns="91425" anchor="t" anchorCtr="0">
             <a:noAutofit/>
           </a:bodyPr>
           <a:lstStyle>
-            <a:lvl1pPr indent="-298450" lvl="0" marL="457200">
+            <a:lvl1pPr marL="457200" lvl="0" indent="-298450">
               <a:spcBef>
                 <a:spcPts val="0"/>
               </a:spcBef>
@@ -378,7 +392,7 @@
               <a:buChar char="●"/>
               <a:defRPr sz="1100"/>
             </a:lvl1pPr>
-            <a:lvl2pPr indent="-298450" lvl="1" marL="914400">
+            <a:lvl2pPr marL="914400" lvl="1" indent="-298450">
               <a:spcBef>
                 <a:spcPts val="0"/>
               </a:spcBef>
@@ -389,7 +403,7 @@
               <a:buChar char="○"/>
               <a:defRPr sz="1100"/>
             </a:lvl2pPr>
-            <a:lvl3pPr indent="-298450" lvl="2" marL="1371600">
+            <a:lvl3pPr marL="1371600" lvl="2" indent="-298450">
               <a:spcBef>
                 <a:spcPts val="0"/>
               </a:spcBef>
@@ -400,7 +414,7 @@
               <a:buChar char="■"/>
               <a:defRPr sz="1100"/>
             </a:lvl3pPr>
-            <a:lvl4pPr indent="-298450" lvl="3" marL="1828800">
+            <a:lvl4pPr marL="1828800" lvl="3" indent="-298450">
               <a:spcBef>
                 <a:spcPts val="0"/>
               </a:spcBef>
@@ -411,7 +425,7 @@
               <a:buChar char="●"/>
               <a:defRPr sz="1100"/>
             </a:lvl4pPr>
-            <a:lvl5pPr indent="-298450" lvl="4" marL="2286000">
+            <a:lvl5pPr marL="2286000" lvl="4" indent="-298450">
               <a:spcBef>
                 <a:spcPts val="0"/>
               </a:spcBef>
@@ -422,7 +436,7 @@
               <a:buChar char="○"/>
               <a:defRPr sz="1100"/>
             </a:lvl5pPr>
-            <a:lvl6pPr indent="-298450" lvl="5" marL="2743200">
+            <a:lvl6pPr marL="2743200" lvl="5" indent="-298450">
               <a:spcBef>
                 <a:spcPts val="0"/>
               </a:spcBef>
@@ -433,7 +447,7 @@
               <a:buChar char="■"/>
               <a:defRPr sz="1100"/>
             </a:lvl6pPr>
-            <a:lvl7pPr indent="-298450" lvl="6" marL="3200400">
+            <a:lvl7pPr marL="3200400" lvl="6" indent="-298450">
               <a:spcBef>
                 <a:spcPts val="0"/>
               </a:spcBef>
@@ -444,7 +458,7 @@
               <a:buChar char="●"/>
               <a:defRPr sz="1100"/>
             </a:lvl7pPr>
-            <a:lvl8pPr indent="-298450" lvl="7" marL="3657600">
+            <a:lvl8pPr marL="3657600" lvl="7" indent="-298450">
               <a:spcBef>
                 <a:spcPts val="0"/>
               </a:spcBef>
@@ -455,7 +469,7 @@
               <a:buChar char="○"/>
               <a:defRPr sz="1100"/>
             </a:lvl8pPr>
-            <a:lvl9pPr indent="-298450" lvl="8" marL="4114800">
+            <a:lvl9pPr marL="4114800" lvl="8" indent="-298450">
               <a:spcBef>
                 <a:spcPts val="0"/>
               </a:spcBef>
@@ -467,14 +481,16 @@
               <a:defRPr sz="1100"/>
             </a:lvl9pPr>
           </a:lstStyle>
-          <a:p/>
+          <a:p>
+            <a:endParaRPr/>
+          </a:p>
         </p:txBody>
       </p:sp>
     </p:spTree>
   </p:cSld>
-  <p:clrMap accent1="accent1" accent2="accent2" accent3="accent3" accent4="accent4" accent5="accent5" accent6="accent6" bg1="lt1" bg2="dk2" tx1="dk1" tx2="lt2" folHlink="folHlink" hlink="hlink"/>
+  <p:clrMap bg1="lt1" tx1="dk1" bg2="dk2" tx2="lt2" accent1="accent1" accent2="accent2" accent3="accent3" accent4="accent4" accent5="accent5" accent6="accent6" hlink="hlink" folHlink="folHlink"/>
   <p:notesStyle>
-    <a:defPPr lvl="0" marR="0" rtl="0" algn="l">
+    <a:defPPr marR="0" lvl="0" algn="l" rtl="0">
       <a:lnSpc>
         <a:spcPct val="100000"/>
       </a:lnSpc>
@@ -485,7 +501,7 @@
         <a:spcPts val="0"/>
       </a:spcAft>
     </a:defPPr>
-    <a:lvl1pPr lvl="0" marR="0" rtl="0" algn="l">
+    <a:lvl1pPr marR="0" lvl="0" algn="l" rtl="0">
       <a:lnSpc>
         <a:spcPct val="100000"/>
       </a:lnSpc>
@@ -499,7 +515,7 @@
         <a:srgbClr val="000000"/>
       </a:buClr>
       <a:buFont typeface="Arial"/>
-      <a:defRPr b="0" i="0" sz="1400" u="none" cap="none" strike="noStrike">
+      <a:defRPr sz="1400" b="0" i="0" u="none" strike="noStrike" cap="none">
         <a:solidFill>
           <a:srgbClr val="000000"/>
         </a:solidFill>
@@ -509,7 +525,7 @@
         <a:sym typeface="Arial"/>
       </a:defRPr>
     </a:lvl1pPr>
-    <a:lvl2pPr lvl="1" marR="0" rtl="0" algn="l">
+    <a:lvl2pPr marR="0" lvl="1" algn="l" rtl="0">
       <a:lnSpc>
         <a:spcPct val="100000"/>
       </a:lnSpc>
@@ -523,7 +539,7 @@
         <a:srgbClr val="000000"/>
       </a:buClr>
       <a:buFont typeface="Arial"/>
-      <a:defRPr b="0" i="0" sz="1400" u="none" cap="none" strike="noStrike">
+      <a:defRPr sz="1400" b="0" i="0" u="none" strike="noStrike" cap="none">
         <a:solidFill>
           <a:srgbClr val="000000"/>
         </a:solidFill>
@@ -533,7 +549,7 @@
         <a:sym typeface="Arial"/>
       </a:defRPr>
     </a:lvl2pPr>
-    <a:lvl3pPr lvl="2" marR="0" rtl="0" algn="l">
+    <a:lvl3pPr marR="0" lvl="2" algn="l" rtl="0">
       <a:lnSpc>
         <a:spcPct val="100000"/>
       </a:lnSpc>
@@ -547,7 +563,7 @@
         <a:srgbClr val="000000"/>
       </a:buClr>
       <a:buFont typeface="Arial"/>
-      <a:defRPr b="0" i="0" sz="1400" u="none" cap="none" strike="noStrike">
+      <a:defRPr sz="1400" b="0" i="0" u="none" strike="noStrike" cap="none">
         <a:solidFill>
           <a:srgbClr val="000000"/>
         </a:solidFill>
@@ -557,7 +573,7 @@
         <a:sym typeface="Arial"/>
       </a:defRPr>
     </a:lvl3pPr>
-    <a:lvl4pPr lvl="3" marR="0" rtl="0" algn="l">
+    <a:lvl4pPr marR="0" lvl="3" algn="l" rtl="0">
       <a:lnSpc>
         <a:spcPct val="100000"/>
       </a:lnSpc>
@@ -571,7 +587,7 @@
         <a:srgbClr val="000000"/>
       </a:buClr>
       <a:buFont typeface="Arial"/>
-      <a:defRPr b="0" i="0" sz="1400" u="none" cap="none" strike="noStrike">
+      <a:defRPr sz="1400" b="0" i="0" u="none" strike="noStrike" cap="none">
         <a:solidFill>
           <a:srgbClr val="000000"/>
         </a:solidFill>
@@ -581,7 +597,7 @@
         <a:sym typeface="Arial"/>
       </a:defRPr>
     </a:lvl4pPr>
-    <a:lvl5pPr lvl="4" marR="0" rtl="0" algn="l">
+    <a:lvl5pPr marR="0" lvl="4" algn="l" rtl="0">
       <a:lnSpc>
         <a:spcPct val="100000"/>
       </a:lnSpc>
@@ -595,7 +611,7 @@
         <a:srgbClr val="000000"/>
       </a:buClr>
       <a:buFont typeface="Arial"/>
-      <a:defRPr b="0" i="0" sz="1400" u="none" cap="none" strike="noStrike">
+      <a:defRPr sz="1400" b="0" i="0" u="none" strike="noStrike" cap="none">
         <a:solidFill>
           <a:srgbClr val="000000"/>
         </a:solidFill>
@@ -605,7 +621,7 @@
         <a:sym typeface="Arial"/>
       </a:defRPr>
     </a:lvl5pPr>
-    <a:lvl6pPr lvl="5" marR="0" rtl="0" algn="l">
+    <a:lvl6pPr marR="0" lvl="5" algn="l" rtl="0">
       <a:lnSpc>
         <a:spcPct val="100000"/>
       </a:lnSpc>
@@ -619,7 +635,7 @@
         <a:srgbClr val="000000"/>
       </a:buClr>
       <a:buFont typeface="Arial"/>
-      <a:defRPr b="0" i="0" sz="1400" u="none" cap="none" strike="noStrike">
+      <a:defRPr sz="1400" b="0" i="0" u="none" strike="noStrike" cap="none">
         <a:solidFill>
           <a:srgbClr val="000000"/>
         </a:solidFill>
@@ -629,7 +645,7 @@
         <a:sym typeface="Arial"/>
       </a:defRPr>
     </a:lvl6pPr>
-    <a:lvl7pPr lvl="6" marR="0" rtl="0" algn="l">
+    <a:lvl7pPr marR="0" lvl="6" algn="l" rtl="0">
       <a:lnSpc>
         <a:spcPct val="100000"/>
       </a:lnSpc>
@@ -643,7 +659,7 @@
         <a:srgbClr val="000000"/>
       </a:buClr>
       <a:buFont typeface="Arial"/>
-      <a:defRPr b="0" i="0" sz="1400" u="none" cap="none" strike="noStrike">
+      <a:defRPr sz="1400" b="0" i="0" u="none" strike="noStrike" cap="none">
         <a:solidFill>
           <a:srgbClr val="000000"/>
         </a:solidFill>
@@ -653,7 +669,7 @@
         <a:sym typeface="Arial"/>
       </a:defRPr>
     </a:lvl7pPr>
-    <a:lvl8pPr lvl="7" marR="0" rtl="0" algn="l">
+    <a:lvl8pPr marR="0" lvl="7" algn="l" rtl="0">
       <a:lnSpc>
         <a:spcPct val="100000"/>
       </a:lnSpc>
@@ -667,7 +683,7 @@
         <a:srgbClr val="000000"/>
       </a:buClr>
       <a:buFont typeface="Arial"/>
-      <a:defRPr b="0" i="0" sz="1400" u="none" cap="none" strike="noStrike">
+      <a:defRPr sz="1400" b="0" i="0" u="none" strike="noStrike" cap="none">
         <a:solidFill>
           <a:srgbClr val="000000"/>
         </a:solidFill>
@@ -677,7 +693,7 @@
         <a:sym typeface="Arial"/>
       </a:defRPr>
     </a:lvl8pPr>
-    <a:lvl9pPr lvl="8" marR="0" rtl="0" algn="l">
+    <a:lvl9pPr marR="0" lvl="8" algn="l" rtl="0">
       <a:lnSpc>
         <a:spcPct val="100000"/>
       </a:lnSpc>
@@ -691,7 +707,7 @@
         <a:srgbClr val="000000"/>
       </a:buClr>
       <a:buFont typeface="Arial"/>
-      <a:defRPr b="0" i="0" sz="1400" u="none" cap="none" strike="noStrike">
+      <a:defRPr sz="1400" b="0" i="0" u="none" strike="noStrike" cap="none">
         <a:solidFill>
           <a:srgbClr val="000000"/>
         </a:solidFill>
@@ -706,11 +722,11 @@
 </file>
 
 <file path=ppt/notesSlides/notesSlide1.xml><?xml version="1.0" encoding="utf-8"?>
-<p:notes xmlns:a="http://schemas.openxmlformats.org/drawingml/2006/main" xmlns:r="http://schemas.openxmlformats.org/officeDocument/2006/relationships" xmlns:mc="http://schemas.openxmlformats.org/markup-compatibility/2006" xmlns:mv="urn:schemas-microsoft-com:mac:vml" xmlns:p="http://schemas.openxmlformats.org/presentationml/2006/main" xmlns:c="http://schemas.openxmlformats.org/drawingml/2006/chart" xmlns:dgm="http://schemas.openxmlformats.org/drawingml/2006/diagram" xmlns:o="urn:schemas-microsoft-com:office:office" xmlns:v="urn:schemas-microsoft-com:vml" xmlns:pvml="urn:schemas-microsoft-com:office:powerpoint" xmlns:com="http://schemas.openxmlformats.org/drawingml/2006/compatibility" xmlns:p14="http://schemas.microsoft.com/office/powerpoint/2010/main" xmlns:p15="http://schemas.microsoft.com/office/powerpoint/2012/main" xmlns:ahyp="http://schemas.microsoft.com/office/drawing/2018/hyperlinkcolor" showMasterPhAnim="0" showMasterSp="0">
+<p:notes xmlns:a="http://schemas.openxmlformats.org/drawingml/2006/main" xmlns:r="http://schemas.openxmlformats.org/officeDocument/2006/relationships" xmlns:p="http://schemas.openxmlformats.org/presentationml/2006/main" showMasterSp="0" showMasterPhAnim="0">
   <p:cSld>
     <p:spTree>
       <p:nvGrpSpPr>
-        <p:cNvPr id="59" name="Shape 59"/>
+        <p:cNvPr id="1" name="Shape 59"/>
         <p:cNvGrpSpPr/>
         <p:nvPr/>
       </p:nvGrpSpPr>
@@ -725,9 +741,11 @@
       <p:sp>
         <p:nvSpPr>
           <p:cNvPr id="60" name="Google Shape;60;p:notes"/>
-          <p:cNvSpPr/>
+          <p:cNvSpPr>
+            <a:spLocks noGrp="1" noRot="1" noChangeAspect="1"/>
+          </p:cNvSpPr>
           <p:nvPr>
-            <p:ph idx="2" type="sldImg"/>
+            <p:ph type="sldImg" idx="2"/>
           </p:nvPr>
         </p:nvSpPr>
         <p:spPr>
@@ -736,9 +754,13 @@
             <a:ext cx="6096075" cy="3429000"/>
           </a:xfrm>
           <a:custGeom>
-            <a:rect b="b" l="l" r="r" t="t"/>
+            <a:avLst/>
+            <a:gdLst/>
+            <a:ahLst/>
+            <a:cxnLst/>
+            <a:rect l="l" t="t" r="r" b="b"/>
             <a:pathLst>
-              <a:path extrusionOk="0" h="120000" w="120000">
+              <a:path w="120000" h="120000" extrusionOk="0">
                 <a:moveTo>
                   <a:pt x="0" y="0"/>
                 </a:moveTo>
@@ -760,9 +782,11 @@
       <p:sp>
         <p:nvSpPr>
           <p:cNvPr id="61" name="Google Shape;61;p:notes"/>
-          <p:cNvSpPr txBox="1"/>
+          <p:cNvSpPr txBox="1">
+            <a:spLocks noGrp="1"/>
+          </p:cNvSpPr>
           <p:nvPr>
-            <p:ph idx="1" type="body"/>
+            <p:ph type="body" idx="1"/>
           </p:nvPr>
         </p:nvSpPr>
         <p:spPr>
@@ -775,12 +799,12 @@
           </a:prstGeom>
         </p:spPr>
         <p:txBody>
-          <a:bodyPr anchorCtr="0" anchor="t" bIns="91425" lIns="91425" spcFirstLastPara="1" rIns="91425" wrap="square" tIns="91425">
+          <a:bodyPr spcFirstLastPara="1" wrap="square" lIns="91425" tIns="91425" rIns="91425" bIns="91425" anchor="t" anchorCtr="0">
             <a:noAutofit/>
           </a:bodyPr>
           <a:lstStyle/>
           <a:p>
-            <a:pPr indent="0" lvl="0" marL="0" rtl="0" algn="l">
+            <a:pPr marL="0" lvl="0" indent="0" algn="l" rtl="0">
               <a:spcBef>
                 <a:spcPts val="0"/>
               </a:spcBef>
@@ -789,9 +813,6 @@
               </a:spcAft>
               <a:buNone/>
             </a:pPr>
-            <a:r>
-              <a:t/>
-            </a:r>
             <a:endParaRPr/>
           </a:p>
         </p:txBody>
@@ -805,11 +826,11 @@
 </file>
 
 <file path=ppt/notesSlides/notesSlide2.xml><?xml version="1.0" encoding="utf-8"?>
-<p:notes xmlns:a="http://schemas.openxmlformats.org/drawingml/2006/main" xmlns:r="http://schemas.openxmlformats.org/officeDocument/2006/relationships" xmlns:mc="http://schemas.openxmlformats.org/markup-compatibility/2006" xmlns:mv="urn:schemas-microsoft-com:mac:vml" xmlns:p="http://schemas.openxmlformats.org/presentationml/2006/main" xmlns:c="http://schemas.openxmlformats.org/drawingml/2006/chart" xmlns:dgm="http://schemas.openxmlformats.org/drawingml/2006/diagram" xmlns:o="urn:schemas-microsoft-com:office:office" xmlns:v="urn:schemas-microsoft-com:vml" xmlns:pvml="urn:schemas-microsoft-com:office:powerpoint" xmlns:com="http://schemas.openxmlformats.org/drawingml/2006/compatibility" xmlns:p14="http://schemas.microsoft.com/office/powerpoint/2010/main" xmlns:p15="http://schemas.microsoft.com/office/powerpoint/2012/main" xmlns:ahyp="http://schemas.microsoft.com/office/drawing/2018/hyperlinkcolor" showMasterPhAnim="0" showMasterSp="0">
+<p:notes xmlns:a="http://schemas.openxmlformats.org/drawingml/2006/main" xmlns:r="http://schemas.openxmlformats.org/officeDocument/2006/relationships" xmlns:p="http://schemas.openxmlformats.org/presentationml/2006/main" showMasterSp="0" showMasterPhAnim="0">
   <p:cSld>
     <p:spTree>
       <p:nvGrpSpPr>
-        <p:cNvPr id="65" name="Shape 65"/>
+        <p:cNvPr id="1" name="Shape 65"/>
         <p:cNvGrpSpPr/>
         <p:nvPr/>
       </p:nvGrpSpPr>
@@ -824,9 +845,11 @@
       <p:sp>
         <p:nvSpPr>
           <p:cNvPr id="66" name="Google Shape;66;g1ba5995b9ed_0_268:notes"/>
-          <p:cNvSpPr/>
+          <p:cNvSpPr>
+            <a:spLocks noGrp="1" noRot="1" noChangeAspect="1"/>
+          </p:cNvSpPr>
           <p:nvPr>
-            <p:ph idx="2" type="sldImg"/>
+            <p:ph type="sldImg" idx="2"/>
           </p:nvPr>
         </p:nvSpPr>
         <p:spPr>
@@ -835,9 +858,13 @@
             <a:ext cx="6096000" cy="3429000"/>
           </a:xfrm>
           <a:custGeom>
-            <a:rect b="b" l="l" r="r" t="t"/>
+            <a:avLst/>
+            <a:gdLst/>
+            <a:ahLst/>
+            <a:cxnLst/>
+            <a:rect l="l" t="t" r="r" b="b"/>
             <a:pathLst>
-              <a:path extrusionOk="0" h="120000" w="120000">
+              <a:path w="120000" h="120000" extrusionOk="0">
                 <a:moveTo>
                   <a:pt x="0" y="0"/>
                 </a:moveTo>
@@ -859,9 +886,11 @@
       <p:sp>
         <p:nvSpPr>
           <p:cNvPr id="67" name="Google Shape;67;g1ba5995b9ed_0_268:notes"/>
-          <p:cNvSpPr txBox="1"/>
+          <p:cNvSpPr txBox="1">
+            <a:spLocks noGrp="1"/>
+          </p:cNvSpPr>
           <p:nvPr>
-            <p:ph idx="1" type="body"/>
+            <p:ph type="body" idx="1"/>
           </p:nvPr>
         </p:nvSpPr>
         <p:spPr>
@@ -874,12 +903,12 @@
           </a:prstGeom>
         </p:spPr>
         <p:txBody>
-          <a:bodyPr anchorCtr="0" anchor="t" bIns="91425" lIns="91425" spcFirstLastPara="1" rIns="91425" wrap="square" tIns="91425">
+          <a:bodyPr spcFirstLastPara="1" wrap="square" lIns="91425" tIns="91425" rIns="91425" bIns="91425" anchor="t" anchorCtr="0">
             <a:noAutofit/>
           </a:bodyPr>
           <a:lstStyle/>
           <a:p>
-            <a:pPr indent="0" lvl="0" marL="0" rtl="0" algn="l">
+            <a:pPr marL="0" lvl="0" indent="0" algn="l" rtl="0">
               <a:spcBef>
                 <a:spcPts val="0"/>
               </a:spcBef>
@@ -888,9 +917,6 @@
               </a:spcAft>
               <a:buNone/>
             </a:pPr>
-            <a:r>
-              <a:t/>
-            </a:r>
             <a:endParaRPr/>
           </a:p>
         </p:txBody>
@@ -904,11 +930,11 @@
 </file>
 
 <file path=ppt/notesSlides/notesSlide3.xml><?xml version="1.0" encoding="utf-8"?>
-<p:notes xmlns:a="http://schemas.openxmlformats.org/drawingml/2006/main" xmlns:r="http://schemas.openxmlformats.org/officeDocument/2006/relationships" xmlns:mc="http://schemas.openxmlformats.org/markup-compatibility/2006" xmlns:mv="urn:schemas-microsoft-com:mac:vml" xmlns:p="http://schemas.openxmlformats.org/presentationml/2006/main" xmlns:c="http://schemas.openxmlformats.org/drawingml/2006/chart" xmlns:dgm="http://schemas.openxmlformats.org/drawingml/2006/diagram" xmlns:o="urn:schemas-microsoft-com:office:office" xmlns:v="urn:schemas-microsoft-com:vml" xmlns:pvml="urn:schemas-microsoft-com:office:powerpoint" xmlns:com="http://schemas.openxmlformats.org/drawingml/2006/compatibility" xmlns:p14="http://schemas.microsoft.com/office/powerpoint/2010/main" xmlns:p15="http://schemas.microsoft.com/office/powerpoint/2012/main" xmlns:ahyp="http://schemas.microsoft.com/office/drawing/2018/hyperlinkcolor" showMasterPhAnim="0" showMasterSp="0">
+<p:notes xmlns:a="http://schemas.openxmlformats.org/drawingml/2006/main" xmlns:r="http://schemas.openxmlformats.org/officeDocument/2006/relationships" xmlns:p="http://schemas.openxmlformats.org/presentationml/2006/main" showMasterSp="0" showMasterPhAnim="0">
   <p:cSld>
     <p:spTree>
       <p:nvGrpSpPr>
-        <p:cNvPr id="72" name="Shape 72"/>
+        <p:cNvPr id="1" name="Shape 72"/>
         <p:cNvGrpSpPr/>
         <p:nvPr/>
       </p:nvGrpSpPr>
@@ -923,9 +949,11 @@
       <p:sp>
         <p:nvSpPr>
           <p:cNvPr id="73" name="Google Shape;73;g1ba5995b9ed_0_278:notes"/>
-          <p:cNvSpPr/>
+          <p:cNvSpPr>
+            <a:spLocks noGrp="1" noRot="1" noChangeAspect="1"/>
+          </p:cNvSpPr>
           <p:nvPr>
-            <p:ph idx="2" type="sldImg"/>
+            <p:ph type="sldImg" idx="2"/>
           </p:nvPr>
         </p:nvSpPr>
         <p:spPr>
@@ -934,9 +962,13 @@
             <a:ext cx="6096000" cy="3429000"/>
           </a:xfrm>
           <a:custGeom>
-            <a:rect b="b" l="l" r="r" t="t"/>
+            <a:avLst/>
+            <a:gdLst/>
+            <a:ahLst/>
+            <a:cxnLst/>
+            <a:rect l="l" t="t" r="r" b="b"/>
             <a:pathLst>
-              <a:path extrusionOk="0" h="120000" w="120000">
+              <a:path w="120000" h="120000" extrusionOk="0">
                 <a:moveTo>
                   <a:pt x="0" y="0"/>
                 </a:moveTo>
@@ -958,9 +990,11 @@
       <p:sp>
         <p:nvSpPr>
           <p:cNvPr id="74" name="Google Shape;74;g1ba5995b9ed_0_278:notes"/>
-          <p:cNvSpPr txBox="1"/>
+          <p:cNvSpPr txBox="1">
+            <a:spLocks noGrp="1"/>
+          </p:cNvSpPr>
           <p:nvPr>
-            <p:ph idx="1" type="body"/>
+            <p:ph type="body" idx="1"/>
           </p:nvPr>
         </p:nvSpPr>
         <p:spPr>
@@ -973,12 +1007,12 @@
           </a:prstGeom>
         </p:spPr>
         <p:txBody>
-          <a:bodyPr anchorCtr="0" anchor="t" bIns="91425" lIns="91425" spcFirstLastPara="1" rIns="91425" wrap="square" tIns="91425">
+          <a:bodyPr spcFirstLastPara="1" wrap="square" lIns="91425" tIns="91425" rIns="91425" bIns="91425" anchor="t" anchorCtr="0">
             <a:noAutofit/>
           </a:bodyPr>
           <a:lstStyle/>
           <a:p>
-            <a:pPr indent="0" lvl="0" marL="0" rtl="0" algn="l">
+            <a:pPr marL="0" lvl="0" indent="0" algn="l" rtl="0">
               <a:spcBef>
                 <a:spcPts val="0"/>
               </a:spcBef>
@@ -987,9 +1021,6 @@
               </a:spcAft>
               <a:buNone/>
             </a:pPr>
-            <a:r>
-              <a:t/>
-            </a:r>
             <a:endParaRPr/>
           </a:p>
         </p:txBody>
@@ -1003,11 +1034,11 @@
 </file>
 
 <file path=ppt/notesSlides/notesSlide4.xml><?xml version="1.0" encoding="utf-8"?>
-<p:notes xmlns:a="http://schemas.openxmlformats.org/drawingml/2006/main" xmlns:r="http://schemas.openxmlformats.org/officeDocument/2006/relationships" xmlns:mc="http://schemas.openxmlformats.org/markup-compatibility/2006" xmlns:mv="urn:schemas-microsoft-com:mac:vml" xmlns:p="http://schemas.openxmlformats.org/presentationml/2006/main" xmlns:c="http://schemas.openxmlformats.org/drawingml/2006/chart" xmlns:dgm="http://schemas.openxmlformats.org/drawingml/2006/diagram" xmlns:o="urn:schemas-microsoft-com:office:office" xmlns:v="urn:schemas-microsoft-com:vml" xmlns:pvml="urn:schemas-microsoft-com:office:powerpoint" xmlns:com="http://schemas.openxmlformats.org/drawingml/2006/compatibility" xmlns:p14="http://schemas.microsoft.com/office/powerpoint/2010/main" xmlns:p15="http://schemas.microsoft.com/office/powerpoint/2012/main" xmlns:ahyp="http://schemas.microsoft.com/office/drawing/2018/hyperlinkcolor" showMasterPhAnim="0" showMasterSp="0">
+<p:notes xmlns:a="http://schemas.openxmlformats.org/drawingml/2006/main" xmlns:r="http://schemas.openxmlformats.org/officeDocument/2006/relationships" xmlns:p="http://schemas.openxmlformats.org/presentationml/2006/main" showMasterSp="0" showMasterPhAnim="0">
   <p:cSld>
     <p:spTree>
       <p:nvGrpSpPr>
-        <p:cNvPr id="78" name="Shape 78"/>
+        <p:cNvPr id="1" name="Shape 78"/>
         <p:cNvGrpSpPr/>
         <p:nvPr/>
       </p:nvGrpSpPr>
@@ -1022,9 +1053,11 @@
       <p:sp>
         <p:nvSpPr>
           <p:cNvPr id="79" name="Google Shape;79;g1ba5995b9ed_0_605:notes"/>
-          <p:cNvSpPr/>
+          <p:cNvSpPr>
+            <a:spLocks noGrp="1" noRot="1" noChangeAspect="1"/>
+          </p:cNvSpPr>
           <p:nvPr>
-            <p:ph idx="2" type="sldImg"/>
+            <p:ph type="sldImg" idx="2"/>
           </p:nvPr>
         </p:nvSpPr>
         <p:spPr>
@@ -1033,9 +1066,13 @@
             <a:ext cx="6096000" cy="3429000"/>
           </a:xfrm>
           <a:custGeom>
-            <a:rect b="b" l="l" r="r" t="t"/>
+            <a:avLst/>
+            <a:gdLst/>
+            <a:ahLst/>
+            <a:cxnLst/>
+            <a:rect l="l" t="t" r="r" b="b"/>
             <a:pathLst>
-              <a:path extrusionOk="0" h="120000" w="120000">
+              <a:path w="120000" h="120000" extrusionOk="0">
                 <a:moveTo>
                   <a:pt x="0" y="0"/>
                 </a:moveTo>
@@ -1057,9 +1094,11 @@
       <p:sp>
         <p:nvSpPr>
           <p:cNvPr id="80" name="Google Shape;80;g1ba5995b9ed_0_605:notes"/>
-          <p:cNvSpPr txBox="1"/>
+          <p:cNvSpPr txBox="1">
+            <a:spLocks noGrp="1"/>
+          </p:cNvSpPr>
           <p:nvPr>
-            <p:ph idx="1" type="body"/>
+            <p:ph type="body" idx="1"/>
           </p:nvPr>
         </p:nvSpPr>
         <p:spPr>
@@ -1072,12 +1111,12 @@
           </a:prstGeom>
         </p:spPr>
         <p:txBody>
-          <a:bodyPr anchorCtr="0" anchor="t" bIns="91425" lIns="91425" spcFirstLastPara="1" rIns="91425" wrap="square" tIns="91425">
+          <a:bodyPr spcFirstLastPara="1" wrap="square" lIns="91425" tIns="91425" rIns="91425" bIns="91425" anchor="t" anchorCtr="0">
             <a:noAutofit/>
           </a:bodyPr>
           <a:lstStyle/>
           <a:p>
-            <a:pPr indent="0" lvl="0" marL="0" rtl="0" algn="l">
+            <a:pPr marL="0" lvl="0" indent="0" algn="l" rtl="0">
               <a:spcBef>
                 <a:spcPts val="0"/>
               </a:spcBef>
@@ -1086,9 +1125,6 @@
               </a:spcAft>
               <a:buNone/>
             </a:pPr>
-            <a:r>
-              <a:t/>
-            </a:r>
             <a:endParaRPr/>
           </a:p>
         </p:txBody>
@@ -1102,11 +1138,11 @@
 </file>
 
 <file path=ppt/notesSlides/notesSlide5.xml><?xml version="1.0" encoding="utf-8"?>
-<p:notes xmlns:a="http://schemas.openxmlformats.org/drawingml/2006/main" xmlns:r="http://schemas.openxmlformats.org/officeDocument/2006/relationships" xmlns:mc="http://schemas.openxmlformats.org/markup-compatibility/2006" xmlns:mv="urn:schemas-microsoft-com:mac:vml" xmlns:p="http://schemas.openxmlformats.org/presentationml/2006/main" xmlns:c="http://schemas.openxmlformats.org/drawingml/2006/chart" xmlns:dgm="http://schemas.openxmlformats.org/drawingml/2006/diagram" xmlns:o="urn:schemas-microsoft-com:office:office" xmlns:v="urn:schemas-microsoft-com:vml" xmlns:pvml="urn:schemas-microsoft-com:office:powerpoint" xmlns:com="http://schemas.openxmlformats.org/drawingml/2006/compatibility" xmlns:p14="http://schemas.microsoft.com/office/powerpoint/2010/main" xmlns:p15="http://schemas.microsoft.com/office/powerpoint/2012/main" xmlns:ahyp="http://schemas.microsoft.com/office/drawing/2018/hyperlinkcolor" showMasterPhAnim="0" showMasterSp="0">
+<p:notes xmlns:a="http://schemas.openxmlformats.org/drawingml/2006/main" xmlns:r="http://schemas.openxmlformats.org/officeDocument/2006/relationships" xmlns:p="http://schemas.openxmlformats.org/presentationml/2006/main" showMasterSp="0" showMasterPhAnim="0">
   <p:cSld>
     <p:spTree>
       <p:nvGrpSpPr>
-        <p:cNvPr id="85" name="Shape 85"/>
+        <p:cNvPr id="1" name="Shape 85"/>
         <p:cNvGrpSpPr/>
         <p:nvPr/>
       </p:nvGrpSpPr>
@@ -1121,20 +1157,26 @@
       <p:sp>
         <p:nvSpPr>
           <p:cNvPr id="86" name="Google Shape;86;g1ba5995b9ed_0_273:notes"/>
-          <p:cNvSpPr/>
+          <p:cNvSpPr>
+            <a:spLocks noGrp="1" noRot="1" noChangeAspect="1"/>
+          </p:cNvSpPr>
           <p:nvPr>
-            <p:ph idx="2" type="sldImg"/>
+            <p:ph type="sldImg" idx="2"/>
           </p:nvPr>
         </p:nvSpPr>
         <p:spPr>
           <a:xfrm>
-            <a:off x="381300" y="685800"/>
+            <a:off x="381000" y="685800"/>
             <a:ext cx="6096000" cy="3429000"/>
           </a:xfrm>
           <a:custGeom>
-            <a:rect b="b" l="l" r="r" t="t"/>
+            <a:avLst/>
+            <a:gdLst/>
+            <a:ahLst/>
+            <a:cxnLst/>
+            <a:rect l="l" t="t" r="r" b="b"/>
             <a:pathLst>
-              <a:path extrusionOk="0" h="120000" w="120000">
+              <a:path w="120000" h="120000" extrusionOk="0">
                 <a:moveTo>
                   <a:pt x="0" y="0"/>
                 </a:moveTo>
@@ -1156,9 +1198,11 @@
       <p:sp>
         <p:nvSpPr>
           <p:cNvPr id="87" name="Google Shape;87;g1ba5995b9ed_0_273:notes"/>
-          <p:cNvSpPr txBox="1"/>
+          <p:cNvSpPr txBox="1">
+            <a:spLocks noGrp="1"/>
+          </p:cNvSpPr>
           <p:nvPr>
-            <p:ph idx="1" type="body"/>
+            <p:ph type="body" idx="1"/>
           </p:nvPr>
         </p:nvSpPr>
         <p:spPr>
@@ -1171,12 +1215,12 @@
           </a:prstGeom>
         </p:spPr>
         <p:txBody>
-          <a:bodyPr anchorCtr="0" anchor="t" bIns="91425" lIns="91425" spcFirstLastPara="1" rIns="91425" wrap="square" tIns="91425">
+          <a:bodyPr spcFirstLastPara="1" wrap="square" lIns="91425" tIns="91425" rIns="91425" bIns="91425" anchor="t" anchorCtr="0">
             <a:noAutofit/>
           </a:bodyPr>
           <a:lstStyle/>
           <a:p>
-            <a:pPr indent="0" lvl="0" marL="0" rtl="0" algn="l">
+            <a:pPr marL="0" lvl="0" indent="0" algn="l" rtl="0">
               <a:spcBef>
                 <a:spcPts val="0"/>
               </a:spcBef>
@@ -1185,9 +1229,6 @@
               </a:spcAft>
               <a:buNone/>
             </a:pPr>
-            <a:r>
-              <a:t/>
-            </a:r>
             <a:endParaRPr/>
           </a:p>
         </p:txBody>
@@ -1201,11 +1242,11 @@
 </file>
 
 <file path=ppt/notesSlides/notesSlide6.xml><?xml version="1.0" encoding="utf-8"?>
-<p:notes xmlns:a="http://schemas.openxmlformats.org/drawingml/2006/main" xmlns:r="http://schemas.openxmlformats.org/officeDocument/2006/relationships" xmlns:mc="http://schemas.openxmlformats.org/markup-compatibility/2006" xmlns:mv="urn:schemas-microsoft-com:mac:vml" xmlns:p="http://schemas.openxmlformats.org/presentationml/2006/main" xmlns:c="http://schemas.openxmlformats.org/drawingml/2006/chart" xmlns:dgm="http://schemas.openxmlformats.org/drawingml/2006/diagram" xmlns:o="urn:schemas-microsoft-com:office:office" xmlns:v="urn:schemas-microsoft-com:vml" xmlns:pvml="urn:schemas-microsoft-com:office:powerpoint" xmlns:com="http://schemas.openxmlformats.org/drawingml/2006/compatibility" xmlns:p14="http://schemas.microsoft.com/office/powerpoint/2010/main" xmlns:p15="http://schemas.microsoft.com/office/powerpoint/2012/main" xmlns:ahyp="http://schemas.microsoft.com/office/drawing/2018/hyperlinkcolor" showMasterPhAnim="0" showMasterSp="0">
+<p:notes xmlns:a="http://schemas.openxmlformats.org/drawingml/2006/main" xmlns:r="http://schemas.openxmlformats.org/officeDocument/2006/relationships" xmlns:p="http://schemas.openxmlformats.org/presentationml/2006/main" showMasterSp="0" showMasterPhAnim="0">
   <p:cSld>
     <p:spTree>
       <p:nvGrpSpPr>
-        <p:cNvPr id="92" name="Shape 92"/>
+        <p:cNvPr id="1" name="Shape 92"/>
         <p:cNvGrpSpPr/>
         <p:nvPr/>
       </p:nvGrpSpPr>
@@ -1220,20 +1261,26 @@
       <p:sp>
         <p:nvSpPr>
           <p:cNvPr id="93" name="Google Shape;93;g1ba5995b9ed_0_631:notes"/>
-          <p:cNvSpPr/>
+          <p:cNvSpPr>
+            <a:spLocks noGrp="1" noRot="1" noChangeAspect="1"/>
+          </p:cNvSpPr>
           <p:nvPr>
-            <p:ph idx="2" type="sldImg"/>
+            <p:ph type="sldImg" idx="2"/>
           </p:nvPr>
         </p:nvSpPr>
         <p:spPr>
           <a:xfrm>
-            <a:off x="381300" y="685800"/>
+            <a:off x="381000" y="685800"/>
             <a:ext cx="6096000" cy="3429000"/>
           </a:xfrm>
           <a:custGeom>
-            <a:rect b="b" l="l" r="r" t="t"/>
+            <a:avLst/>
+            <a:gdLst/>
+            <a:ahLst/>
+            <a:cxnLst/>
+            <a:rect l="l" t="t" r="r" b="b"/>
             <a:pathLst>
-              <a:path extrusionOk="0" h="120000" w="120000">
+              <a:path w="120000" h="120000" extrusionOk="0">
                 <a:moveTo>
                   <a:pt x="0" y="0"/>
                 </a:moveTo>
@@ -1255,9 +1302,11 @@
       <p:sp>
         <p:nvSpPr>
           <p:cNvPr id="94" name="Google Shape;94;g1ba5995b9ed_0_631:notes"/>
-          <p:cNvSpPr txBox="1"/>
+          <p:cNvSpPr txBox="1">
+            <a:spLocks noGrp="1"/>
+          </p:cNvSpPr>
           <p:nvPr>
-            <p:ph idx="1" type="body"/>
+            <p:ph type="body" idx="1"/>
           </p:nvPr>
         </p:nvSpPr>
         <p:spPr>
@@ -1270,12 +1319,12 @@
           </a:prstGeom>
         </p:spPr>
         <p:txBody>
-          <a:bodyPr anchorCtr="0" anchor="t" bIns="91425" lIns="91425" spcFirstLastPara="1" rIns="91425" wrap="square" tIns="91425">
+          <a:bodyPr spcFirstLastPara="1" wrap="square" lIns="91425" tIns="91425" rIns="91425" bIns="91425" anchor="t" anchorCtr="0">
             <a:noAutofit/>
           </a:bodyPr>
           <a:lstStyle/>
           <a:p>
-            <a:pPr indent="0" lvl="0" marL="0" rtl="0" algn="l">
+            <a:pPr marL="0" lvl="0" indent="0" algn="l" rtl="0">
               <a:spcBef>
                 <a:spcPts val="0"/>
               </a:spcBef>
@@ -1284,9 +1333,6 @@
               </a:spcAft>
               <a:buNone/>
             </a:pPr>
-            <a:r>
-              <a:t/>
-            </a:r>
             <a:endParaRPr/>
           </a:p>
         </p:txBody>
@@ -1300,11 +1346,11 @@
 </file>
 
 <file path=ppt/slideLayouts/slideLayout1.xml><?xml version="1.0" encoding="utf-8"?>
-<p:sldLayout xmlns:a="http://schemas.openxmlformats.org/drawingml/2006/main" xmlns:r="http://schemas.openxmlformats.org/officeDocument/2006/relationships" xmlns:mc="http://schemas.openxmlformats.org/markup-compatibility/2006" xmlns:mv="urn:schemas-microsoft-com:mac:vml" xmlns:p="http://schemas.openxmlformats.org/presentationml/2006/main" xmlns:c="http://schemas.openxmlformats.org/drawingml/2006/chart" xmlns:dgm="http://schemas.openxmlformats.org/drawingml/2006/diagram" xmlns:o="urn:schemas-microsoft-com:office:office" xmlns:v="urn:schemas-microsoft-com:vml" xmlns:pvml="urn:schemas-microsoft-com:office:powerpoint" xmlns:com="http://schemas.openxmlformats.org/drawingml/2006/compatibility" xmlns:p14="http://schemas.microsoft.com/office/powerpoint/2010/main" xmlns:p15="http://schemas.microsoft.com/office/powerpoint/2012/main" xmlns:ahyp="http://schemas.microsoft.com/office/drawing/2018/hyperlinkcolor" matchingName="Title slide" type="title">
+<p:sldLayout xmlns:a="http://schemas.openxmlformats.org/drawingml/2006/main" xmlns:r="http://schemas.openxmlformats.org/officeDocument/2006/relationships" xmlns:p="http://schemas.openxmlformats.org/presentationml/2006/main" matchingName="Title slide" type="title">
   <p:cSld name="TITLE">
     <p:spTree>
       <p:nvGrpSpPr>
-        <p:cNvPr id="9" name="Shape 9"/>
+        <p:cNvPr id="1" name="Shape 9"/>
         <p:cNvGrpSpPr/>
         <p:nvPr/>
       </p:nvGrpSpPr>
@@ -1328,9 +1374,13 @@
             <a:ext cx="1081625" cy="1124950"/>
           </a:xfrm>
           <a:custGeom>
-            <a:rect b="b" l="l" r="r" t="t"/>
+            <a:avLst/>
+            <a:gdLst/>
+            <a:ahLst/>
+            <a:cxnLst/>
+            <a:rect l="l" t="t" r="r" b="b"/>
             <a:pathLst>
-              <a:path extrusionOk="0" h="44998" w="43265">
+              <a:path w="43265" h="44998" extrusionOk="0">
                 <a:moveTo>
                   <a:pt x="0" y="44998"/>
                 </a:moveTo>
@@ -1344,14 +1394,14 @@
             </a:pathLst>
           </a:custGeom>
           <a:noFill/>
-          <a:ln cap="flat" cmpd="sng" w="28575">
+          <a:ln w="28575" cap="flat" cmpd="sng">
             <a:solidFill>
               <a:schemeClr val="accent5"/>
             </a:solidFill>
             <a:prstDash val="solid"/>
             <a:miter lim="8000"/>
-            <a:headEnd len="sm" w="sm" type="none"/>
-            <a:tailEnd len="sm" w="sm" type="none"/>
+            <a:headEnd type="none" w="sm" len="sm"/>
+            <a:tailEnd type="none" w="sm" len="sm"/>
           </a:ln>
         </p:spPr>
       </p:sp>
@@ -1367,9 +1417,13 @@
             <a:ext cx="1081625" cy="1124950"/>
           </a:xfrm>
           <a:custGeom>
-            <a:rect b="b" l="l" r="r" t="t"/>
+            <a:avLst/>
+            <a:gdLst/>
+            <a:ahLst/>
+            <a:cxnLst/>
+            <a:rect l="l" t="t" r="r" b="b"/>
             <a:pathLst>
-              <a:path extrusionOk="0" h="44998" w="43265">
+              <a:path w="43265" h="44998" extrusionOk="0">
                 <a:moveTo>
                   <a:pt x="0" y="44998"/>
                 </a:moveTo>
@@ -1383,14 +1437,14 @@
             </a:pathLst>
           </a:custGeom>
           <a:noFill/>
-          <a:ln cap="flat" cmpd="sng" w="28575">
+          <a:ln w="28575" cap="flat" cmpd="sng">
             <a:solidFill>
               <a:schemeClr val="accent5"/>
             </a:solidFill>
             <a:prstDash val="solid"/>
             <a:miter lim="8000"/>
-            <a:headEnd len="sm" w="sm" type="none"/>
-            <a:tailEnd len="sm" w="sm" type="none"/>
+            <a:headEnd type="none" w="sm" len="sm"/>
+            <a:tailEnd type="none" w="sm" len="sm"/>
           </a:ln>
         </p:spPr>
       </p:sp>
@@ -1409,21 +1463,23 @@
             <a:avLst/>
           </a:prstGeom>
           <a:noFill/>
-          <a:ln cap="flat" cmpd="sng" w="38100">
+          <a:ln w="38100" cap="flat" cmpd="sng">
             <a:solidFill>
               <a:schemeClr val="accent4"/>
             </a:solidFill>
             <a:prstDash val="solid"/>
             <a:round/>
-            <a:headEnd len="sm" w="sm" type="none"/>
-            <a:tailEnd len="sm" w="sm" type="none"/>
+            <a:headEnd type="none" w="sm" len="sm"/>
+            <a:tailEnd type="none" w="sm" len="sm"/>
           </a:ln>
         </p:spPr>
       </p:cxnSp>
       <p:sp>
         <p:nvSpPr>
           <p:cNvPr id="13" name="Google Shape;13;p2"/>
-          <p:cNvSpPr txBox="1"/>
+          <p:cNvSpPr txBox="1">
+            <a:spLocks noGrp="1"/>
+          </p:cNvSpPr>
           <p:nvPr>
             <p:ph type="ctrTitle"/>
           </p:nvPr>
@@ -1438,7 +1494,7 @@
           </a:prstGeom>
         </p:spPr>
         <p:txBody>
-          <a:bodyPr anchorCtr="0" anchor="b" bIns="91425" lIns="91425" spcFirstLastPara="1" rIns="91425" wrap="square" tIns="91425">
+          <a:bodyPr spcFirstLastPara="1" wrap="square" lIns="91425" tIns="91425" rIns="91425" bIns="91425" anchor="b" anchorCtr="0">
             <a:normAutofit/>
           </a:bodyPr>
           <a:lstStyle>
@@ -1542,15 +1598,19 @@
               <a:defRPr sz="4000"/>
             </a:lvl9pPr>
           </a:lstStyle>
-          <a:p/>
+          <a:p>
+            <a:endParaRPr/>
+          </a:p>
         </p:txBody>
       </p:sp>
       <p:sp>
         <p:nvSpPr>
           <p:cNvPr id="14" name="Google Shape;14;p2"/>
-          <p:cNvSpPr txBox="1"/>
+          <p:cNvSpPr txBox="1">
+            <a:spLocks noGrp="1"/>
+          </p:cNvSpPr>
           <p:nvPr>
-            <p:ph idx="1" type="subTitle"/>
+            <p:ph type="subTitle" idx="1"/>
           </p:nvPr>
         </p:nvSpPr>
         <p:spPr>
@@ -1563,7 +1623,7 @@
           </a:prstGeom>
         </p:spPr>
         <p:txBody>
-          <a:bodyPr anchorCtr="0" anchor="t" bIns="91425" lIns="91425" spcFirstLastPara="1" rIns="91425" wrap="square" tIns="91425">
+          <a:bodyPr spcFirstLastPara="1" wrap="square" lIns="91425" tIns="91425" rIns="91425" bIns="91425" anchor="t" anchorCtr="0">
             <a:normAutofit/>
           </a:bodyPr>
           <a:lstStyle>
@@ -1802,15 +1862,19 @@
               </a:defRPr>
             </a:lvl9pPr>
           </a:lstStyle>
-          <a:p/>
+          <a:p>
+            <a:endParaRPr/>
+          </a:p>
         </p:txBody>
       </p:sp>
       <p:sp>
         <p:nvSpPr>
           <p:cNvPr id="15" name="Google Shape;15;p2"/>
-          <p:cNvSpPr txBox="1"/>
+          <p:cNvSpPr txBox="1">
+            <a:spLocks noGrp="1"/>
+          </p:cNvSpPr>
           <p:nvPr>
-            <p:ph idx="12" type="sldNum"/>
+            <p:ph type="sldNum" idx="12"/>
           </p:nvPr>
         </p:nvSpPr>
         <p:spPr>
@@ -1823,7 +1887,7 @@
           </a:prstGeom>
         </p:spPr>
         <p:txBody>
-          <a:bodyPr anchorCtr="0" anchor="ctr" bIns="91425" lIns="91425" spcFirstLastPara="1" rIns="91425" wrap="square" tIns="91425">
+          <a:bodyPr spcFirstLastPara="1" wrap="square" lIns="91425" tIns="91425" rIns="91425" bIns="91425" anchor="ctr" anchorCtr="0">
             <a:normAutofit/>
           </a:bodyPr>
           <a:lstStyle>
@@ -1865,7 +1929,7 @@
             </a:lvl9pPr>
           </a:lstStyle>
           <a:p>
-            <a:pPr indent="0" lvl="0" marL="0" rtl="0" algn="r">
+            <a:pPr marL="0" lvl="0" indent="0" algn="r" rtl="0">
               <a:spcBef>
                 <a:spcPts val="0"/>
               </a:spcBef>
@@ -1891,11 +1955,11 @@
 </file>
 
 <file path=ppt/slideLayouts/slideLayout10.xml><?xml version="1.0" encoding="utf-8"?>
-<p:sldLayout xmlns:a="http://schemas.openxmlformats.org/drawingml/2006/main" xmlns:r="http://schemas.openxmlformats.org/officeDocument/2006/relationships" xmlns:mc="http://schemas.openxmlformats.org/markup-compatibility/2006" xmlns:mv="urn:schemas-microsoft-com:mac:vml" xmlns:p="http://schemas.openxmlformats.org/presentationml/2006/main" xmlns:c="http://schemas.openxmlformats.org/drawingml/2006/chart" xmlns:dgm="http://schemas.openxmlformats.org/drawingml/2006/diagram" xmlns:o="urn:schemas-microsoft-com:office:office" xmlns:v="urn:schemas-microsoft-com:vml" xmlns:pvml="urn:schemas-microsoft-com:office:powerpoint" xmlns:com="http://schemas.openxmlformats.org/drawingml/2006/compatibility" xmlns:p14="http://schemas.microsoft.com/office/powerpoint/2010/main" xmlns:p15="http://schemas.microsoft.com/office/powerpoint/2012/main" xmlns:ahyp="http://schemas.microsoft.com/office/drawing/2018/hyperlinkcolor" matchingName="Big number">
+<p:sldLayout xmlns:a="http://schemas.openxmlformats.org/drawingml/2006/main" xmlns:r="http://schemas.openxmlformats.org/officeDocument/2006/relationships" xmlns:p="http://schemas.openxmlformats.org/presentationml/2006/main" matchingName="Big number">
   <p:cSld name="BIG_NUMBER">
     <p:spTree>
       <p:nvGrpSpPr>
-        <p:cNvPr id="52" name="Shape 52"/>
+        <p:cNvPr id="1" name="Shape 52"/>
         <p:cNvGrpSpPr/>
         <p:nvPr/>
       </p:nvGrpSpPr>
@@ -1929,12 +1993,12 @@
           </a:ln>
         </p:spPr>
         <p:txBody>
-          <a:bodyPr anchorCtr="0" anchor="ctr" bIns="91425" lIns="91425" spcFirstLastPara="1" rIns="91425" wrap="square" tIns="91425">
+          <a:bodyPr spcFirstLastPara="1" wrap="square" lIns="91425" tIns="91425" rIns="91425" bIns="91425" anchor="ctr" anchorCtr="0">
             <a:noAutofit/>
           </a:bodyPr>
           <a:lstStyle/>
           <a:p>
-            <a:pPr indent="0" lvl="0" marL="0" rtl="0" algn="l">
+            <a:pPr marL="0" lvl="0" indent="0" algn="l" rtl="0">
               <a:spcBef>
                 <a:spcPts val="0"/>
               </a:spcBef>
@@ -1943,9 +2007,6 @@
               </a:spcAft>
               <a:buNone/>
             </a:pPr>
-            <a:r>
-              <a:t/>
-            </a:r>
             <a:endParaRPr/>
           </a:p>
         </p:txBody>
@@ -1953,9 +2014,11 @@
       <p:sp>
         <p:nvSpPr>
           <p:cNvPr id="54" name="Google Shape;54;p11"/>
-          <p:cNvSpPr txBox="1"/>
+          <p:cNvSpPr txBox="1">
+            <a:spLocks noGrp="1"/>
+          </p:cNvSpPr>
           <p:nvPr>
-            <p:ph hasCustomPrompt="1" type="title"/>
+            <p:ph type="title" hasCustomPrompt="1"/>
           </p:nvPr>
         </p:nvSpPr>
         <p:spPr>
@@ -1968,7 +2031,7 @@
           </a:prstGeom>
         </p:spPr>
         <p:txBody>
-          <a:bodyPr anchorCtr="0" anchor="ctr" bIns="91425" lIns="91425" spcFirstLastPara="1" rIns="91425" wrap="square" tIns="91425">
+          <a:bodyPr spcFirstLastPara="1" wrap="square" lIns="91425" tIns="91425" rIns="91425" bIns="91425" anchor="ctr" anchorCtr="0">
             <a:normAutofit/>
           </a:bodyPr>
           <a:lstStyle>
@@ -2145,9 +2208,11 @@
       <p:sp>
         <p:nvSpPr>
           <p:cNvPr id="55" name="Google Shape;55;p11"/>
-          <p:cNvSpPr txBox="1"/>
+          <p:cNvSpPr txBox="1">
+            <a:spLocks noGrp="1"/>
+          </p:cNvSpPr>
           <p:nvPr>
-            <p:ph idx="1" type="body"/>
+            <p:ph type="body" idx="1"/>
           </p:nvPr>
         </p:nvSpPr>
         <p:spPr>
@@ -2160,11 +2225,11 @@
           </a:prstGeom>
         </p:spPr>
         <p:txBody>
-          <a:bodyPr anchorCtr="0" anchor="t" bIns="91425" lIns="91425" spcFirstLastPara="1" rIns="91425" wrap="square" tIns="91425">
+          <a:bodyPr spcFirstLastPara="1" wrap="square" lIns="91425" tIns="91425" rIns="91425" bIns="91425" anchor="t" anchorCtr="0">
             <a:normAutofit/>
           </a:bodyPr>
           <a:lstStyle>
-            <a:lvl1pPr indent="-342900" lvl="0" marL="457200" algn="ctr">
+            <a:lvl1pPr marL="457200" lvl="0" indent="-342900" algn="ctr">
               <a:spcBef>
                 <a:spcPts val="0"/>
               </a:spcBef>
@@ -2175,7 +2240,7 @@
               <a:buChar char="●"/>
               <a:defRPr/>
             </a:lvl1pPr>
-            <a:lvl2pPr indent="-317500" lvl="1" marL="914400" algn="ctr">
+            <a:lvl2pPr marL="914400" lvl="1" indent="-317500" algn="ctr">
               <a:spcBef>
                 <a:spcPts val="0"/>
               </a:spcBef>
@@ -2186,7 +2251,7 @@
               <a:buChar char="○"/>
               <a:defRPr/>
             </a:lvl2pPr>
-            <a:lvl3pPr indent="-317500" lvl="2" marL="1371600" algn="ctr">
+            <a:lvl3pPr marL="1371600" lvl="2" indent="-317500" algn="ctr">
               <a:spcBef>
                 <a:spcPts val="0"/>
               </a:spcBef>
@@ -2197,7 +2262,7 @@
               <a:buChar char="■"/>
               <a:defRPr/>
             </a:lvl3pPr>
-            <a:lvl4pPr indent="-317500" lvl="3" marL="1828800" algn="ctr">
+            <a:lvl4pPr marL="1828800" lvl="3" indent="-317500" algn="ctr">
               <a:spcBef>
                 <a:spcPts val="0"/>
               </a:spcBef>
@@ -2208,7 +2273,7 @@
               <a:buChar char="●"/>
               <a:defRPr/>
             </a:lvl4pPr>
-            <a:lvl5pPr indent="-317500" lvl="4" marL="2286000" algn="ctr">
+            <a:lvl5pPr marL="2286000" lvl="4" indent="-317500" algn="ctr">
               <a:spcBef>
                 <a:spcPts val="0"/>
               </a:spcBef>
@@ -2219,7 +2284,7 @@
               <a:buChar char="○"/>
               <a:defRPr/>
             </a:lvl5pPr>
-            <a:lvl6pPr indent="-317500" lvl="5" marL="2743200" algn="ctr">
+            <a:lvl6pPr marL="2743200" lvl="5" indent="-317500" algn="ctr">
               <a:spcBef>
                 <a:spcPts val="0"/>
               </a:spcBef>
@@ -2230,7 +2295,7 @@
               <a:buChar char="■"/>
               <a:defRPr/>
             </a:lvl6pPr>
-            <a:lvl7pPr indent="-317500" lvl="6" marL="3200400" algn="ctr">
+            <a:lvl7pPr marL="3200400" lvl="6" indent="-317500" algn="ctr">
               <a:spcBef>
                 <a:spcPts val="0"/>
               </a:spcBef>
@@ -2241,7 +2306,7 @@
               <a:buChar char="●"/>
               <a:defRPr/>
             </a:lvl7pPr>
-            <a:lvl8pPr indent="-317500" lvl="7" marL="3657600" algn="ctr">
+            <a:lvl8pPr marL="3657600" lvl="7" indent="-317500" algn="ctr">
               <a:spcBef>
                 <a:spcPts val="0"/>
               </a:spcBef>
@@ -2252,7 +2317,7 @@
               <a:buChar char="○"/>
               <a:defRPr/>
             </a:lvl8pPr>
-            <a:lvl9pPr indent="-317500" lvl="8" marL="4114800" algn="ctr">
+            <a:lvl9pPr marL="4114800" lvl="8" indent="-317500" algn="ctr">
               <a:spcBef>
                 <a:spcPts val="0"/>
               </a:spcBef>
@@ -2264,15 +2329,19 @@
               <a:defRPr/>
             </a:lvl9pPr>
           </a:lstStyle>
-          <a:p/>
+          <a:p>
+            <a:endParaRPr/>
+          </a:p>
         </p:txBody>
       </p:sp>
       <p:sp>
         <p:nvSpPr>
           <p:cNvPr id="56" name="Google Shape;56;p11"/>
-          <p:cNvSpPr txBox="1"/>
+          <p:cNvSpPr txBox="1">
+            <a:spLocks noGrp="1"/>
+          </p:cNvSpPr>
           <p:nvPr>
-            <p:ph idx="12" type="sldNum"/>
+            <p:ph type="sldNum" idx="12"/>
           </p:nvPr>
         </p:nvSpPr>
         <p:spPr>
@@ -2285,7 +2354,7 @@
           </a:prstGeom>
         </p:spPr>
         <p:txBody>
-          <a:bodyPr anchorCtr="0" anchor="ctr" bIns="91425" lIns="91425" spcFirstLastPara="1" rIns="91425" wrap="square" tIns="91425">
+          <a:bodyPr spcFirstLastPara="1" wrap="square" lIns="91425" tIns="91425" rIns="91425" bIns="91425" anchor="ctr" anchorCtr="0">
             <a:normAutofit/>
           </a:bodyPr>
           <a:lstStyle>
@@ -2327,7 +2396,7 @@
             </a:lvl9pPr>
           </a:lstStyle>
           <a:p>
-            <a:pPr indent="0" lvl="0" marL="0" rtl="0" algn="r">
+            <a:pPr marL="0" lvl="0" indent="0" algn="r" rtl="0">
               <a:spcBef>
                 <a:spcPts val="0"/>
               </a:spcBef>
@@ -2353,11 +2422,11 @@
 </file>
 
 <file path=ppt/slideLayouts/slideLayout11.xml><?xml version="1.0" encoding="utf-8"?>
-<p:sldLayout xmlns:a="http://schemas.openxmlformats.org/drawingml/2006/main" xmlns:r="http://schemas.openxmlformats.org/officeDocument/2006/relationships" xmlns:mc="http://schemas.openxmlformats.org/markup-compatibility/2006" xmlns:mv="urn:schemas-microsoft-com:mac:vml" xmlns:p="http://schemas.openxmlformats.org/presentationml/2006/main" xmlns:c="http://schemas.openxmlformats.org/drawingml/2006/chart" xmlns:dgm="http://schemas.openxmlformats.org/drawingml/2006/diagram" xmlns:o="urn:schemas-microsoft-com:office:office" xmlns:v="urn:schemas-microsoft-com:vml" xmlns:pvml="urn:schemas-microsoft-com:office:powerpoint" xmlns:com="http://schemas.openxmlformats.org/drawingml/2006/compatibility" xmlns:p14="http://schemas.microsoft.com/office/powerpoint/2010/main" xmlns:p15="http://schemas.microsoft.com/office/powerpoint/2012/main" xmlns:ahyp="http://schemas.microsoft.com/office/drawing/2018/hyperlinkcolor" matchingName="Blank" type="blank">
+<p:sldLayout xmlns:a="http://schemas.openxmlformats.org/drawingml/2006/main" xmlns:r="http://schemas.openxmlformats.org/officeDocument/2006/relationships" xmlns:p="http://schemas.openxmlformats.org/presentationml/2006/main" matchingName="Blank" type="blank">
   <p:cSld name="BLANK">
     <p:spTree>
       <p:nvGrpSpPr>
-        <p:cNvPr id="57" name="Shape 57"/>
+        <p:cNvPr id="1" name="Shape 57"/>
         <p:cNvGrpSpPr/>
         <p:nvPr/>
       </p:nvGrpSpPr>
@@ -2372,9 +2441,11 @@
       <p:sp>
         <p:nvSpPr>
           <p:cNvPr id="58" name="Google Shape;58;p12"/>
-          <p:cNvSpPr txBox="1"/>
+          <p:cNvSpPr txBox="1">
+            <a:spLocks noGrp="1"/>
+          </p:cNvSpPr>
           <p:nvPr>
-            <p:ph idx="12" type="sldNum"/>
+            <p:ph type="sldNum" idx="12"/>
           </p:nvPr>
         </p:nvSpPr>
         <p:spPr>
@@ -2387,7 +2458,7 @@
           </a:prstGeom>
         </p:spPr>
         <p:txBody>
-          <a:bodyPr anchorCtr="0" anchor="ctr" bIns="91425" lIns="91425" spcFirstLastPara="1" rIns="91425" wrap="square" tIns="91425">
+          <a:bodyPr spcFirstLastPara="1" wrap="square" lIns="91425" tIns="91425" rIns="91425" bIns="91425" anchor="ctr" anchorCtr="0">
             <a:normAutofit/>
           </a:bodyPr>
           <a:lstStyle>
@@ -2429,7 +2500,7 @@
             </a:lvl9pPr>
           </a:lstStyle>
           <a:p>
-            <a:pPr indent="0" lvl="0" marL="0" rtl="0" algn="r">
+            <a:pPr marL="0" lvl="0" indent="0" algn="r" rtl="0">
               <a:spcBef>
                 <a:spcPts val="0"/>
               </a:spcBef>
@@ -2455,11 +2526,11 @@
 </file>
 
 <file path=ppt/slideLayouts/slideLayout2.xml><?xml version="1.0" encoding="utf-8"?>
-<p:sldLayout xmlns:a="http://schemas.openxmlformats.org/drawingml/2006/main" xmlns:r="http://schemas.openxmlformats.org/officeDocument/2006/relationships" xmlns:mc="http://schemas.openxmlformats.org/markup-compatibility/2006" xmlns:mv="urn:schemas-microsoft-com:mac:vml" xmlns:p="http://schemas.openxmlformats.org/presentationml/2006/main" xmlns:c="http://schemas.openxmlformats.org/drawingml/2006/chart" xmlns:dgm="http://schemas.openxmlformats.org/drawingml/2006/diagram" xmlns:o="urn:schemas-microsoft-com:office:office" xmlns:v="urn:schemas-microsoft-com:vml" xmlns:pvml="urn:schemas-microsoft-com:office:powerpoint" xmlns:com="http://schemas.openxmlformats.org/drawingml/2006/compatibility" xmlns:p14="http://schemas.microsoft.com/office/powerpoint/2010/main" xmlns:p15="http://schemas.microsoft.com/office/powerpoint/2012/main" xmlns:ahyp="http://schemas.microsoft.com/office/drawing/2018/hyperlinkcolor" matchingName="Section header" type="secHead">
+<p:sldLayout xmlns:a="http://schemas.openxmlformats.org/drawingml/2006/main" xmlns:r="http://schemas.openxmlformats.org/officeDocument/2006/relationships" xmlns:p="http://schemas.openxmlformats.org/presentationml/2006/main" matchingName="Section header" type="secHead">
   <p:cSld name="SECTION_HEADER">
     <p:spTree>
       <p:nvGrpSpPr>
-        <p:cNvPr id="16" name="Shape 16"/>
+        <p:cNvPr id="1" name="Shape 16"/>
         <p:cNvGrpSpPr/>
         <p:nvPr/>
       </p:nvGrpSpPr>
@@ -2486,21 +2557,23 @@
             <a:avLst/>
           </a:prstGeom>
           <a:noFill/>
-          <a:ln cap="flat" cmpd="sng" w="38100">
+          <a:ln w="38100" cap="flat" cmpd="sng">
             <a:solidFill>
               <a:schemeClr val="accent4"/>
             </a:solidFill>
             <a:prstDash val="solid"/>
             <a:round/>
-            <a:headEnd len="sm" w="sm" type="none"/>
-            <a:tailEnd len="sm" w="sm" type="none"/>
+            <a:headEnd type="none" w="sm" len="sm"/>
+            <a:tailEnd type="none" w="sm" len="sm"/>
           </a:ln>
         </p:spPr>
       </p:cxnSp>
       <p:sp>
         <p:nvSpPr>
           <p:cNvPr id="18" name="Google Shape;18;p3"/>
-          <p:cNvSpPr txBox="1"/>
+          <p:cNvSpPr txBox="1">
+            <a:spLocks noGrp="1"/>
+          </p:cNvSpPr>
           <p:nvPr>
             <p:ph type="title"/>
           </p:nvPr>
@@ -2515,7 +2588,7 @@
           </a:prstGeom>
         </p:spPr>
         <p:txBody>
-          <a:bodyPr anchorCtr="0" anchor="b" bIns="91425" lIns="91425" spcFirstLastPara="1" rIns="91425" wrap="square" tIns="91425">
+          <a:bodyPr spcFirstLastPara="1" wrap="square" lIns="91425" tIns="91425" rIns="91425" bIns="91425" anchor="b" anchorCtr="0">
             <a:normAutofit/>
           </a:bodyPr>
           <a:lstStyle>
@@ -2619,15 +2692,19 @@
               <a:defRPr sz="4800"/>
             </a:lvl9pPr>
           </a:lstStyle>
-          <a:p/>
+          <a:p>
+            <a:endParaRPr/>
+          </a:p>
         </p:txBody>
       </p:sp>
       <p:sp>
         <p:nvSpPr>
           <p:cNvPr id="19" name="Google Shape;19;p3"/>
-          <p:cNvSpPr txBox="1"/>
+          <p:cNvSpPr txBox="1">
+            <a:spLocks noGrp="1"/>
+          </p:cNvSpPr>
           <p:nvPr>
-            <p:ph idx="12" type="sldNum"/>
+            <p:ph type="sldNum" idx="12"/>
           </p:nvPr>
         </p:nvSpPr>
         <p:spPr>
@@ -2640,7 +2717,7 @@
           </a:prstGeom>
         </p:spPr>
         <p:txBody>
-          <a:bodyPr anchorCtr="0" anchor="ctr" bIns="91425" lIns="91425" spcFirstLastPara="1" rIns="91425" wrap="square" tIns="91425">
+          <a:bodyPr spcFirstLastPara="1" wrap="square" lIns="91425" tIns="91425" rIns="91425" bIns="91425" anchor="ctr" anchorCtr="0">
             <a:normAutofit/>
           </a:bodyPr>
           <a:lstStyle>
@@ -2682,7 +2759,7 @@
             </a:lvl9pPr>
           </a:lstStyle>
           <a:p>
-            <a:pPr indent="0" lvl="0" marL="0" rtl="0" algn="r">
+            <a:pPr marL="0" lvl="0" indent="0" algn="r" rtl="0">
               <a:spcBef>
                 <a:spcPts val="0"/>
               </a:spcBef>
@@ -2708,11 +2785,11 @@
 </file>
 
 <file path=ppt/slideLayouts/slideLayout3.xml><?xml version="1.0" encoding="utf-8"?>
-<p:sldLayout xmlns:a="http://schemas.openxmlformats.org/drawingml/2006/main" xmlns:r="http://schemas.openxmlformats.org/officeDocument/2006/relationships" xmlns:mc="http://schemas.openxmlformats.org/markup-compatibility/2006" xmlns:mv="urn:schemas-microsoft-com:mac:vml" xmlns:p="http://schemas.openxmlformats.org/presentationml/2006/main" xmlns:c="http://schemas.openxmlformats.org/drawingml/2006/chart" xmlns:dgm="http://schemas.openxmlformats.org/drawingml/2006/diagram" xmlns:o="urn:schemas-microsoft-com:office:office" xmlns:v="urn:schemas-microsoft-com:vml" xmlns:pvml="urn:schemas-microsoft-com:office:powerpoint" xmlns:com="http://schemas.openxmlformats.org/drawingml/2006/compatibility" xmlns:p14="http://schemas.microsoft.com/office/powerpoint/2010/main" xmlns:p15="http://schemas.microsoft.com/office/powerpoint/2012/main" xmlns:ahyp="http://schemas.microsoft.com/office/drawing/2018/hyperlinkcolor" matchingName="Title and body" type="tx">
+<p:sldLayout xmlns:a="http://schemas.openxmlformats.org/drawingml/2006/main" xmlns:r="http://schemas.openxmlformats.org/officeDocument/2006/relationships" xmlns:p="http://schemas.openxmlformats.org/presentationml/2006/main" matchingName="Title and body" type="tx">
   <p:cSld name="TITLE_AND_BODY">
     <p:spTree>
       <p:nvGrpSpPr>
-        <p:cNvPr id="20" name="Shape 20"/>
+        <p:cNvPr id="1" name="Shape 20"/>
         <p:cNvGrpSpPr/>
         <p:nvPr/>
       </p:nvGrpSpPr>
@@ -2739,21 +2816,23 @@
             <a:avLst/>
           </a:prstGeom>
           <a:noFill/>
-          <a:ln cap="flat" cmpd="sng" w="38100">
+          <a:ln w="38100" cap="flat" cmpd="sng">
             <a:solidFill>
               <a:schemeClr val="accent4"/>
             </a:solidFill>
             <a:prstDash val="solid"/>
             <a:round/>
-            <a:headEnd len="sm" w="sm" type="none"/>
-            <a:tailEnd len="sm" w="sm" type="none"/>
+            <a:headEnd type="none" w="sm" len="sm"/>
+            <a:tailEnd type="none" w="sm" len="sm"/>
           </a:ln>
         </p:spPr>
       </p:cxnSp>
       <p:sp>
         <p:nvSpPr>
           <p:cNvPr id="22" name="Google Shape;22;p4"/>
-          <p:cNvSpPr txBox="1"/>
+          <p:cNvSpPr txBox="1">
+            <a:spLocks noGrp="1"/>
+          </p:cNvSpPr>
           <p:nvPr>
             <p:ph type="title"/>
           </p:nvPr>
@@ -2768,7 +2847,7 @@
           </a:prstGeom>
         </p:spPr>
         <p:txBody>
-          <a:bodyPr anchorCtr="0" anchor="b" bIns="91425" lIns="91425" spcFirstLastPara="1" rIns="91425" wrap="square" tIns="91425">
+          <a:bodyPr spcFirstLastPara="1" wrap="square" lIns="91425" tIns="91425" rIns="91425" bIns="91425" anchor="b" anchorCtr="0">
             <a:normAutofit/>
           </a:bodyPr>
           <a:lstStyle>
@@ -2872,15 +2951,19 @@
               <a:defRPr/>
             </a:lvl9pPr>
           </a:lstStyle>
-          <a:p/>
+          <a:p>
+            <a:endParaRPr/>
+          </a:p>
         </p:txBody>
       </p:sp>
       <p:sp>
         <p:nvSpPr>
           <p:cNvPr id="23" name="Google Shape;23;p4"/>
-          <p:cNvSpPr txBox="1"/>
+          <p:cNvSpPr txBox="1">
+            <a:spLocks noGrp="1"/>
+          </p:cNvSpPr>
           <p:nvPr>
-            <p:ph idx="1" type="body"/>
+            <p:ph type="body" idx="1"/>
           </p:nvPr>
         </p:nvSpPr>
         <p:spPr>
@@ -2893,11 +2976,11 @@
           </a:prstGeom>
         </p:spPr>
         <p:txBody>
-          <a:bodyPr anchorCtr="0" anchor="t" bIns="91425" lIns="91425" spcFirstLastPara="1" rIns="91425" wrap="square" tIns="91425">
+          <a:bodyPr spcFirstLastPara="1" wrap="square" lIns="91425" tIns="91425" rIns="91425" bIns="91425" anchor="t" anchorCtr="0">
             <a:normAutofit/>
           </a:bodyPr>
           <a:lstStyle>
-            <a:lvl1pPr indent="-342900" lvl="0" marL="457200">
+            <a:lvl1pPr marL="457200" lvl="0" indent="-342900">
               <a:spcBef>
                 <a:spcPts val="0"/>
               </a:spcBef>
@@ -2908,7 +2991,7 @@
               <a:buChar char="●"/>
               <a:defRPr/>
             </a:lvl1pPr>
-            <a:lvl2pPr indent="-317500" lvl="1" marL="914400">
+            <a:lvl2pPr marL="914400" lvl="1" indent="-317500">
               <a:spcBef>
                 <a:spcPts val="0"/>
               </a:spcBef>
@@ -2919,7 +3002,7 @@
               <a:buChar char="○"/>
               <a:defRPr/>
             </a:lvl2pPr>
-            <a:lvl3pPr indent="-317500" lvl="2" marL="1371600">
+            <a:lvl3pPr marL="1371600" lvl="2" indent="-317500">
               <a:spcBef>
                 <a:spcPts val="0"/>
               </a:spcBef>
@@ -2930,7 +3013,7 @@
               <a:buChar char="■"/>
               <a:defRPr/>
             </a:lvl3pPr>
-            <a:lvl4pPr indent="-317500" lvl="3" marL="1828800">
+            <a:lvl4pPr marL="1828800" lvl="3" indent="-317500">
               <a:spcBef>
                 <a:spcPts val="0"/>
               </a:spcBef>
@@ -2941,7 +3024,7 @@
               <a:buChar char="●"/>
               <a:defRPr/>
             </a:lvl4pPr>
-            <a:lvl5pPr indent="-317500" lvl="4" marL="2286000">
+            <a:lvl5pPr marL="2286000" lvl="4" indent="-317500">
               <a:spcBef>
                 <a:spcPts val="0"/>
               </a:spcBef>
@@ -2952,7 +3035,7 @@
               <a:buChar char="○"/>
               <a:defRPr/>
             </a:lvl5pPr>
-            <a:lvl6pPr indent="-317500" lvl="5" marL="2743200">
+            <a:lvl6pPr marL="2743200" lvl="5" indent="-317500">
               <a:spcBef>
                 <a:spcPts val="0"/>
               </a:spcBef>
@@ -2963,7 +3046,7 @@
               <a:buChar char="■"/>
               <a:defRPr/>
             </a:lvl6pPr>
-            <a:lvl7pPr indent="-317500" lvl="6" marL="3200400">
+            <a:lvl7pPr marL="3200400" lvl="6" indent="-317500">
               <a:spcBef>
                 <a:spcPts val="0"/>
               </a:spcBef>
@@ -2974,7 +3057,7 @@
               <a:buChar char="●"/>
               <a:defRPr/>
             </a:lvl7pPr>
-            <a:lvl8pPr indent="-317500" lvl="7" marL="3657600">
+            <a:lvl8pPr marL="3657600" lvl="7" indent="-317500">
               <a:spcBef>
                 <a:spcPts val="0"/>
               </a:spcBef>
@@ -2985,7 +3068,7 @@
               <a:buChar char="○"/>
               <a:defRPr/>
             </a:lvl8pPr>
-            <a:lvl9pPr indent="-317500" lvl="8" marL="4114800">
+            <a:lvl9pPr marL="4114800" lvl="8" indent="-317500">
               <a:spcBef>
                 <a:spcPts val="0"/>
               </a:spcBef>
@@ -2997,15 +3080,19 @@
               <a:defRPr/>
             </a:lvl9pPr>
           </a:lstStyle>
-          <a:p/>
+          <a:p>
+            <a:endParaRPr/>
+          </a:p>
         </p:txBody>
       </p:sp>
       <p:sp>
         <p:nvSpPr>
           <p:cNvPr id="24" name="Google Shape;24;p4"/>
-          <p:cNvSpPr txBox="1"/>
+          <p:cNvSpPr txBox="1">
+            <a:spLocks noGrp="1"/>
+          </p:cNvSpPr>
           <p:nvPr>
-            <p:ph idx="12" type="sldNum"/>
+            <p:ph type="sldNum" idx="12"/>
           </p:nvPr>
         </p:nvSpPr>
         <p:spPr>
@@ -3018,7 +3105,7 @@
           </a:prstGeom>
         </p:spPr>
         <p:txBody>
-          <a:bodyPr anchorCtr="0" anchor="ctr" bIns="91425" lIns="91425" spcFirstLastPara="1" rIns="91425" wrap="square" tIns="91425">
+          <a:bodyPr spcFirstLastPara="1" wrap="square" lIns="91425" tIns="91425" rIns="91425" bIns="91425" anchor="ctr" anchorCtr="0">
             <a:normAutofit/>
           </a:bodyPr>
           <a:lstStyle>
@@ -3060,7 +3147,7 @@
             </a:lvl9pPr>
           </a:lstStyle>
           <a:p>
-            <a:pPr indent="0" lvl="0" marL="0" rtl="0" algn="r">
+            <a:pPr marL="0" lvl="0" indent="0" algn="r" rtl="0">
               <a:spcBef>
                 <a:spcPts val="0"/>
               </a:spcBef>
@@ -3086,11 +3173,11 @@
 </file>
 
 <file path=ppt/slideLayouts/slideLayout4.xml><?xml version="1.0" encoding="utf-8"?>
-<p:sldLayout xmlns:a="http://schemas.openxmlformats.org/drawingml/2006/main" xmlns:r="http://schemas.openxmlformats.org/officeDocument/2006/relationships" xmlns:mc="http://schemas.openxmlformats.org/markup-compatibility/2006" xmlns:mv="urn:schemas-microsoft-com:mac:vml" xmlns:p="http://schemas.openxmlformats.org/presentationml/2006/main" xmlns:c="http://schemas.openxmlformats.org/drawingml/2006/chart" xmlns:dgm="http://schemas.openxmlformats.org/drawingml/2006/diagram" xmlns:o="urn:schemas-microsoft-com:office:office" xmlns:v="urn:schemas-microsoft-com:vml" xmlns:pvml="urn:schemas-microsoft-com:office:powerpoint" xmlns:com="http://schemas.openxmlformats.org/drawingml/2006/compatibility" xmlns:p14="http://schemas.microsoft.com/office/powerpoint/2010/main" xmlns:p15="http://schemas.microsoft.com/office/powerpoint/2012/main" xmlns:ahyp="http://schemas.microsoft.com/office/drawing/2018/hyperlinkcolor" matchingName="Title and two columns" type="twoColTx">
+<p:sldLayout xmlns:a="http://schemas.openxmlformats.org/drawingml/2006/main" xmlns:r="http://schemas.openxmlformats.org/officeDocument/2006/relationships" xmlns:p="http://schemas.openxmlformats.org/presentationml/2006/main" matchingName="Title and two columns" type="twoColTx">
   <p:cSld name="TITLE_AND_TWO_COLUMNS">
     <p:spTree>
       <p:nvGrpSpPr>
-        <p:cNvPr id="25" name="Shape 25"/>
+        <p:cNvPr id="1" name="Shape 25"/>
         <p:cNvGrpSpPr/>
         <p:nvPr/>
       </p:nvGrpSpPr>
@@ -3117,21 +3204,23 @@
             <a:avLst/>
           </a:prstGeom>
           <a:noFill/>
-          <a:ln cap="flat" cmpd="sng" w="38100">
+          <a:ln w="38100" cap="flat" cmpd="sng">
             <a:solidFill>
               <a:schemeClr val="accent4"/>
             </a:solidFill>
             <a:prstDash val="solid"/>
             <a:round/>
-            <a:headEnd len="sm" w="sm" type="none"/>
-            <a:tailEnd len="sm" w="sm" type="none"/>
+            <a:headEnd type="none" w="sm" len="sm"/>
+            <a:tailEnd type="none" w="sm" len="sm"/>
           </a:ln>
         </p:spPr>
       </p:cxnSp>
       <p:sp>
         <p:nvSpPr>
           <p:cNvPr id="27" name="Google Shape;27;p5"/>
-          <p:cNvSpPr txBox="1"/>
+          <p:cNvSpPr txBox="1">
+            <a:spLocks noGrp="1"/>
+          </p:cNvSpPr>
           <p:nvPr>
             <p:ph type="title"/>
           </p:nvPr>
@@ -3146,7 +3235,7 @@
           </a:prstGeom>
         </p:spPr>
         <p:txBody>
-          <a:bodyPr anchorCtr="0" anchor="b" bIns="91425" lIns="91425" spcFirstLastPara="1" rIns="91425" wrap="square" tIns="91425">
+          <a:bodyPr spcFirstLastPara="1" wrap="square" lIns="91425" tIns="91425" rIns="91425" bIns="91425" anchor="b" anchorCtr="0">
             <a:normAutofit/>
           </a:bodyPr>
           <a:lstStyle>
@@ -3250,15 +3339,19 @@
               <a:defRPr/>
             </a:lvl9pPr>
           </a:lstStyle>
-          <a:p/>
+          <a:p>
+            <a:endParaRPr/>
+          </a:p>
         </p:txBody>
       </p:sp>
       <p:sp>
         <p:nvSpPr>
           <p:cNvPr id="28" name="Google Shape;28;p5"/>
-          <p:cNvSpPr txBox="1"/>
+          <p:cNvSpPr txBox="1">
+            <a:spLocks noGrp="1"/>
+          </p:cNvSpPr>
           <p:nvPr>
-            <p:ph idx="1" type="body"/>
+            <p:ph type="body" idx="1"/>
           </p:nvPr>
         </p:nvSpPr>
         <p:spPr>
@@ -3271,11 +3364,11 @@
           </a:prstGeom>
         </p:spPr>
         <p:txBody>
-          <a:bodyPr anchorCtr="0" anchor="t" bIns="91425" lIns="91425" spcFirstLastPara="1" rIns="91425" wrap="square" tIns="91425">
+          <a:bodyPr spcFirstLastPara="1" wrap="square" lIns="91425" tIns="91425" rIns="91425" bIns="91425" anchor="t" anchorCtr="0">
             <a:normAutofit/>
           </a:bodyPr>
           <a:lstStyle>
-            <a:lvl1pPr indent="-317500" lvl="0" marL="457200">
+            <a:lvl1pPr marL="457200" lvl="0" indent="-317500">
               <a:spcBef>
                 <a:spcPts val="0"/>
               </a:spcBef>
@@ -3286,7 +3379,7 @@
               <a:buChar char="●"/>
               <a:defRPr sz="1400"/>
             </a:lvl1pPr>
-            <a:lvl2pPr indent="-304800" lvl="1" marL="914400">
+            <a:lvl2pPr marL="914400" lvl="1" indent="-304800">
               <a:spcBef>
                 <a:spcPts val="0"/>
               </a:spcBef>
@@ -3297,7 +3390,7 @@
               <a:buChar char="○"/>
               <a:defRPr sz="1200"/>
             </a:lvl2pPr>
-            <a:lvl3pPr indent="-304800" lvl="2" marL="1371600">
+            <a:lvl3pPr marL="1371600" lvl="2" indent="-304800">
               <a:spcBef>
                 <a:spcPts val="0"/>
               </a:spcBef>
@@ -3308,7 +3401,7 @@
               <a:buChar char="■"/>
               <a:defRPr sz="1200"/>
             </a:lvl3pPr>
-            <a:lvl4pPr indent="-304800" lvl="3" marL="1828800">
+            <a:lvl4pPr marL="1828800" lvl="3" indent="-304800">
               <a:spcBef>
                 <a:spcPts val="0"/>
               </a:spcBef>
@@ -3319,7 +3412,7 @@
               <a:buChar char="●"/>
               <a:defRPr sz="1200"/>
             </a:lvl4pPr>
-            <a:lvl5pPr indent="-304800" lvl="4" marL="2286000">
+            <a:lvl5pPr marL="2286000" lvl="4" indent="-304800">
               <a:spcBef>
                 <a:spcPts val="0"/>
               </a:spcBef>
@@ -3330,7 +3423,7 @@
               <a:buChar char="○"/>
               <a:defRPr sz="1200"/>
             </a:lvl5pPr>
-            <a:lvl6pPr indent="-304800" lvl="5" marL="2743200">
+            <a:lvl6pPr marL="2743200" lvl="5" indent="-304800">
               <a:spcBef>
                 <a:spcPts val="0"/>
               </a:spcBef>
@@ -3341,7 +3434,7 @@
               <a:buChar char="■"/>
               <a:defRPr sz="1200"/>
             </a:lvl6pPr>
-            <a:lvl7pPr indent="-304800" lvl="6" marL="3200400">
+            <a:lvl7pPr marL="3200400" lvl="6" indent="-304800">
               <a:spcBef>
                 <a:spcPts val="0"/>
               </a:spcBef>
@@ -3352,7 +3445,7 @@
               <a:buChar char="●"/>
               <a:defRPr sz="1200"/>
             </a:lvl7pPr>
-            <a:lvl8pPr indent="-304800" lvl="7" marL="3657600">
+            <a:lvl8pPr marL="3657600" lvl="7" indent="-304800">
               <a:spcBef>
                 <a:spcPts val="0"/>
               </a:spcBef>
@@ -3363,7 +3456,7 @@
               <a:buChar char="○"/>
               <a:defRPr sz="1200"/>
             </a:lvl8pPr>
-            <a:lvl9pPr indent="-304800" lvl="8" marL="4114800">
+            <a:lvl9pPr marL="4114800" lvl="8" indent="-304800">
               <a:spcBef>
                 <a:spcPts val="0"/>
               </a:spcBef>
@@ -3375,15 +3468,19 @@
               <a:defRPr sz="1200"/>
             </a:lvl9pPr>
           </a:lstStyle>
-          <a:p/>
+          <a:p>
+            <a:endParaRPr/>
+          </a:p>
         </p:txBody>
       </p:sp>
       <p:sp>
         <p:nvSpPr>
           <p:cNvPr id="29" name="Google Shape;29;p5"/>
-          <p:cNvSpPr txBox="1"/>
+          <p:cNvSpPr txBox="1">
+            <a:spLocks noGrp="1"/>
+          </p:cNvSpPr>
           <p:nvPr>
-            <p:ph idx="2" type="body"/>
+            <p:ph type="body" idx="2"/>
           </p:nvPr>
         </p:nvSpPr>
         <p:spPr>
@@ -3396,11 +3493,11 @@
           </a:prstGeom>
         </p:spPr>
         <p:txBody>
-          <a:bodyPr anchorCtr="0" anchor="t" bIns="91425" lIns="91425" spcFirstLastPara="1" rIns="91425" wrap="square" tIns="91425">
+          <a:bodyPr spcFirstLastPara="1" wrap="square" lIns="91425" tIns="91425" rIns="91425" bIns="91425" anchor="t" anchorCtr="0">
             <a:normAutofit/>
           </a:bodyPr>
           <a:lstStyle>
-            <a:lvl1pPr indent="-317500" lvl="0" marL="457200">
+            <a:lvl1pPr marL="457200" lvl="0" indent="-317500">
               <a:spcBef>
                 <a:spcPts val="0"/>
               </a:spcBef>
@@ -3411,7 +3508,7 @@
               <a:buChar char="●"/>
               <a:defRPr sz="1400"/>
             </a:lvl1pPr>
-            <a:lvl2pPr indent="-304800" lvl="1" marL="914400">
+            <a:lvl2pPr marL="914400" lvl="1" indent="-304800">
               <a:spcBef>
                 <a:spcPts val="0"/>
               </a:spcBef>
@@ -3422,7 +3519,7 @@
               <a:buChar char="○"/>
               <a:defRPr sz="1200"/>
             </a:lvl2pPr>
-            <a:lvl3pPr indent="-304800" lvl="2" marL="1371600">
+            <a:lvl3pPr marL="1371600" lvl="2" indent="-304800">
               <a:spcBef>
                 <a:spcPts val="0"/>
               </a:spcBef>
@@ -3433,7 +3530,7 @@
               <a:buChar char="■"/>
               <a:defRPr sz="1200"/>
             </a:lvl3pPr>
-            <a:lvl4pPr indent="-304800" lvl="3" marL="1828800">
+            <a:lvl4pPr marL="1828800" lvl="3" indent="-304800">
               <a:spcBef>
                 <a:spcPts val="0"/>
               </a:spcBef>
@@ -3444,7 +3541,7 @@
               <a:buChar char="●"/>
               <a:defRPr sz="1200"/>
             </a:lvl4pPr>
-            <a:lvl5pPr indent="-304800" lvl="4" marL="2286000">
+            <a:lvl5pPr marL="2286000" lvl="4" indent="-304800">
               <a:spcBef>
                 <a:spcPts val="0"/>
               </a:spcBef>
@@ -3455,7 +3552,7 @@
               <a:buChar char="○"/>
               <a:defRPr sz="1200"/>
             </a:lvl5pPr>
-            <a:lvl6pPr indent="-304800" lvl="5" marL="2743200">
+            <a:lvl6pPr marL="2743200" lvl="5" indent="-304800">
               <a:spcBef>
                 <a:spcPts val="0"/>
               </a:spcBef>
@@ -3466,7 +3563,7 @@
               <a:buChar char="■"/>
               <a:defRPr sz="1200"/>
             </a:lvl6pPr>
-            <a:lvl7pPr indent="-304800" lvl="6" marL="3200400">
+            <a:lvl7pPr marL="3200400" lvl="6" indent="-304800">
               <a:spcBef>
                 <a:spcPts val="0"/>
               </a:spcBef>
@@ -3477,7 +3574,7 @@
               <a:buChar char="●"/>
               <a:defRPr sz="1200"/>
             </a:lvl7pPr>
-            <a:lvl8pPr indent="-304800" lvl="7" marL="3657600">
+            <a:lvl8pPr marL="3657600" lvl="7" indent="-304800">
               <a:spcBef>
                 <a:spcPts val="0"/>
               </a:spcBef>
@@ -3488,7 +3585,7 @@
               <a:buChar char="○"/>
               <a:defRPr sz="1200"/>
             </a:lvl8pPr>
-            <a:lvl9pPr indent="-304800" lvl="8" marL="4114800">
+            <a:lvl9pPr marL="4114800" lvl="8" indent="-304800">
               <a:spcBef>
                 <a:spcPts val="0"/>
               </a:spcBef>
@@ -3500,15 +3597,19 @@
               <a:defRPr sz="1200"/>
             </a:lvl9pPr>
           </a:lstStyle>
-          <a:p/>
+          <a:p>
+            <a:endParaRPr/>
+          </a:p>
         </p:txBody>
       </p:sp>
       <p:sp>
         <p:nvSpPr>
           <p:cNvPr id="30" name="Google Shape;30;p5"/>
-          <p:cNvSpPr txBox="1"/>
+          <p:cNvSpPr txBox="1">
+            <a:spLocks noGrp="1"/>
+          </p:cNvSpPr>
           <p:nvPr>
-            <p:ph idx="12" type="sldNum"/>
+            <p:ph type="sldNum" idx="12"/>
           </p:nvPr>
         </p:nvSpPr>
         <p:spPr>
@@ -3521,7 +3622,7 @@
           </a:prstGeom>
         </p:spPr>
         <p:txBody>
-          <a:bodyPr anchorCtr="0" anchor="ctr" bIns="91425" lIns="91425" spcFirstLastPara="1" rIns="91425" wrap="square" tIns="91425">
+          <a:bodyPr spcFirstLastPara="1" wrap="square" lIns="91425" tIns="91425" rIns="91425" bIns="91425" anchor="ctr" anchorCtr="0">
             <a:normAutofit/>
           </a:bodyPr>
           <a:lstStyle>
@@ -3563,7 +3664,7 @@
             </a:lvl9pPr>
           </a:lstStyle>
           <a:p>
-            <a:pPr indent="0" lvl="0" marL="0" rtl="0" algn="r">
+            <a:pPr marL="0" lvl="0" indent="0" algn="r" rtl="0">
               <a:spcBef>
                 <a:spcPts val="0"/>
               </a:spcBef>
@@ -3589,11 +3690,11 @@
 </file>
 
 <file path=ppt/slideLayouts/slideLayout5.xml><?xml version="1.0" encoding="utf-8"?>
-<p:sldLayout xmlns:a="http://schemas.openxmlformats.org/drawingml/2006/main" xmlns:r="http://schemas.openxmlformats.org/officeDocument/2006/relationships" xmlns:mc="http://schemas.openxmlformats.org/markup-compatibility/2006" xmlns:mv="urn:schemas-microsoft-com:mac:vml" xmlns:p="http://schemas.openxmlformats.org/presentationml/2006/main" xmlns:c="http://schemas.openxmlformats.org/drawingml/2006/chart" xmlns:dgm="http://schemas.openxmlformats.org/drawingml/2006/diagram" xmlns:o="urn:schemas-microsoft-com:office:office" xmlns:v="urn:schemas-microsoft-com:vml" xmlns:pvml="urn:schemas-microsoft-com:office:powerpoint" xmlns:com="http://schemas.openxmlformats.org/drawingml/2006/compatibility" xmlns:p14="http://schemas.microsoft.com/office/powerpoint/2010/main" xmlns:p15="http://schemas.microsoft.com/office/powerpoint/2012/main" xmlns:ahyp="http://schemas.microsoft.com/office/drawing/2018/hyperlinkcolor" matchingName="Title only" type="titleOnly">
+<p:sldLayout xmlns:a="http://schemas.openxmlformats.org/drawingml/2006/main" xmlns:r="http://schemas.openxmlformats.org/officeDocument/2006/relationships" xmlns:p="http://schemas.openxmlformats.org/presentationml/2006/main" matchingName="Title only" type="titleOnly">
   <p:cSld name="TITLE_ONLY">
     <p:spTree>
       <p:nvGrpSpPr>
-        <p:cNvPr id="31" name="Shape 31"/>
+        <p:cNvPr id="1" name="Shape 31"/>
         <p:cNvGrpSpPr/>
         <p:nvPr/>
       </p:nvGrpSpPr>
@@ -3608,7 +3709,9 @@
       <p:sp>
         <p:nvSpPr>
           <p:cNvPr id="32" name="Google Shape;32;p6"/>
-          <p:cNvSpPr txBox="1"/>
+          <p:cNvSpPr txBox="1">
+            <a:spLocks noGrp="1"/>
+          </p:cNvSpPr>
           <p:nvPr>
             <p:ph type="title"/>
           </p:nvPr>
@@ -3623,7 +3726,7 @@
           </a:prstGeom>
         </p:spPr>
         <p:txBody>
-          <a:bodyPr anchorCtr="0" anchor="b" bIns="91425" lIns="91425" spcFirstLastPara="1" rIns="91425" wrap="square" tIns="91425">
+          <a:bodyPr spcFirstLastPara="1" wrap="square" lIns="91425" tIns="91425" rIns="91425" bIns="91425" anchor="b" anchorCtr="0">
             <a:normAutofit/>
           </a:bodyPr>
           <a:lstStyle>
@@ -3727,15 +3830,19 @@
               <a:defRPr/>
             </a:lvl9pPr>
           </a:lstStyle>
-          <a:p/>
+          <a:p>
+            <a:endParaRPr/>
+          </a:p>
         </p:txBody>
       </p:sp>
       <p:sp>
         <p:nvSpPr>
           <p:cNvPr id="33" name="Google Shape;33;p6"/>
-          <p:cNvSpPr txBox="1"/>
+          <p:cNvSpPr txBox="1">
+            <a:spLocks noGrp="1"/>
+          </p:cNvSpPr>
           <p:nvPr>
-            <p:ph idx="12" type="sldNum"/>
+            <p:ph type="sldNum" idx="12"/>
           </p:nvPr>
         </p:nvSpPr>
         <p:spPr>
@@ -3748,7 +3855,7 @@
           </a:prstGeom>
         </p:spPr>
         <p:txBody>
-          <a:bodyPr anchorCtr="0" anchor="ctr" bIns="91425" lIns="91425" spcFirstLastPara="1" rIns="91425" wrap="square" tIns="91425">
+          <a:bodyPr spcFirstLastPara="1" wrap="square" lIns="91425" tIns="91425" rIns="91425" bIns="91425" anchor="ctr" anchorCtr="0">
             <a:normAutofit/>
           </a:bodyPr>
           <a:lstStyle>
@@ -3790,7 +3897,7 @@
             </a:lvl9pPr>
           </a:lstStyle>
           <a:p>
-            <a:pPr indent="0" lvl="0" marL="0" rtl="0" algn="r">
+            <a:pPr marL="0" lvl="0" indent="0" algn="r" rtl="0">
               <a:spcBef>
                 <a:spcPts val="0"/>
               </a:spcBef>
@@ -3816,11 +3923,11 @@
 </file>
 
 <file path=ppt/slideLayouts/slideLayout6.xml><?xml version="1.0" encoding="utf-8"?>
-<p:sldLayout xmlns:a="http://schemas.openxmlformats.org/drawingml/2006/main" xmlns:r="http://schemas.openxmlformats.org/officeDocument/2006/relationships" xmlns:mc="http://schemas.openxmlformats.org/markup-compatibility/2006" xmlns:mv="urn:schemas-microsoft-com:mac:vml" xmlns:p="http://schemas.openxmlformats.org/presentationml/2006/main" xmlns:c="http://schemas.openxmlformats.org/drawingml/2006/chart" xmlns:dgm="http://schemas.openxmlformats.org/drawingml/2006/diagram" xmlns:o="urn:schemas-microsoft-com:office:office" xmlns:v="urn:schemas-microsoft-com:vml" xmlns:pvml="urn:schemas-microsoft-com:office:powerpoint" xmlns:com="http://schemas.openxmlformats.org/drawingml/2006/compatibility" xmlns:p14="http://schemas.microsoft.com/office/powerpoint/2010/main" xmlns:p15="http://schemas.microsoft.com/office/powerpoint/2012/main" xmlns:ahyp="http://schemas.microsoft.com/office/drawing/2018/hyperlinkcolor" matchingName="One column text">
+<p:sldLayout xmlns:a="http://schemas.openxmlformats.org/drawingml/2006/main" xmlns:r="http://schemas.openxmlformats.org/officeDocument/2006/relationships" xmlns:p="http://schemas.openxmlformats.org/presentationml/2006/main" matchingName="One column text">
   <p:cSld name="ONE_COLUMN_TEXT">
     <p:spTree>
       <p:nvGrpSpPr>
-        <p:cNvPr id="34" name="Shape 34"/>
+        <p:cNvPr id="1" name="Shape 34"/>
         <p:cNvGrpSpPr/>
         <p:nvPr/>
       </p:nvGrpSpPr>
@@ -3847,21 +3954,23 @@
             <a:avLst/>
           </a:prstGeom>
           <a:noFill/>
-          <a:ln cap="flat" cmpd="sng" w="38100">
+          <a:ln w="38100" cap="flat" cmpd="sng">
             <a:solidFill>
               <a:schemeClr val="accent4"/>
             </a:solidFill>
             <a:prstDash val="solid"/>
             <a:round/>
-            <a:headEnd len="sm" w="sm" type="none"/>
-            <a:tailEnd len="sm" w="sm" type="none"/>
+            <a:headEnd type="none" w="sm" len="sm"/>
+            <a:tailEnd type="none" w="sm" len="sm"/>
           </a:ln>
         </p:spPr>
       </p:cxnSp>
       <p:sp>
         <p:nvSpPr>
           <p:cNvPr id="36" name="Google Shape;36;p7"/>
-          <p:cNvSpPr txBox="1"/>
+          <p:cNvSpPr txBox="1">
+            <a:spLocks noGrp="1"/>
+          </p:cNvSpPr>
           <p:nvPr>
             <p:ph type="title"/>
           </p:nvPr>
@@ -3876,7 +3985,7 @@
           </a:prstGeom>
         </p:spPr>
         <p:txBody>
-          <a:bodyPr anchorCtr="0" anchor="b" bIns="91425" lIns="91425" spcFirstLastPara="1" rIns="91425" wrap="square" tIns="91425">
+          <a:bodyPr spcFirstLastPara="1" wrap="square" lIns="91425" tIns="91425" rIns="91425" bIns="91425" anchor="b" anchorCtr="0">
             <a:normAutofit/>
           </a:bodyPr>
           <a:lstStyle>
@@ -3980,15 +4089,19 @@
               <a:defRPr sz="2400"/>
             </a:lvl9pPr>
           </a:lstStyle>
-          <a:p/>
+          <a:p>
+            <a:endParaRPr/>
+          </a:p>
         </p:txBody>
       </p:sp>
       <p:sp>
         <p:nvSpPr>
           <p:cNvPr id="37" name="Google Shape;37;p7"/>
-          <p:cNvSpPr txBox="1"/>
+          <p:cNvSpPr txBox="1">
+            <a:spLocks noGrp="1"/>
+          </p:cNvSpPr>
           <p:nvPr>
-            <p:ph idx="1" type="body"/>
+            <p:ph type="body" idx="1"/>
           </p:nvPr>
         </p:nvSpPr>
         <p:spPr>
@@ -4001,11 +4114,11 @@
           </a:prstGeom>
         </p:spPr>
         <p:txBody>
-          <a:bodyPr anchorCtr="0" anchor="t" bIns="91425" lIns="91425" spcFirstLastPara="1" rIns="91425" wrap="square" tIns="91425">
+          <a:bodyPr spcFirstLastPara="1" wrap="square" lIns="91425" tIns="91425" rIns="91425" bIns="91425" anchor="t" anchorCtr="0">
             <a:normAutofit/>
           </a:bodyPr>
           <a:lstStyle>
-            <a:lvl1pPr indent="-304800" lvl="0" marL="457200">
+            <a:lvl1pPr marL="457200" lvl="0" indent="-304800">
               <a:spcBef>
                 <a:spcPts val="0"/>
               </a:spcBef>
@@ -4016,7 +4129,7 @@
               <a:buChar char="●"/>
               <a:defRPr sz="1200"/>
             </a:lvl1pPr>
-            <a:lvl2pPr indent="-304800" lvl="1" marL="914400">
+            <a:lvl2pPr marL="914400" lvl="1" indent="-304800">
               <a:spcBef>
                 <a:spcPts val="0"/>
               </a:spcBef>
@@ -4027,7 +4140,7 @@
               <a:buChar char="○"/>
               <a:defRPr sz="1200"/>
             </a:lvl2pPr>
-            <a:lvl3pPr indent="-304800" lvl="2" marL="1371600">
+            <a:lvl3pPr marL="1371600" lvl="2" indent="-304800">
               <a:spcBef>
                 <a:spcPts val="0"/>
               </a:spcBef>
@@ -4038,7 +4151,7 @@
               <a:buChar char="■"/>
               <a:defRPr sz="1200"/>
             </a:lvl3pPr>
-            <a:lvl4pPr indent="-304800" lvl="3" marL="1828800">
+            <a:lvl4pPr marL="1828800" lvl="3" indent="-304800">
               <a:spcBef>
                 <a:spcPts val="0"/>
               </a:spcBef>
@@ -4049,7 +4162,7 @@
               <a:buChar char="●"/>
               <a:defRPr sz="1200"/>
             </a:lvl4pPr>
-            <a:lvl5pPr indent="-304800" lvl="4" marL="2286000">
+            <a:lvl5pPr marL="2286000" lvl="4" indent="-304800">
               <a:spcBef>
                 <a:spcPts val="0"/>
               </a:spcBef>
@@ -4060,7 +4173,7 @@
               <a:buChar char="○"/>
               <a:defRPr sz="1200"/>
             </a:lvl5pPr>
-            <a:lvl6pPr indent="-304800" lvl="5" marL="2743200">
+            <a:lvl6pPr marL="2743200" lvl="5" indent="-304800">
               <a:spcBef>
                 <a:spcPts val="0"/>
               </a:spcBef>
@@ -4071,7 +4184,7 @@
               <a:buChar char="■"/>
               <a:defRPr sz="1200"/>
             </a:lvl6pPr>
-            <a:lvl7pPr indent="-304800" lvl="6" marL="3200400">
+            <a:lvl7pPr marL="3200400" lvl="6" indent="-304800">
               <a:spcBef>
                 <a:spcPts val="0"/>
               </a:spcBef>
@@ -4082,7 +4195,7 @@
               <a:buChar char="●"/>
               <a:defRPr sz="1200"/>
             </a:lvl7pPr>
-            <a:lvl8pPr indent="-304800" lvl="7" marL="3657600">
+            <a:lvl8pPr marL="3657600" lvl="7" indent="-304800">
               <a:spcBef>
                 <a:spcPts val="0"/>
               </a:spcBef>
@@ -4093,7 +4206,7 @@
               <a:buChar char="○"/>
               <a:defRPr sz="1200"/>
             </a:lvl8pPr>
-            <a:lvl9pPr indent="-304800" lvl="8" marL="4114800">
+            <a:lvl9pPr marL="4114800" lvl="8" indent="-304800">
               <a:spcBef>
                 <a:spcPts val="0"/>
               </a:spcBef>
@@ -4105,15 +4218,19 @@
               <a:defRPr sz="1200"/>
             </a:lvl9pPr>
           </a:lstStyle>
-          <a:p/>
+          <a:p>
+            <a:endParaRPr/>
+          </a:p>
         </p:txBody>
       </p:sp>
       <p:sp>
         <p:nvSpPr>
           <p:cNvPr id="38" name="Google Shape;38;p7"/>
-          <p:cNvSpPr txBox="1"/>
+          <p:cNvSpPr txBox="1">
+            <a:spLocks noGrp="1"/>
+          </p:cNvSpPr>
           <p:nvPr>
-            <p:ph idx="12" type="sldNum"/>
+            <p:ph type="sldNum" idx="12"/>
           </p:nvPr>
         </p:nvSpPr>
         <p:spPr>
@@ -4126,7 +4243,7 @@
           </a:prstGeom>
         </p:spPr>
         <p:txBody>
-          <a:bodyPr anchorCtr="0" anchor="ctr" bIns="91425" lIns="91425" spcFirstLastPara="1" rIns="91425" wrap="square" tIns="91425">
+          <a:bodyPr spcFirstLastPara="1" wrap="square" lIns="91425" tIns="91425" rIns="91425" bIns="91425" anchor="ctr" anchorCtr="0">
             <a:normAutofit/>
           </a:bodyPr>
           <a:lstStyle>
@@ -4168,7 +4285,7 @@
             </a:lvl9pPr>
           </a:lstStyle>
           <a:p>
-            <a:pPr indent="0" lvl="0" marL="0" rtl="0" algn="r">
+            <a:pPr marL="0" lvl="0" indent="0" algn="r" rtl="0">
               <a:spcBef>
                 <a:spcPts val="0"/>
               </a:spcBef>
@@ -4194,11 +4311,11 @@
 </file>
 
 <file path=ppt/slideLayouts/slideLayout7.xml><?xml version="1.0" encoding="utf-8"?>
-<p:sldLayout xmlns:a="http://schemas.openxmlformats.org/drawingml/2006/main" xmlns:r="http://schemas.openxmlformats.org/officeDocument/2006/relationships" xmlns:mc="http://schemas.openxmlformats.org/markup-compatibility/2006" xmlns:mv="urn:schemas-microsoft-com:mac:vml" xmlns:p="http://schemas.openxmlformats.org/presentationml/2006/main" xmlns:c="http://schemas.openxmlformats.org/drawingml/2006/chart" xmlns:dgm="http://schemas.openxmlformats.org/drawingml/2006/diagram" xmlns:o="urn:schemas-microsoft-com:office:office" xmlns:v="urn:schemas-microsoft-com:vml" xmlns:pvml="urn:schemas-microsoft-com:office:powerpoint" xmlns:com="http://schemas.openxmlformats.org/drawingml/2006/compatibility" xmlns:p14="http://schemas.microsoft.com/office/powerpoint/2010/main" xmlns:p15="http://schemas.microsoft.com/office/powerpoint/2012/main" xmlns:ahyp="http://schemas.microsoft.com/office/drawing/2018/hyperlinkcolor" matchingName="Main point">
+<p:sldLayout xmlns:a="http://schemas.openxmlformats.org/drawingml/2006/main" xmlns:r="http://schemas.openxmlformats.org/officeDocument/2006/relationships" xmlns:p="http://schemas.openxmlformats.org/presentationml/2006/main" matchingName="Main point">
   <p:cSld name="MAIN_POINT">
     <p:spTree>
       <p:nvGrpSpPr>
-        <p:cNvPr id="39" name="Shape 39"/>
+        <p:cNvPr id="1" name="Shape 39"/>
         <p:cNvGrpSpPr/>
         <p:nvPr/>
       </p:nvGrpSpPr>
@@ -4213,7 +4330,9 @@
       <p:sp>
         <p:nvSpPr>
           <p:cNvPr id="40" name="Google Shape;40;p8"/>
-          <p:cNvSpPr txBox="1"/>
+          <p:cNvSpPr txBox="1">
+            <a:spLocks noGrp="1"/>
+          </p:cNvSpPr>
           <p:nvPr>
             <p:ph type="title"/>
           </p:nvPr>
@@ -4228,7 +4347,7 @@
           </a:prstGeom>
         </p:spPr>
         <p:txBody>
-          <a:bodyPr anchorCtr="0" anchor="ctr" bIns="91425" lIns="91425" spcFirstLastPara="1" rIns="91425" wrap="square" tIns="91425">
+          <a:bodyPr spcFirstLastPara="1" wrap="square" lIns="91425" tIns="91425" rIns="91425" bIns="91425" anchor="ctr" anchorCtr="0">
             <a:normAutofit/>
           </a:bodyPr>
           <a:lstStyle>
@@ -4332,15 +4451,19 @@
               <a:defRPr sz="4800"/>
             </a:lvl9pPr>
           </a:lstStyle>
-          <a:p/>
+          <a:p>
+            <a:endParaRPr/>
+          </a:p>
         </p:txBody>
       </p:sp>
       <p:sp>
         <p:nvSpPr>
           <p:cNvPr id="41" name="Google Shape;41;p8"/>
-          <p:cNvSpPr txBox="1"/>
+          <p:cNvSpPr txBox="1">
+            <a:spLocks noGrp="1"/>
+          </p:cNvSpPr>
           <p:nvPr>
-            <p:ph idx="12" type="sldNum"/>
+            <p:ph type="sldNum" idx="12"/>
           </p:nvPr>
         </p:nvSpPr>
         <p:spPr>
@@ -4353,7 +4476,7 @@
           </a:prstGeom>
         </p:spPr>
         <p:txBody>
-          <a:bodyPr anchorCtr="0" anchor="ctr" bIns="91425" lIns="91425" spcFirstLastPara="1" rIns="91425" wrap="square" tIns="91425">
+          <a:bodyPr spcFirstLastPara="1" wrap="square" lIns="91425" tIns="91425" rIns="91425" bIns="91425" anchor="ctr" anchorCtr="0">
             <a:normAutofit/>
           </a:bodyPr>
           <a:lstStyle>
@@ -4395,7 +4518,7 @@
             </a:lvl9pPr>
           </a:lstStyle>
           <a:p>
-            <a:pPr indent="0" lvl="0" marL="0" rtl="0" algn="r">
+            <a:pPr marL="0" lvl="0" indent="0" algn="r" rtl="0">
               <a:spcBef>
                 <a:spcPts val="0"/>
               </a:spcBef>
@@ -4421,11 +4544,11 @@
 </file>
 
 <file path=ppt/slideLayouts/slideLayout8.xml><?xml version="1.0" encoding="utf-8"?>
-<p:sldLayout xmlns:a="http://schemas.openxmlformats.org/drawingml/2006/main" xmlns:r="http://schemas.openxmlformats.org/officeDocument/2006/relationships" xmlns:mc="http://schemas.openxmlformats.org/markup-compatibility/2006" xmlns:mv="urn:schemas-microsoft-com:mac:vml" xmlns:p="http://schemas.openxmlformats.org/presentationml/2006/main" xmlns:c="http://schemas.openxmlformats.org/drawingml/2006/chart" xmlns:dgm="http://schemas.openxmlformats.org/drawingml/2006/diagram" xmlns:o="urn:schemas-microsoft-com:office:office" xmlns:v="urn:schemas-microsoft-com:vml" xmlns:pvml="urn:schemas-microsoft-com:office:powerpoint" xmlns:com="http://schemas.openxmlformats.org/drawingml/2006/compatibility" xmlns:p14="http://schemas.microsoft.com/office/powerpoint/2010/main" xmlns:p15="http://schemas.microsoft.com/office/powerpoint/2012/main" xmlns:ahyp="http://schemas.microsoft.com/office/drawing/2018/hyperlinkcolor" matchingName="Section title and description">
+<p:sldLayout xmlns:a="http://schemas.openxmlformats.org/drawingml/2006/main" xmlns:r="http://schemas.openxmlformats.org/officeDocument/2006/relationships" xmlns:p="http://schemas.openxmlformats.org/presentationml/2006/main" matchingName="Section title and description">
   <p:cSld name="SECTION_TITLE_AND_DESCRIPTION">
     <p:spTree>
       <p:nvGrpSpPr>
-        <p:cNvPr id="42" name="Shape 42"/>
+        <p:cNvPr id="1" name="Shape 42"/>
         <p:cNvGrpSpPr/>
         <p:nvPr/>
       </p:nvGrpSpPr>
@@ -4459,12 +4582,12 @@
           </a:ln>
         </p:spPr>
         <p:txBody>
-          <a:bodyPr anchorCtr="0" anchor="ctr" bIns="91425" lIns="91425" spcFirstLastPara="1" rIns="91425" wrap="square" tIns="91425">
+          <a:bodyPr spcFirstLastPara="1" wrap="square" lIns="91425" tIns="91425" rIns="91425" bIns="91425" anchor="ctr" anchorCtr="0">
             <a:noAutofit/>
           </a:bodyPr>
           <a:lstStyle/>
           <a:p>
-            <a:pPr indent="0" lvl="0" marL="0" rtl="0" algn="l">
+            <a:pPr marL="0" lvl="0" indent="0" algn="l" rtl="0">
               <a:spcBef>
                 <a:spcPts val="0"/>
               </a:spcBef>
@@ -4473,9 +4596,6 @@
               </a:spcAft>
               <a:buNone/>
             </a:pPr>
-            <a:r>
-              <a:t/>
-            </a:r>
             <a:endParaRPr/>
           </a:p>
         </p:txBody>
@@ -4495,21 +4615,23 @@
             <a:avLst/>
           </a:prstGeom>
           <a:noFill/>
-          <a:ln cap="flat" cmpd="sng" w="38100">
+          <a:ln w="38100" cap="flat" cmpd="sng">
             <a:solidFill>
               <a:schemeClr val="accent5"/>
             </a:solidFill>
             <a:prstDash val="solid"/>
             <a:round/>
-            <a:headEnd len="sm" w="sm" type="none"/>
-            <a:tailEnd len="sm" w="sm" type="none"/>
+            <a:headEnd type="none" w="sm" len="sm"/>
+            <a:tailEnd type="none" w="sm" len="sm"/>
           </a:ln>
         </p:spPr>
       </p:cxnSp>
       <p:sp>
         <p:nvSpPr>
           <p:cNvPr id="45" name="Google Shape;45;p9"/>
-          <p:cNvSpPr txBox="1"/>
+          <p:cNvSpPr txBox="1">
+            <a:spLocks noGrp="1"/>
+          </p:cNvSpPr>
           <p:nvPr>
             <p:ph type="title"/>
           </p:nvPr>
@@ -4524,7 +4646,7 @@
           </a:prstGeom>
         </p:spPr>
         <p:txBody>
-          <a:bodyPr anchorCtr="0" anchor="b" bIns="91425" lIns="91425" spcFirstLastPara="1" rIns="91425" wrap="square" tIns="91425">
+          <a:bodyPr spcFirstLastPara="1" wrap="square" lIns="91425" tIns="91425" rIns="91425" bIns="91425" anchor="b" anchorCtr="0">
             <a:normAutofit/>
           </a:bodyPr>
           <a:lstStyle>
@@ -4628,15 +4750,19 @@
               <a:defRPr sz="3800"/>
             </a:lvl9pPr>
           </a:lstStyle>
-          <a:p/>
+          <a:p>
+            <a:endParaRPr/>
+          </a:p>
         </p:txBody>
       </p:sp>
       <p:sp>
         <p:nvSpPr>
           <p:cNvPr id="46" name="Google Shape;46;p9"/>
-          <p:cNvSpPr txBox="1"/>
+          <p:cNvSpPr txBox="1">
+            <a:spLocks noGrp="1"/>
+          </p:cNvSpPr>
           <p:nvPr>
-            <p:ph idx="1" type="subTitle"/>
+            <p:ph type="subTitle" idx="1"/>
           </p:nvPr>
         </p:nvSpPr>
         <p:spPr>
@@ -4649,7 +4775,7 @@
           </a:prstGeom>
         </p:spPr>
         <p:txBody>
-          <a:bodyPr anchorCtr="0" anchor="t" bIns="91425" lIns="91425" spcFirstLastPara="1" rIns="91425" wrap="square" tIns="91425">
+          <a:bodyPr spcFirstLastPara="1" wrap="square" lIns="91425" tIns="91425" rIns="91425" bIns="91425" anchor="t" anchorCtr="0">
             <a:normAutofit/>
           </a:bodyPr>
           <a:lstStyle>
@@ -4843,15 +4969,19 @@
               </a:defRPr>
             </a:lvl9pPr>
           </a:lstStyle>
-          <a:p/>
+          <a:p>
+            <a:endParaRPr/>
+          </a:p>
         </p:txBody>
       </p:sp>
       <p:sp>
         <p:nvSpPr>
           <p:cNvPr id="47" name="Google Shape;47;p9"/>
-          <p:cNvSpPr txBox="1"/>
+          <p:cNvSpPr txBox="1">
+            <a:spLocks noGrp="1"/>
+          </p:cNvSpPr>
           <p:nvPr>
-            <p:ph idx="2" type="body"/>
+            <p:ph type="body" idx="2"/>
           </p:nvPr>
         </p:nvSpPr>
         <p:spPr>
@@ -4864,11 +4994,11 @@
           </a:prstGeom>
         </p:spPr>
         <p:txBody>
-          <a:bodyPr anchorCtr="0" anchor="ctr" bIns="91425" lIns="91425" spcFirstLastPara="1" rIns="91425" wrap="square" tIns="91425">
+          <a:bodyPr spcFirstLastPara="1" wrap="square" lIns="91425" tIns="91425" rIns="91425" bIns="91425" anchor="ctr" anchorCtr="0">
             <a:normAutofit/>
           </a:bodyPr>
           <a:lstStyle>
-            <a:lvl1pPr indent="-342900" lvl="0" marL="457200">
+            <a:lvl1pPr marL="457200" lvl="0" indent="-342900">
               <a:spcBef>
                 <a:spcPts val="0"/>
               </a:spcBef>
@@ -4879,7 +5009,7 @@
               <a:buChar char="●"/>
               <a:defRPr/>
             </a:lvl1pPr>
-            <a:lvl2pPr indent="-317500" lvl="1" marL="914400">
+            <a:lvl2pPr marL="914400" lvl="1" indent="-317500">
               <a:spcBef>
                 <a:spcPts val="0"/>
               </a:spcBef>
@@ -4890,7 +5020,7 @@
               <a:buChar char="○"/>
               <a:defRPr/>
             </a:lvl2pPr>
-            <a:lvl3pPr indent="-317500" lvl="2" marL="1371600">
+            <a:lvl3pPr marL="1371600" lvl="2" indent="-317500">
               <a:spcBef>
                 <a:spcPts val="0"/>
               </a:spcBef>
@@ -4901,7 +5031,7 @@
               <a:buChar char="■"/>
               <a:defRPr/>
             </a:lvl3pPr>
-            <a:lvl4pPr indent="-317500" lvl="3" marL="1828800">
+            <a:lvl4pPr marL="1828800" lvl="3" indent="-317500">
               <a:spcBef>
                 <a:spcPts val="0"/>
               </a:spcBef>
@@ -4912,7 +5042,7 @@
               <a:buChar char="●"/>
               <a:defRPr/>
             </a:lvl4pPr>
-            <a:lvl5pPr indent="-317500" lvl="4" marL="2286000">
+            <a:lvl5pPr marL="2286000" lvl="4" indent="-317500">
               <a:spcBef>
                 <a:spcPts val="0"/>
               </a:spcBef>
@@ -4923,7 +5053,7 @@
               <a:buChar char="○"/>
               <a:defRPr/>
             </a:lvl5pPr>
-            <a:lvl6pPr indent="-317500" lvl="5" marL="2743200">
+            <a:lvl6pPr marL="2743200" lvl="5" indent="-317500">
               <a:spcBef>
                 <a:spcPts val="0"/>
               </a:spcBef>
@@ -4934,7 +5064,7 @@
               <a:buChar char="■"/>
               <a:defRPr/>
             </a:lvl6pPr>
-            <a:lvl7pPr indent="-317500" lvl="6" marL="3200400">
+            <a:lvl7pPr marL="3200400" lvl="6" indent="-317500">
               <a:spcBef>
                 <a:spcPts val="0"/>
               </a:spcBef>
@@ -4945,7 +5075,7 @@
               <a:buChar char="●"/>
               <a:defRPr/>
             </a:lvl7pPr>
-            <a:lvl8pPr indent="-317500" lvl="7" marL="3657600">
+            <a:lvl8pPr marL="3657600" lvl="7" indent="-317500">
               <a:spcBef>
                 <a:spcPts val="0"/>
               </a:spcBef>
@@ -4956,7 +5086,7 @@
               <a:buChar char="○"/>
               <a:defRPr/>
             </a:lvl8pPr>
-            <a:lvl9pPr indent="-317500" lvl="8" marL="4114800">
+            <a:lvl9pPr marL="4114800" lvl="8" indent="-317500">
               <a:spcBef>
                 <a:spcPts val="0"/>
               </a:spcBef>
@@ -4968,15 +5098,19 @@
               <a:defRPr/>
             </a:lvl9pPr>
           </a:lstStyle>
-          <a:p/>
+          <a:p>
+            <a:endParaRPr/>
+          </a:p>
         </p:txBody>
       </p:sp>
       <p:sp>
         <p:nvSpPr>
           <p:cNvPr id="48" name="Google Shape;48;p9"/>
-          <p:cNvSpPr txBox="1"/>
+          <p:cNvSpPr txBox="1">
+            <a:spLocks noGrp="1"/>
+          </p:cNvSpPr>
           <p:nvPr>
-            <p:ph idx="12" type="sldNum"/>
+            <p:ph type="sldNum" idx="12"/>
           </p:nvPr>
         </p:nvSpPr>
         <p:spPr>
@@ -4989,7 +5123,7 @@
           </a:prstGeom>
         </p:spPr>
         <p:txBody>
-          <a:bodyPr anchorCtr="0" anchor="ctr" bIns="91425" lIns="91425" spcFirstLastPara="1" rIns="91425" wrap="square" tIns="91425">
+          <a:bodyPr spcFirstLastPara="1" wrap="square" lIns="91425" tIns="91425" rIns="91425" bIns="91425" anchor="ctr" anchorCtr="0">
             <a:normAutofit/>
           </a:bodyPr>
           <a:lstStyle>
@@ -5031,7 +5165,7 @@
             </a:lvl9pPr>
           </a:lstStyle>
           <a:p>
-            <a:pPr indent="0" lvl="0" marL="0" rtl="0" algn="r">
+            <a:pPr marL="0" lvl="0" indent="0" algn="r" rtl="0">
               <a:spcBef>
                 <a:spcPts val="0"/>
               </a:spcBef>
@@ -5057,11 +5191,11 @@
 </file>
 
 <file path=ppt/slideLayouts/slideLayout9.xml><?xml version="1.0" encoding="utf-8"?>
-<p:sldLayout xmlns:a="http://schemas.openxmlformats.org/drawingml/2006/main" xmlns:r="http://schemas.openxmlformats.org/officeDocument/2006/relationships" xmlns:mc="http://schemas.openxmlformats.org/markup-compatibility/2006" xmlns:mv="urn:schemas-microsoft-com:mac:vml" xmlns:p="http://schemas.openxmlformats.org/presentationml/2006/main" xmlns:c="http://schemas.openxmlformats.org/drawingml/2006/chart" xmlns:dgm="http://schemas.openxmlformats.org/drawingml/2006/diagram" xmlns:o="urn:schemas-microsoft-com:office:office" xmlns:v="urn:schemas-microsoft-com:vml" xmlns:pvml="urn:schemas-microsoft-com:office:powerpoint" xmlns:com="http://schemas.openxmlformats.org/drawingml/2006/compatibility" xmlns:p14="http://schemas.microsoft.com/office/powerpoint/2010/main" xmlns:p15="http://schemas.microsoft.com/office/powerpoint/2012/main" xmlns:ahyp="http://schemas.microsoft.com/office/drawing/2018/hyperlinkcolor" matchingName="Caption">
+<p:sldLayout xmlns:a="http://schemas.openxmlformats.org/drawingml/2006/main" xmlns:r="http://schemas.openxmlformats.org/officeDocument/2006/relationships" xmlns:p="http://schemas.openxmlformats.org/presentationml/2006/main" matchingName="Caption">
   <p:cSld name="CAPTION_ONLY">
     <p:spTree>
       <p:nvGrpSpPr>
-        <p:cNvPr id="49" name="Shape 49"/>
+        <p:cNvPr id="1" name="Shape 49"/>
         <p:cNvGrpSpPr/>
         <p:nvPr/>
       </p:nvGrpSpPr>
@@ -5076,9 +5210,11 @@
       <p:sp>
         <p:nvSpPr>
           <p:cNvPr id="50" name="Google Shape;50;p10"/>
-          <p:cNvSpPr txBox="1"/>
+          <p:cNvSpPr txBox="1">
+            <a:spLocks noGrp="1"/>
+          </p:cNvSpPr>
           <p:nvPr>
-            <p:ph idx="1" type="body"/>
+            <p:ph type="body" idx="1"/>
           </p:nvPr>
         </p:nvSpPr>
         <p:spPr>
@@ -5091,11 +5227,11 @@
           </a:prstGeom>
         </p:spPr>
         <p:txBody>
-          <a:bodyPr anchorCtr="0" anchor="ctr" bIns="91425" lIns="91425" spcFirstLastPara="1" rIns="91425" wrap="square" tIns="91425">
+          <a:bodyPr spcFirstLastPara="1" wrap="square" lIns="91425" tIns="91425" rIns="91425" bIns="91425" anchor="ctr" anchorCtr="0">
             <a:normAutofit/>
           </a:bodyPr>
           <a:lstStyle>
-            <a:lvl1pPr indent="-228600" lvl="0" marL="457200">
+            <a:lvl1pPr marL="457200" lvl="0" indent="-228600">
               <a:lnSpc>
                 <a:spcPct val="100000"/>
               </a:lnSpc>
@@ -5116,15 +5252,19 @@
               </a:defRPr>
             </a:lvl1pPr>
           </a:lstStyle>
-          <a:p/>
+          <a:p>
+            <a:endParaRPr/>
+          </a:p>
         </p:txBody>
       </p:sp>
       <p:sp>
         <p:nvSpPr>
           <p:cNvPr id="51" name="Google Shape;51;p10"/>
-          <p:cNvSpPr txBox="1"/>
+          <p:cNvSpPr txBox="1">
+            <a:spLocks noGrp="1"/>
+          </p:cNvSpPr>
           <p:nvPr>
-            <p:ph idx="12" type="sldNum"/>
+            <p:ph type="sldNum" idx="12"/>
           </p:nvPr>
         </p:nvSpPr>
         <p:spPr>
@@ -5137,7 +5277,7 @@
           </a:prstGeom>
         </p:spPr>
         <p:txBody>
-          <a:bodyPr anchorCtr="0" anchor="ctr" bIns="91425" lIns="91425" spcFirstLastPara="1" rIns="91425" wrap="square" tIns="91425">
+          <a:bodyPr spcFirstLastPara="1" wrap="square" lIns="91425" tIns="91425" rIns="91425" bIns="91425" anchor="ctr" anchorCtr="0">
             <a:normAutofit/>
           </a:bodyPr>
           <a:lstStyle>
@@ -5179,7 +5319,7 @@
             </a:lvl9pPr>
           </a:lstStyle>
           <a:p>
-            <a:pPr indent="0" lvl="0" marL="0" rtl="0" algn="r">
+            <a:pPr marL="0" lvl="0" indent="0" algn="r" rtl="0">
               <a:spcBef>
                 <a:spcPts val="0"/>
               </a:spcBef>
@@ -5205,18 +5345,19 @@
 </file>
 
 <file path=ppt/slideMasters/slideMaster1.xml><?xml version="1.0" encoding="utf-8"?>
-<p:sldMaster xmlns:a="http://schemas.openxmlformats.org/drawingml/2006/main" xmlns:r="http://schemas.openxmlformats.org/officeDocument/2006/relationships" xmlns:mc="http://schemas.openxmlformats.org/markup-compatibility/2006" xmlns:mv="urn:schemas-microsoft-com:mac:vml" xmlns:p="http://schemas.openxmlformats.org/presentationml/2006/main" xmlns:c="http://schemas.openxmlformats.org/drawingml/2006/chart" xmlns:dgm="http://schemas.openxmlformats.org/drawingml/2006/diagram" xmlns:o="urn:schemas-microsoft-com:office:office" xmlns:v="urn:schemas-microsoft-com:vml" xmlns:pvml="urn:schemas-microsoft-com:office:powerpoint" xmlns:com="http://schemas.openxmlformats.org/drawingml/2006/compatibility" xmlns:p14="http://schemas.microsoft.com/office/powerpoint/2010/main" xmlns:p15="http://schemas.microsoft.com/office/powerpoint/2012/main" xmlns:ahyp="http://schemas.microsoft.com/office/drawing/2018/hyperlinkcolor">
+<p:sldMaster xmlns:a="http://schemas.openxmlformats.org/drawingml/2006/main" xmlns:r="http://schemas.openxmlformats.org/officeDocument/2006/relationships" xmlns:p="http://schemas.openxmlformats.org/presentationml/2006/main">
   <p:cSld name="marina">
     <p:bg>
       <p:bgPr>
         <a:solidFill>
           <a:schemeClr val="lt1"/>
         </a:solidFill>
+        <a:effectLst/>
       </p:bgPr>
     </p:bg>
     <p:spTree>
       <p:nvGrpSpPr>
-        <p:cNvPr id="5" name="Shape 5"/>
+        <p:cNvPr id="1" name="Shape 5"/>
         <p:cNvGrpSpPr/>
         <p:nvPr/>
       </p:nvGrpSpPr>
@@ -5231,7 +5372,9 @@
       <p:sp>
         <p:nvSpPr>
           <p:cNvPr id="6" name="Google Shape;6;p1"/>
-          <p:cNvSpPr txBox="1"/>
+          <p:cNvSpPr txBox="1">
+            <a:spLocks noGrp="1"/>
+          </p:cNvSpPr>
           <p:nvPr>
             <p:ph type="title"/>
           </p:nvPr>
@@ -5250,7 +5393,7 @@
           </a:ln>
         </p:spPr>
         <p:txBody>
-          <a:bodyPr anchorCtr="0" anchor="b" bIns="91425" lIns="91425" spcFirstLastPara="1" rIns="91425" wrap="square" tIns="91425">
+          <a:bodyPr spcFirstLastPara="1" wrap="square" lIns="91425" tIns="91425" rIns="91425" bIns="91425" anchor="b" anchorCtr="0">
             <a:normAutofit/>
           </a:bodyPr>
           <a:lstStyle>
@@ -5462,15 +5605,19 @@
               </a:defRPr>
             </a:lvl9pPr>
           </a:lstStyle>
-          <a:p/>
+          <a:p>
+            <a:endParaRPr/>
+          </a:p>
         </p:txBody>
       </p:sp>
       <p:sp>
         <p:nvSpPr>
           <p:cNvPr id="7" name="Google Shape;7;p1"/>
-          <p:cNvSpPr txBox="1"/>
+          <p:cNvSpPr txBox="1">
+            <a:spLocks noGrp="1"/>
+          </p:cNvSpPr>
           <p:nvPr>
-            <p:ph idx="1" type="body"/>
+            <p:ph type="body" idx="1"/>
           </p:nvPr>
         </p:nvSpPr>
         <p:spPr>
@@ -5487,11 +5634,11 @@
           </a:ln>
         </p:spPr>
         <p:txBody>
-          <a:bodyPr anchorCtr="0" anchor="t" bIns="91425" lIns="91425" spcFirstLastPara="1" rIns="91425" wrap="square" tIns="91425">
+          <a:bodyPr spcFirstLastPara="1" wrap="square" lIns="91425" tIns="91425" rIns="91425" bIns="91425" anchor="t" anchorCtr="0">
             <a:normAutofit/>
           </a:bodyPr>
           <a:lstStyle>
-            <a:lvl1pPr indent="-342900" lvl="0" marL="457200">
+            <a:lvl1pPr marL="457200" lvl="0" indent="-342900">
               <a:lnSpc>
                 <a:spcPct val="115000"/>
               </a:lnSpc>
@@ -5517,7 +5664,7 @@
                 <a:sym typeface="Roboto"/>
               </a:defRPr>
             </a:lvl1pPr>
-            <a:lvl2pPr indent="-317500" lvl="1" marL="914400">
+            <a:lvl2pPr marL="914400" lvl="1" indent="-317500">
               <a:lnSpc>
                 <a:spcPct val="115000"/>
               </a:lnSpc>
@@ -5543,7 +5690,7 @@
                 <a:sym typeface="Roboto"/>
               </a:defRPr>
             </a:lvl2pPr>
-            <a:lvl3pPr indent="-317500" lvl="2" marL="1371600">
+            <a:lvl3pPr marL="1371600" lvl="2" indent="-317500">
               <a:lnSpc>
                 <a:spcPct val="115000"/>
               </a:lnSpc>
@@ -5569,7 +5716,7 @@
                 <a:sym typeface="Roboto"/>
               </a:defRPr>
             </a:lvl3pPr>
-            <a:lvl4pPr indent="-317500" lvl="3" marL="1828800">
+            <a:lvl4pPr marL="1828800" lvl="3" indent="-317500">
               <a:lnSpc>
                 <a:spcPct val="115000"/>
               </a:lnSpc>
@@ -5595,7 +5742,7 @@
                 <a:sym typeface="Roboto"/>
               </a:defRPr>
             </a:lvl4pPr>
-            <a:lvl5pPr indent="-317500" lvl="4" marL="2286000">
+            <a:lvl5pPr marL="2286000" lvl="4" indent="-317500">
               <a:lnSpc>
                 <a:spcPct val="115000"/>
               </a:lnSpc>
@@ -5621,7 +5768,7 @@
                 <a:sym typeface="Roboto"/>
               </a:defRPr>
             </a:lvl5pPr>
-            <a:lvl6pPr indent="-317500" lvl="5" marL="2743200">
+            <a:lvl6pPr marL="2743200" lvl="5" indent="-317500">
               <a:lnSpc>
                 <a:spcPct val="115000"/>
               </a:lnSpc>
@@ -5647,7 +5794,7 @@
                 <a:sym typeface="Roboto"/>
               </a:defRPr>
             </a:lvl6pPr>
-            <a:lvl7pPr indent="-317500" lvl="6" marL="3200400">
+            <a:lvl7pPr marL="3200400" lvl="6" indent="-317500">
               <a:lnSpc>
                 <a:spcPct val="115000"/>
               </a:lnSpc>
@@ -5673,7 +5820,7 @@
                 <a:sym typeface="Roboto"/>
               </a:defRPr>
             </a:lvl7pPr>
-            <a:lvl8pPr indent="-317500" lvl="7" marL="3657600">
+            <a:lvl8pPr marL="3657600" lvl="7" indent="-317500">
               <a:lnSpc>
                 <a:spcPct val="115000"/>
               </a:lnSpc>
@@ -5699,7 +5846,7 @@
                 <a:sym typeface="Roboto"/>
               </a:defRPr>
             </a:lvl8pPr>
-            <a:lvl9pPr indent="-317500" lvl="8" marL="4114800">
+            <a:lvl9pPr marL="4114800" lvl="8" indent="-317500">
               <a:lnSpc>
                 <a:spcPct val="115000"/>
               </a:lnSpc>
@@ -5726,15 +5873,19 @@
               </a:defRPr>
             </a:lvl9pPr>
           </a:lstStyle>
-          <a:p/>
+          <a:p>
+            <a:endParaRPr/>
+          </a:p>
         </p:txBody>
       </p:sp>
       <p:sp>
         <p:nvSpPr>
           <p:cNvPr id="8" name="Google Shape;8;p1"/>
-          <p:cNvSpPr txBox="1"/>
+          <p:cNvSpPr txBox="1">
+            <a:spLocks noGrp="1"/>
+          </p:cNvSpPr>
           <p:nvPr>
-            <p:ph idx="12" type="sldNum"/>
+            <p:ph type="sldNum" idx="12"/>
           </p:nvPr>
         </p:nvSpPr>
         <p:spPr>
@@ -5751,7 +5902,7 @@
           </a:ln>
         </p:spPr>
         <p:txBody>
-          <a:bodyPr anchorCtr="0" anchor="ctr" bIns="91425" lIns="91425" spcFirstLastPara="1" rIns="91425" wrap="square" tIns="91425">
+          <a:bodyPr spcFirstLastPara="1" wrap="square" lIns="91425" tIns="91425" rIns="91425" bIns="91425" anchor="ctr" anchorCtr="0">
             <a:normAutofit/>
           </a:bodyPr>
           <a:lstStyle>
@@ -5865,7 +6016,7 @@
             </a:lvl9pPr>
           </a:lstStyle>
           <a:p>
-            <a:pPr indent="0" lvl="0" marL="0" rtl="0" algn="r">
+            <a:pPr marL="0" lvl="0" indent="0" algn="r" rtl="0">
               <a:spcBef>
                 <a:spcPts val="0"/>
               </a:spcBef>
@@ -5884,7 +6035,7 @@
       </p:sp>
     </p:spTree>
   </p:cSld>
-  <p:clrMap accent1="accent1" accent2="accent2" accent3="accent3" accent4="accent4" accent5="accent5" accent6="accent6" bg1="lt1" bg2="dk2" tx1="dk1" tx2="lt2" folHlink="folHlink" hlink="hlink"/>
+  <p:clrMap bg1="lt1" tx1="dk1" bg2="dk2" tx2="lt2" accent1="accent1" accent2="accent2" accent3="accent3" accent4="accent4" accent5="accent5" accent6="accent6" hlink="hlink" folHlink="folHlink"/>
   <p:sldLayoutIdLst>
     <p:sldLayoutId id="2147483648" r:id="rId1"/>
     <p:sldLayoutId id="2147483649" r:id="rId2"/>
@@ -5898,10 +6049,10 @@
     <p:sldLayoutId id="2147483657" r:id="rId10"/>
     <p:sldLayoutId id="2147483658" r:id="rId11"/>
   </p:sldLayoutIdLst>
-  <p:hf dt="0" ftr="0" hdr="0" sldNum="0"/>
+  <p:hf sldNum="0" hdr="0" ftr="0" dt="0"/>
   <p:txStyles>
     <p:titleStyle>
-      <a:defPPr lvl="0" marR="0" rtl="0" algn="l">
+      <a:defPPr marR="0" lvl="0" algn="l" rtl="0">
         <a:lnSpc>
           <a:spcPct val="100000"/>
         </a:lnSpc>
@@ -5912,7 +6063,7 @@
           <a:spcPts val="0"/>
         </a:spcAft>
       </a:defPPr>
-      <a:lvl1pPr lvl="0" marR="0" rtl="0" algn="l">
+      <a:lvl1pPr marR="0" lvl="0" algn="l" rtl="0">
         <a:lnSpc>
           <a:spcPct val="100000"/>
         </a:lnSpc>
@@ -5926,7 +6077,7 @@
           <a:srgbClr val="000000"/>
         </a:buClr>
         <a:buFont typeface="Arial"/>
-        <a:defRPr b="0" i="0" sz="1400" u="none" cap="none" strike="noStrike">
+        <a:defRPr sz="1400" b="0" i="0" u="none" strike="noStrike" cap="none">
           <a:solidFill>
             <a:srgbClr val="000000"/>
           </a:solidFill>
@@ -5936,7 +6087,7 @@
           <a:sym typeface="Arial"/>
         </a:defRPr>
       </a:lvl1pPr>
-      <a:lvl2pPr lvl="1" marR="0" rtl="0" algn="l">
+      <a:lvl2pPr marR="0" lvl="1" algn="l" rtl="0">
         <a:lnSpc>
           <a:spcPct val="100000"/>
         </a:lnSpc>
@@ -5950,7 +6101,7 @@
           <a:srgbClr val="000000"/>
         </a:buClr>
         <a:buFont typeface="Arial"/>
-        <a:defRPr b="0" i="0" sz="1400" u="none" cap="none" strike="noStrike">
+        <a:defRPr sz="1400" b="0" i="0" u="none" strike="noStrike" cap="none">
           <a:solidFill>
             <a:srgbClr val="000000"/>
           </a:solidFill>
@@ -5960,7 +6111,7 @@
           <a:sym typeface="Arial"/>
         </a:defRPr>
       </a:lvl2pPr>
-      <a:lvl3pPr lvl="2" marR="0" rtl="0" algn="l">
+      <a:lvl3pPr marR="0" lvl="2" algn="l" rtl="0">
         <a:lnSpc>
           <a:spcPct val="100000"/>
         </a:lnSpc>
@@ -5974,7 +6125,7 @@
           <a:srgbClr val="000000"/>
         </a:buClr>
         <a:buFont typeface="Arial"/>
-        <a:defRPr b="0" i="0" sz="1400" u="none" cap="none" strike="noStrike">
+        <a:defRPr sz="1400" b="0" i="0" u="none" strike="noStrike" cap="none">
           <a:solidFill>
             <a:srgbClr val="000000"/>
           </a:solidFill>
@@ -5984,7 +6135,7 @@
           <a:sym typeface="Arial"/>
         </a:defRPr>
       </a:lvl3pPr>
-      <a:lvl4pPr lvl="3" marR="0" rtl="0" algn="l">
+      <a:lvl4pPr marR="0" lvl="3" algn="l" rtl="0">
         <a:lnSpc>
           <a:spcPct val="100000"/>
         </a:lnSpc>
@@ -5998,7 +6149,7 @@
           <a:srgbClr val="000000"/>
         </a:buClr>
         <a:buFont typeface="Arial"/>
-        <a:defRPr b="0" i="0" sz="1400" u="none" cap="none" strike="noStrike">
+        <a:defRPr sz="1400" b="0" i="0" u="none" strike="noStrike" cap="none">
           <a:solidFill>
             <a:srgbClr val="000000"/>
           </a:solidFill>
@@ -6008,7 +6159,7 @@
           <a:sym typeface="Arial"/>
         </a:defRPr>
       </a:lvl4pPr>
-      <a:lvl5pPr lvl="4" marR="0" rtl="0" algn="l">
+      <a:lvl5pPr marR="0" lvl="4" algn="l" rtl="0">
         <a:lnSpc>
           <a:spcPct val="100000"/>
         </a:lnSpc>
@@ -6022,7 +6173,7 @@
           <a:srgbClr val="000000"/>
         </a:buClr>
         <a:buFont typeface="Arial"/>
-        <a:defRPr b="0" i="0" sz="1400" u="none" cap="none" strike="noStrike">
+        <a:defRPr sz="1400" b="0" i="0" u="none" strike="noStrike" cap="none">
           <a:solidFill>
             <a:srgbClr val="000000"/>
           </a:solidFill>
@@ -6032,7 +6183,7 @@
           <a:sym typeface="Arial"/>
         </a:defRPr>
       </a:lvl5pPr>
-      <a:lvl6pPr lvl="5" marR="0" rtl="0" algn="l">
+      <a:lvl6pPr marR="0" lvl="5" algn="l" rtl="0">
         <a:lnSpc>
           <a:spcPct val="100000"/>
         </a:lnSpc>
@@ -6046,7 +6197,7 @@
           <a:srgbClr val="000000"/>
         </a:buClr>
         <a:buFont typeface="Arial"/>
-        <a:defRPr b="0" i="0" sz="1400" u="none" cap="none" strike="noStrike">
+        <a:defRPr sz="1400" b="0" i="0" u="none" strike="noStrike" cap="none">
           <a:solidFill>
             <a:srgbClr val="000000"/>
           </a:solidFill>
@@ -6056,7 +6207,7 @@
           <a:sym typeface="Arial"/>
         </a:defRPr>
       </a:lvl6pPr>
-      <a:lvl7pPr lvl="6" marR="0" rtl="0" algn="l">
+      <a:lvl7pPr marR="0" lvl="6" algn="l" rtl="0">
         <a:lnSpc>
           <a:spcPct val="100000"/>
         </a:lnSpc>
@@ -6070,7 +6221,7 @@
           <a:srgbClr val="000000"/>
         </a:buClr>
         <a:buFont typeface="Arial"/>
-        <a:defRPr b="0" i="0" sz="1400" u="none" cap="none" strike="noStrike">
+        <a:defRPr sz="1400" b="0" i="0" u="none" strike="noStrike" cap="none">
           <a:solidFill>
             <a:srgbClr val="000000"/>
           </a:solidFill>
@@ -6080,7 +6231,7 @@
           <a:sym typeface="Arial"/>
         </a:defRPr>
       </a:lvl7pPr>
-      <a:lvl8pPr lvl="7" marR="0" rtl="0" algn="l">
+      <a:lvl8pPr marR="0" lvl="7" algn="l" rtl="0">
         <a:lnSpc>
           <a:spcPct val="100000"/>
         </a:lnSpc>
@@ -6094,7 +6245,7 @@
           <a:srgbClr val="000000"/>
         </a:buClr>
         <a:buFont typeface="Arial"/>
-        <a:defRPr b="0" i="0" sz="1400" u="none" cap="none" strike="noStrike">
+        <a:defRPr sz="1400" b="0" i="0" u="none" strike="noStrike" cap="none">
           <a:solidFill>
             <a:srgbClr val="000000"/>
           </a:solidFill>
@@ -6104,7 +6255,7 @@
           <a:sym typeface="Arial"/>
         </a:defRPr>
       </a:lvl8pPr>
-      <a:lvl9pPr lvl="8" marR="0" rtl="0" algn="l">
+      <a:lvl9pPr marR="0" lvl="8" algn="l" rtl="0">
         <a:lnSpc>
           <a:spcPct val="100000"/>
         </a:lnSpc>
@@ -6118,7 +6269,7 @@
           <a:srgbClr val="000000"/>
         </a:buClr>
         <a:buFont typeface="Arial"/>
-        <a:defRPr b="0" i="0" sz="1400" u="none" cap="none" strike="noStrike">
+        <a:defRPr sz="1400" b="0" i="0" u="none" strike="noStrike" cap="none">
           <a:solidFill>
             <a:srgbClr val="000000"/>
           </a:solidFill>
@@ -6130,7 +6281,7 @@
       </a:lvl9pPr>
     </p:titleStyle>
     <p:bodyStyle>
-      <a:defPPr lvl="0" marR="0" rtl="0" algn="l">
+      <a:defPPr marR="0" lvl="0" algn="l" rtl="0">
         <a:lnSpc>
           <a:spcPct val="100000"/>
         </a:lnSpc>
@@ -6141,7 +6292,7 @@
           <a:spcPts val="0"/>
         </a:spcAft>
       </a:defPPr>
-      <a:lvl1pPr lvl="0" marR="0" rtl="0" algn="l">
+      <a:lvl1pPr marR="0" lvl="0" algn="l" rtl="0">
         <a:lnSpc>
           <a:spcPct val="100000"/>
         </a:lnSpc>
@@ -6155,7 +6306,7 @@
           <a:srgbClr val="000000"/>
         </a:buClr>
         <a:buFont typeface="Arial"/>
-        <a:defRPr b="0" i="0" sz="1400" u="none" cap="none" strike="noStrike">
+        <a:defRPr sz="1400" b="0" i="0" u="none" strike="noStrike" cap="none">
           <a:solidFill>
             <a:srgbClr val="000000"/>
           </a:solidFill>
@@ -6165,7 +6316,7 @@
           <a:sym typeface="Arial"/>
         </a:defRPr>
       </a:lvl1pPr>
-      <a:lvl2pPr lvl="1" marR="0" rtl="0" algn="l">
+      <a:lvl2pPr marR="0" lvl="1" algn="l" rtl="0">
         <a:lnSpc>
           <a:spcPct val="100000"/>
         </a:lnSpc>
@@ -6179,7 +6330,7 @@
           <a:srgbClr val="000000"/>
         </a:buClr>
         <a:buFont typeface="Arial"/>
-        <a:defRPr b="0" i="0" sz="1400" u="none" cap="none" strike="noStrike">
+        <a:defRPr sz="1400" b="0" i="0" u="none" strike="noStrike" cap="none">
           <a:solidFill>
             <a:srgbClr val="000000"/>
           </a:solidFill>
@@ -6189,7 +6340,7 @@
           <a:sym typeface="Arial"/>
         </a:defRPr>
       </a:lvl2pPr>
-      <a:lvl3pPr lvl="2" marR="0" rtl="0" algn="l">
+      <a:lvl3pPr marR="0" lvl="2" algn="l" rtl="0">
         <a:lnSpc>
           <a:spcPct val="100000"/>
         </a:lnSpc>
@@ -6203,7 +6354,7 @@
           <a:srgbClr val="000000"/>
         </a:buClr>
         <a:buFont typeface="Arial"/>
-        <a:defRPr b="0" i="0" sz="1400" u="none" cap="none" strike="noStrike">
+        <a:defRPr sz="1400" b="0" i="0" u="none" strike="noStrike" cap="none">
           <a:solidFill>
             <a:srgbClr val="000000"/>
           </a:solidFill>
@@ -6213,7 +6364,7 @@
           <a:sym typeface="Arial"/>
         </a:defRPr>
       </a:lvl3pPr>
-      <a:lvl4pPr lvl="3" marR="0" rtl="0" algn="l">
+      <a:lvl4pPr marR="0" lvl="3" algn="l" rtl="0">
         <a:lnSpc>
           <a:spcPct val="100000"/>
         </a:lnSpc>
@@ -6227,7 +6378,7 @@
           <a:srgbClr val="000000"/>
         </a:buClr>
         <a:buFont typeface="Arial"/>
-        <a:defRPr b="0" i="0" sz="1400" u="none" cap="none" strike="noStrike">
+        <a:defRPr sz="1400" b="0" i="0" u="none" strike="noStrike" cap="none">
           <a:solidFill>
             <a:srgbClr val="000000"/>
           </a:solidFill>
@@ -6237,7 +6388,7 @@
           <a:sym typeface="Arial"/>
         </a:defRPr>
       </a:lvl4pPr>
-      <a:lvl5pPr lvl="4" marR="0" rtl="0" algn="l">
+      <a:lvl5pPr marR="0" lvl="4" algn="l" rtl="0">
         <a:lnSpc>
           <a:spcPct val="100000"/>
         </a:lnSpc>
@@ -6251,7 +6402,7 @@
           <a:srgbClr val="000000"/>
         </a:buClr>
         <a:buFont typeface="Arial"/>
-        <a:defRPr b="0" i="0" sz="1400" u="none" cap="none" strike="noStrike">
+        <a:defRPr sz="1400" b="0" i="0" u="none" strike="noStrike" cap="none">
           <a:solidFill>
             <a:srgbClr val="000000"/>
           </a:solidFill>
@@ -6261,7 +6412,7 @@
           <a:sym typeface="Arial"/>
         </a:defRPr>
       </a:lvl5pPr>
-      <a:lvl6pPr lvl="5" marR="0" rtl="0" algn="l">
+      <a:lvl6pPr marR="0" lvl="5" algn="l" rtl="0">
         <a:lnSpc>
           <a:spcPct val="100000"/>
         </a:lnSpc>
@@ -6275,7 +6426,7 @@
           <a:srgbClr val="000000"/>
         </a:buClr>
         <a:buFont typeface="Arial"/>
-        <a:defRPr b="0" i="0" sz="1400" u="none" cap="none" strike="noStrike">
+        <a:defRPr sz="1400" b="0" i="0" u="none" strike="noStrike" cap="none">
           <a:solidFill>
             <a:srgbClr val="000000"/>
           </a:solidFill>
@@ -6285,7 +6436,7 @@
           <a:sym typeface="Arial"/>
         </a:defRPr>
       </a:lvl6pPr>
-      <a:lvl7pPr lvl="6" marR="0" rtl="0" algn="l">
+      <a:lvl7pPr marR="0" lvl="6" algn="l" rtl="0">
         <a:lnSpc>
           <a:spcPct val="100000"/>
         </a:lnSpc>
@@ -6299,7 +6450,7 @@
           <a:srgbClr val="000000"/>
         </a:buClr>
         <a:buFont typeface="Arial"/>
-        <a:defRPr b="0" i="0" sz="1400" u="none" cap="none" strike="noStrike">
+        <a:defRPr sz="1400" b="0" i="0" u="none" strike="noStrike" cap="none">
           <a:solidFill>
             <a:srgbClr val="000000"/>
           </a:solidFill>
@@ -6309,7 +6460,7 @@
           <a:sym typeface="Arial"/>
         </a:defRPr>
       </a:lvl7pPr>
-      <a:lvl8pPr lvl="7" marR="0" rtl="0" algn="l">
+      <a:lvl8pPr marR="0" lvl="7" algn="l" rtl="0">
         <a:lnSpc>
           <a:spcPct val="100000"/>
         </a:lnSpc>
@@ -6323,7 +6474,7 @@
           <a:srgbClr val="000000"/>
         </a:buClr>
         <a:buFont typeface="Arial"/>
-        <a:defRPr b="0" i="0" sz="1400" u="none" cap="none" strike="noStrike">
+        <a:defRPr sz="1400" b="0" i="0" u="none" strike="noStrike" cap="none">
           <a:solidFill>
             <a:srgbClr val="000000"/>
           </a:solidFill>
@@ -6333,7 +6484,7 @@
           <a:sym typeface="Arial"/>
         </a:defRPr>
       </a:lvl8pPr>
-      <a:lvl9pPr lvl="8" marR="0" rtl="0" algn="l">
+      <a:lvl9pPr marR="0" lvl="8" algn="l" rtl="0">
         <a:lnSpc>
           <a:spcPct val="100000"/>
         </a:lnSpc>
@@ -6347,7 +6498,7 @@
           <a:srgbClr val="000000"/>
         </a:buClr>
         <a:buFont typeface="Arial"/>
-        <a:defRPr b="0" i="0" sz="1400" u="none" cap="none" strike="noStrike">
+        <a:defRPr sz="1400" b="0" i="0" u="none" strike="noStrike" cap="none">
           <a:solidFill>
             <a:srgbClr val="000000"/>
           </a:solidFill>
@@ -6359,7 +6510,7 @@
       </a:lvl9pPr>
     </p:bodyStyle>
     <p:otherStyle>
-      <a:defPPr lvl="0" marR="0" rtl="0" algn="l">
+      <a:defPPr marR="0" lvl="0" algn="l" rtl="0">
         <a:lnSpc>
           <a:spcPct val="100000"/>
         </a:lnSpc>
@@ -6370,7 +6521,7 @@
           <a:spcPts val="0"/>
         </a:spcAft>
       </a:defPPr>
-      <a:lvl1pPr lvl="0" marR="0" rtl="0" algn="l">
+      <a:lvl1pPr marR="0" lvl="0" algn="l" rtl="0">
         <a:lnSpc>
           <a:spcPct val="100000"/>
         </a:lnSpc>
@@ -6384,7 +6535,7 @@
           <a:srgbClr val="000000"/>
         </a:buClr>
         <a:buFont typeface="Arial"/>
-        <a:defRPr b="0" i="0" sz="1400" u="none" cap="none" strike="noStrike">
+        <a:defRPr sz="1400" b="0" i="0" u="none" strike="noStrike" cap="none">
           <a:solidFill>
             <a:srgbClr val="000000"/>
           </a:solidFill>
@@ -6394,7 +6545,7 @@
           <a:sym typeface="Arial"/>
         </a:defRPr>
       </a:lvl1pPr>
-      <a:lvl2pPr lvl="1" marR="0" rtl="0" algn="l">
+      <a:lvl2pPr marR="0" lvl="1" algn="l" rtl="0">
         <a:lnSpc>
           <a:spcPct val="100000"/>
         </a:lnSpc>
@@ -6408,7 +6559,7 @@
           <a:srgbClr val="000000"/>
         </a:buClr>
         <a:buFont typeface="Arial"/>
-        <a:defRPr b="0" i="0" sz="1400" u="none" cap="none" strike="noStrike">
+        <a:defRPr sz="1400" b="0" i="0" u="none" strike="noStrike" cap="none">
           <a:solidFill>
             <a:srgbClr val="000000"/>
           </a:solidFill>
@@ -6418,7 +6569,7 @@
           <a:sym typeface="Arial"/>
         </a:defRPr>
       </a:lvl2pPr>
-      <a:lvl3pPr lvl="2" marR="0" rtl="0" algn="l">
+      <a:lvl3pPr marR="0" lvl="2" algn="l" rtl="0">
         <a:lnSpc>
           <a:spcPct val="100000"/>
         </a:lnSpc>
@@ -6432,7 +6583,7 @@
           <a:srgbClr val="000000"/>
         </a:buClr>
         <a:buFont typeface="Arial"/>
-        <a:defRPr b="0" i="0" sz="1400" u="none" cap="none" strike="noStrike">
+        <a:defRPr sz="1400" b="0" i="0" u="none" strike="noStrike" cap="none">
           <a:solidFill>
             <a:srgbClr val="000000"/>
           </a:solidFill>
@@ -6442,7 +6593,7 @@
           <a:sym typeface="Arial"/>
         </a:defRPr>
       </a:lvl3pPr>
-      <a:lvl4pPr lvl="3" marR="0" rtl="0" algn="l">
+      <a:lvl4pPr marR="0" lvl="3" algn="l" rtl="0">
         <a:lnSpc>
           <a:spcPct val="100000"/>
         </a:lnSpc>
@@ -6456,7 +6607,7 @@
           <a:srgbClr val="000000"/>
         </a:buClr>
         <a:buFont typeface="Arial"/>
-        <a:defRPr b="0" i="0" sz="1400" u="none" cap="none" strike="noStrike">
+        <a:defRPr sz="1400" b="0" i="0" u="none" strike="noStrike" cap="none">
           <a:solidFill>
             <a:srgbClr val="000000"/>
           </a:solidFill>
@@ -6466,7 +6617,7 @@
           <a:sym typeface="Arial"/>
         </a:defRPr>
       </a:lvl4pPr>
-      <a:lvl5pPr lvl="4" marR="0" rtl="0" algn="l">
+      <a:lvl5pPr marR="0" lvl="4" algn="l" rtl="0">
         <a:lnSpc>
           <a:spcPct val="100000"/>
         </a:lnSpc>
@@ -6480,7 +6631,7 @@
           <a:srgbClr val="000000"/>
         </a:buClr>
         <a:buFont typeface="Arial"/>
-        <a:defRPr b="0" i="0" sz="1400" u="none" cap="none" strike="noStrike">
+        <a:defRPr sz="1400" b="0" i="0" u="none" strike="noStrike" cap="none">
           <a:solidFill>
             <a:srgbClr val="000000"/>
           </a:solidFill>
@@ -6490,7 +6641,7 @@
           <a:sym typeface="Arial"/>
         </a:defRPr>
       </a:lvl5pPr>
-      <a:lvl6pPr lvl="5" marR="0" rtl="0" algn="l">
+      <a:lvl6pPr marR="0" lvl="5" algn="l" rtl="0">
         <a:lnSpc>
           <a:spcPct val="100000"/>
         </a:lnSpc>
@@ -6504,7 +6655,7 @@
           <a:srgbClr val="000000"/>
         </a:buClr>
         <a:buFont typeface="Arial"/>
-        <a:defRPr b="0" i="0" sz="1400" u="none" cap="none" strike="noStrike">
+        <a:defRPr sz="1400" b="0" i="0" u="none" strike="noStrike" cap="none">
           <a:solidFill>
             <a:srgbClr val="000000"/>
           </a:solidFill>
@@ -6514,7 +6665,7 @@
           <a:sym typeface="Arial"/>
         </a:defRPr>
       </a:lvl6pPr>
-      <a:lvl7pPr lvl="6" marR="0" rtl="0" algn="l">
+      <a:lvl7pPr marR="0" lvl="6" algn="l" rtl="0">
         <a:lnSpc>
           <a:spcPct val="100000"/>
         </a:lnSpc>
@@ -6528,7 +6679,7 @@
           <a:srgbClr val="000000"/>
         </a:buClr>
         <a:buFont typeface="Arial"/>
-        <a:defRPr b="0" i="0" sz="1400" u="none" cap="none" strike="noStrike">
+        <a:defRPr sz="1400" b="0" i="0" u="none" strike="noStrike" cap="none">
           <a:solidFill>
             <a:srgbClr val="000000"/>
           </a:solidFill>
@@ -6538,7 +6689,7 @@
           <a:sym typeface="Arial"/>
         </a:defRPr>
       </a:lvl7pPr>
-      <a:lvl8pPr lvl="7" marR="0" rtl="0" algn="l">
+      <a:lvl8pPr marR="0" lvl="7" algn="l" rtl="0">
         <a:lnSpc>
           <a:spcPct val="100000"/>
         </a:lnSpc>
@@ -6552,7 +6703,7 @@
           <a:srgbClr val="000000"/>
         </a:buClr>
         <a:buFont typeface="Arial"/>
-        <a:defRPr b="0" i="0" sz="1400" u="none" cap="none" strike="noStrike">
+        <a:defRPr sz="1400" b="0" i="0" u="none" strike="noStrike" cap="none">
           <a:solidFill>
             <a:srgbClr val="000000"/>
           </a:solidFill>
@@ -6562,7 +6713,7 @@
           <a:sym typeface="Arial"/>
         </a:defRPr>
       </a:lvl8pPr>
-      <a:lvl9pPr lvl="8" marR="0" rtl="0" algn="l">
+      <a:lvl9pPr marR="0" lvl="8" algn="l" rtl="0">
         <a:lnSpc>
           <a:spcPct val="100000"/>
         </a:lnSpc>
@@ -6576,7 +6727,7 @@
           <a:srgbClr val="000000"/>
         </a:buClr>
         <a:buFont typeface="Arial"/>
-        <a:defRPr b="0" i="0" sz="1400" u="none" cap="none" strike="noStrike">
+        <a:defRPr sz="1400" b="0" i="0" u="none" strike="noStrike" cap="none">
           <a:solidFill>
             <a:srgbClr val="000000"/>
           </a:solidFill>
@@ -6592,11 +6743,11 @@
 </file>
 
 <file path=ppt/slides/slide1.xml><?xml version="1.0" encoding="utf-8"?>
-<p:sld xmlns:a="http://schemas.openxmlformats.org/drawingml/2006/main" xmlns:r="http://schemas.openxmlformats.org/officeDocument/2006/relationships" xmlns:mc="http://schemas.openxmlformats.org/markup-compatibility/2006" xmlns:mv="urn:schemas-microsoft-com:mac:vml" xmlns:p="http://schemas.openxmlformats.org/presentationml/2006/main" xmlns:c="http://schemas.openxmlformats.org/drawingml/2006/chart" xmlns:dgm="http://schemas.openxmlformats.org/drawingml/2006/diagram" xmlns:o="urn:schemas-microsoft-com:office:office" xmlns:v="urn:schemas-microsoft-com:vml" xmlns:pvml="urn:schemas-microsoft-com:office:powerpoint" xmlns:com="http://schemas.openxmlformats.org/drawingml/2006/compatibility" xmlns:p14="http://schemas.microsoft.com/office/powerpoint/2010/main" xmlns:p15="http://schemas.microsoft.com/office/powerpoint/2012/main" xmlns:ahyp="http://schemas.microsoft.com/office/drawing/2018/hyperlinkcolor">
+<p:sld xmlns:a="http://schemas.openxmlformats.org/drawingml/2006/main" xmlns:r="http://schemas.openxmlformats.org/officeDocument/2006/relationships" xmlns:p="http://schemas.openxmlformats.org/presentationml/2006/main">
   <p:cSld>
     <p:spTree>
       <p:nvGrpSpPr>
-        <p:cNvPr id="62" name="Shape 62"/>
+        <p:cNvPr id="1" name="Shape 62"/>
         <p:cNvGrpSpPr/>
         <p:nvPr/>
       </p:nvGrpSpPr>
@@ -6611,7 +6762,9 @@
       <p:sp>
         <p:nvSpPr>
           <p:cNvPr id="63" name="Google Shape;63;p13"/>
-          <p:cNvSpPr txBox="1"/>
+          <p:cNvSpPr txBox="1">
+            <a:spLocks noGrp="1"/>
+          </p:cNvSpPr>
           <p:nvPr>
             <p:ph type="ctrTitle"/>
           </p:nvPr>
@@ -6626,12 +6779,12 @@
           </a:prstGeom>
         </p:spPr>
         <p:txBody>
-          <a:bodyPr anchorCtr="0" anchor="b" bIns="91425" lIns="91425" spcFirstLastPara="1" rIns="91425" wrap="square" tIns="91425">
+          <a:bodyPr spcFirstLastPara="1" wrap="square" lIns="91425" tIns="91425" rIns="91425" bIns="91425" anchor="b" anchorCtr="0">
             <a:normAutofit/>
           </a:bodyPr>
           <a:lstStyle/>
           <a:p>
-            <a:pPr indent="0" lvl="0" marL="0" rtl="0" algn="ctr">
+            <a:pPr marL="0" lvl="0" indent="0" algn="ctr" rtl="0">
               <a:spcBef>
                 <a:spcPts val="0"/>
               </a:spcBef>
@@ -6651,9 +6804,11 @@
       <p:sp>
         <p:nvSpPr>
           <p:cNvPr id="64" name="Google Shape;64;p13"/>
-          <p:cNvSpPr txBox="1"/>
+          <p:cNvSpPr txBox="1">
+            <a:spLocks noGrp="1"/>
+          </p:cNvSpPr>
           <p:nvPr>
-            <p:ph idx="1" type="subTitle"/>
+            <p:ph type="subTitle" idx="1"/>
           </p:nvPr>
         </p:nvSpPr>
         <p:spPr>
@@ -6666,12 +6821,12 @@
           </a:prstGeom>
         </p:spPr>
         <p:txBody>
-          <a:bodyPr anchorCtr="0" anchor="t" bIns="91425" lIns="91425" spcFirstLastPara="1" rIns="91425" wrap="square" tIns="91425">
+          <a:bodyPr spcFirstLastPara="1" wrap="square" lIns="91425" tIns="91425" rIns="91425" bIns="91425" anchor="t" anchorCtr="0">
             <a:normAutofit fontScale="85000" lnSpcReduction="20000"/>
           </a:bodyPr>
           <a:lstStyle/>
           <a:p>
-            <a:pPr indent="0" lvl="0" marL="0" rtl="0" algn="ctr">
+            <a:pPr marL="0" lvl="0" indent="0" algn="ctr" rtl="0">
               <a:spcBef>
                 <a:spcPts val="0"/>
               </a:spcBef>
@@ -6687,7 +6842,7 @@
             <a:endParaRPr/>
           </a:p>
           <a:p>
-            <a:pPr indent="0" lvl="0" marL="0" rtl="0" algn="ctr">
+            <a:pPr marL="0" lvl="0" indent="0" algn="ctr" rtl="0">
               <a:spcBef>
                 <a:spcPts val="0"/>
               </a:spcBef>
@@ -6703,7 +6858,7 @@
             <a:endParaRPr/>
           </a:p>
           <a:p>
-            <a:pPr indent="0" lvl="0" marL="0" rtl="0" algn="ctr">
+            <a:pPr marL="0" lvl="0" indent="0" algn="ctr" rtl="0">
               <a:spcBef>
                 <a:spcPts val="0"/>
               </a:spcBef>
@@ -6729,11 +6884,11 @@
 </file>
 
 <file path=ppt/slides/slide2.xml><?xml version="1.0" encoding="utf-8"?>
-<p:sld xmlns:a="http://schemas.openxmlformats.org/drawingml/2006/main" xmlns:r="http://schemas.openxmlformats.org/officeDocument/2006/relationships" xmlns:mc="http://schemas.openxmlformats.org/markup-compatibility/2006" xmlns:mv="urn:schemas-microsoft-com:mac:vml" xmlns:p="http://schemas.openxmlformats.org/presentationml/2006/main" xmlns:c="http://schemas.openxmlformats.org/drawingml/2006/chart" xmlns:dgm="http://schemas.openxmlformats.org/drawingml/2006/diagram" xmlns:o="urn:schemas-microsoft-com:office:office" xmlns:v="urn:schemas-microsoft-com:vml" xmlns:pvml="urn:schemas-microsoft-com:office:powerpoint" xmlns:com="http://schemas.openxmlformats.org/drawingml/2006/compatibility" xmlns:p14="http://schemas.microsoft.com/office/powerpoint/2010/main" xmlns:p15="http://schemas.microsoft.com/office/powerpoint/2012/main" xmlns:ahyp="http://schemas.microsoft.com/office/drawing/2018/hyperlinkcolor">
+<p:sld xmlns:a="http://schemas.openxmlformats.org/drawingml/2006/main" xmlns:r="http://schemas.openxmlformats.org/officeDocument/2006/relationships" xmlns:p="http://schemas.openxmlformats.org/presentationml/2006/main">
   <p:cSld>
     <p:spTree>
       <p:nvGrpSpPr>
-        <p:cNvPr id="68" name="Shape 68"/>
+        <p:cNvPr id="1" name="Shape 68"/>
         <p:cNvGrpSpPr/>
         <p:nvPr/>
       </p:nvGrpSpPr>
@@ -6748,7 +6903,9 @@
       <p:sp>
         <p:nvSpPr>
           <p:cNvPr id="69" name="Google Shape;69;p14"/>
-          <p:cNvSpPr txBox="1"/>
+          <p:cNvSpPr txBox="1">
+            <a:spLocks noGrp="1"/>
+          </p:cNvSpPr>
           <p:nvPr>
             <p:ph type="title"/>
           </p:nvPr>
@@ -6763,12 +6920,12 @@
           </a:prstGeom>
         </p:spPr>
         <p:txBody>
-          <a:bodyPr anchorCtr="0" anchor="b" bIns="91425" lIns="91425" spcFirstLastPara="1" rIns="91425" wrap="square" tIns="91425">
+          <a:bodyPr spcFirstLastPara="1" wrap="square" lIns="91425" tIns="91425" rIns="91425" bIns="91425" anchor="b" anchorCtr="0">
             <a:normAutofit/>
           </a:bodyPr>
           <a:lstStyle/>
           <a:p>
-            <a:pPr indent="0" lvl="0" marL="0" rtl="0" algn="l">
+            <a:pPr marL="0" lvl="0" indent="0" algn="l" rtl="0">
               <a:spcBef>
                 <a:spcPts val="0"/>
               </a:spcBef>
@@ -6788,9 +6945,11 @@
       <p:sp>
         <p:nvSpPr>
           <p:cNvPr id="70" name="Google Shape;70;p14"/>
-          <p:cNvSpPr txBox="1"/>
+          <p:cNvSpPr txBox="1">
+            <a:spLocks noGrp="1"/>
+          </p:cNvSpPr>
           <p:nvPr>
-            <p:ph idx="1" type="body"/>
+            <p:ph type="body" idx="1"/>
           </p:nvPr>
         </p:nvSpPr>
         <p:spPr>
@@ -6803,12 +6962,12 @@
           </a:prstGeom>
         </p:spPr>
         <p:txBody>
-          <a:bodyPr anchorCtr="0" anchor="t" bIns="91425" lIns="91425" spcFirstLastPara="1" rIns="91425" wrap="square" tIns="91425">
+          <a:bodyPr spcFirstLastPara="1" wrap="square" lIns="91425" tIns="91425" rIns="91425" bIns="91425" anchor="t" anchorCtr="0">
             <a:normAutofit/>
           </a:bodyPr>
           <a:lstStyle/>
           <a:p>
-            <a:pPr indent="-342900" lvl="0" marL="457200" rtl="0" algn="l">
+            <a:pPr marL="457200" lvl="0" indent="-342900" algn="l" rtl="0">
               <a:spcBef>
                 <a:spcPts val="0"/>
               </a:spcBef>
@@ -6825,7 +6984,7 @@
             <a:endParaRPr/>
           </a:p>
           <a:p>
-            <a:pPr indent="-342900" lvl="0" marL="457200" rtl="0" algn="l">
+            <a:pPr marL="457200" lvl="0" indent="-342900" algn="l" rtl="0">
               <a:spcBef>
                 <a:spcPts val="0"/>
               </a:spcBef>
@@ -6842,7 +7001,7 @@
             <a:endParaRPr/>
           </a:p>
           <a:p>
-            <a:pPr indent="0" lvl="0" marL="457200" rtl="0" algn="l">
+            <a:pPr marL="457200" lvl="0" indent="0" algn="l" rtl="0">
               <a:spcBef>
                 <a:spcPts val="1200"/>
               </a:spcBef>
@@ -6851,9 +7010,6 @@
               </a:spcAft>
               <a:buNone/>
             </a:pPr>
-            <a:r>
-              <a:t/>
-            </a:r>
             <a:endParaRPr/>
           </a:p>
         </p:txBody>
@@ -6895,11 +7051,11 @@
 </file>
 
 <file path=ppt/slides/slide3.xml><?xml version="1.0" encoding="utf-8"?>
-<p:sld xmlns:a="http://schemas.openxmlformats.org/drawingml/2006/main" xmlns:r="http://schemas.openxmlformats.org/officeDocument/2006/relationships" xmlns:mc="http://schemas.openxmlformats.org/markup-compatibility/2006" xmlns:mv="urn:schemas-microsoft-com:mac:vml" xmlns:p="http://schemas.openxmlformats.org/presentationml/2006/main" xmlns:c="http://schemas.openxmlformats.org/drawingml/2006/chart" xmlns:dgm="http://schemas.openxmlformats.org/drawingml/2006/diagram" xmlns:o="urn:schemas-microsoft-com:office:office" xmlns:v="urn:schemas-microsoft-com:vml" xmlns:pvml="urn:schemas-microsoft-com:office:powerpoint" xmlns:com="http://schemas.openxmlformats.org/drawingml/2006/compatibility" xmlns:p14="http://schemas.microsoft.com/office/powerpoint/2010/main" xmlns:p15="http://schemas.microsoft.com/office/powerpoint/2012/main" xmlns:ahyp="http://schemas.microsoft.com/office/drawing/2018/hyperlinkcolor">
+<p:sld xmlns:a="http://schemas.openxmlformats.org/drawingml/2006/main" xmlns:r="http://schemas.openxmlformats.org/officeDocument/2006/relationships" xmlns:p="http://schemas.openxmlformats.org/presentationml/2006/main">
   <p:cSld>
     <p:spTree>
       <p:nvGrpSpPr>
-        <p:cNvPr id="75" name="Shape 75"/>
+        <p:cNvPr id="1" name="Shape 75"/>
         <p:cNvGrpSpPr/>
         <p:nvPr/>
       </p:nvGrpSpPr>
@@ -6914,7 +7070,9 @@
       <p:sp>
         <p:nvSpPr>
           <p:cNvPr id="76" name="Google Shape;76;p15"/>
-          <p:cNvSpPr txBox="1"/>
+          <p:cNvSpPr txBox="1">
+            <a:spLocks noGrp="1"/>
+          </p:cNvSpPr>
           <p:nvPr>
             <p:ph type="title"/>
           </p:nvPr>
@@ -6929,12 +7087,12 @@
           </a:prstGeom>
         </p:spPr>
         <p:txBody>
-          <a:bodyPr anchorCtr="0" anchor="b" bIns="91425" lIns="91425" spcFirstLastPara="1" rIns="91425" wrap="square" tIns="91425">
+          <a:bodyPr spcFirstLastPara="1" wrap="square" lIns="91425" tIns="91425" rIns="91425" bIns="91425" anchor="b" anchorCtr="0">
             <a:normAutofit/>
           </a:bodyPr>
           <a:lstStyle/>
           <a:p>
-            <a:pPr indent="0" lvl="0" marL="0" rtl="0" algn="l">
+            <a:pPr marL="0" lvl="0" indent="0" algn="l" rtl="0">
               <a:spcBef>
                 <a:spcPts val="0"/>
               </a:spcBef>
@@ -6945,15 +7103,7 @@
             </a:pPr>
             <a:r>
               <a:rPr lang="en"/>
-              <a:t>About </a:t>
-            </a:r>
-            <a:r>
-              <a:rPr lang="en"/>
-              <a:t>Project</a:t>
-            </a:r>
-            <a:r>
-              <a:rPr lang="en"/>
-              <a:t> </a:t>
+              <a:t>About Project </a:t>
             </a:r>
             <a:endParaRPr/>
           </a:p>
@@ -6962,9 +7112,11 @@
       <p:sp>
         <p:nvSpPr>
           <p:cNvPr id="77" name="Google Shape;77;p15"/>
-          <p:cNvSpPr txBox="1"/>
+          <p:cNvSpPr txBox="1">
+            <a:spLocks noGrp="1"/>
+          </p:cNvSpPr>
           <p:nvPr>
-            <p:ph idx="1" type="body"/>
+            <p:ph type="body" idx="1"/>
           </p:nvPr>
         </p:nvSpPr>
         <p:spPr>
@@ -6977,14 +7129,26 @@
           </a:prstGeom>
         </p:spPr>
         <p:txBody>
-          <a:bodyPr anchorCtr="0" anchor="t" bIns="91425" lIns="91425" spcFirstLastPara="1" rIns="91425" wrap="square" tIns="91425">
+          <a:bodyPr spcFirstLastPara="1" wrap="square" lIns="91425" tIns="91425" rIns="91425" bIns="91425" anchor="t" anchorCtr="0">
             <a:normAutofit lnSpcReduction="10000"/>
           </a:bodyPr>
           <a:lstStyle/>
           <a:p>
-            <a:pPr indent="0" lvl="0" marL="0" rtl="0" algn="l">
-              <a:spcBef>
-                <a:spcPts val="0"/>
+            <a:pPr marL="0" lvl="0" indent="0" algn="l" rtl="0">
+              <a:spcBef>
+                <a:spcPts val="0"/>
+              </a:spcBef>
+              <a:spcAft>
+                <a:spcPts val="0"/>
+              </a:spcAft>
+              <a:buNone/>
+            </a:pPr>
+            <a:endParaRPr/>
+          </a:p>
+          <a:p>
+            <a:pPr marL="0" lvl="0" indent="0" algn="l" rtl="0">
+              <a:spcBef>
+                <a:spcPts val="1200"/>
               </a:spcBef>
               <a:spcAft>
                 <a:spcPts val="0"/>
@@ -6992,87 +7156,21 @@
               <a:buNone/>
             </a:pPr>
             <a:r>
-              <a:t/>
+              <a:rPr lang="en"/>
+              <a:t>Flight ticket price is something hard to guess therefore we are presenting our model which can predict the price of upcoming flight tickets. By using machine learning we are implementing our project. In our project we have created a web page which takes the input from the user. The input contains source, destination, date and the user will select the airline of whose ticket he wants to predict. After giving the input the user can view the result of predicted price which was the result of our model.</a:t>
             </a:r>
             <a:endParaRPr/>
           </a:p>
           <a:p>
-            <a:pPr indent="0" lvl="0" marL="0" rtl="0" algn="l">
+            <a:pPr marL="0" lvl="0" indent="0" algn="l" rtl="0">
               <a:spcBef>
                 <a:spcPts val="1200"/>
               </a:spcBef>
               <a:spcAft>
-                <a:spcPts val="0"/>
+                <a:spcPts val="1200"/>
               </a:spcAft>
               <a:buNone/>
             </a:pPr>
-            <a:r>
-              <a:rPr lang="en"/>
-              <a:t>Flight ticket price is something hard to guess therefore we are </a:t>
-            </a:r>
-            <a:r>
-              <a:rPr lang="en"/>
-              <a:t>presenting our</a:t>
-            </a:r>
-            <a:r>
-              <a:rPr lang="en"/>
-              <a:t> model which can predict the price of upcoming flight tickets. By </a:t>
-            </a:r>
-            <a:r>
-              <a:rPr lang="en"/>
-              <a:t>using machine</a:t>
-            </a:r>
-            <a:r>
-              <a:rPr lang="en"/>
-              <a:t> learning we are implementing our project. In our project we </a:t>
-            </a:r>
-            <a:r>
-              <a:rPr lang="en"/>
-              <a:t>have created</a:t>
-            </a:r>
-            <a:r>
-              <a:rPr lang="en"/>
-              <a:t> a web page which takes the input from the user. The </a:t>
-            </a:r>
-            <a:r>
-              <a:rPr lang="en"/>
-              <a:t>input contains</a:t>
-            </a:r>
-            <a:r>
-              <a:rPr lang="en"/>
-              <a:t> source, destination, date and the user will select the airline </a:t>
-            </a:r>
-            <a:r>
-              <a:rPr lang="en"/>
-              <a:t>of whose</a:t>
-            </a:r>
-            <a:r>
-              <a:rPr lang="en"/>
-              <a:t> ticket he wants to predict. After giving the input the user can </a:t>
-            </a:r>
-            <a:r>
-              <a:rPr lang="en"/>
-              <a:t>view the</a:t>
-            </a:r>
-            <a:r>
-              <a:rPr lang="en"/>
-              <a:t> result of predicted price which was the result of our model.</a:t>
-            </a:r>
-            <a:endParaRPr/>
-          </a:p>
-          <a:p>
-            <a:pPr indent="0" lvl="0" marL="0" rtl="0" algn="l">
-              <a:spcBef>
-                <a:spcPts val="1200"/>
-              </a:spcBef>
-              <a:spcAft>
-                <a:spcPts val="1200"/>
-              </a:spcAft>
-              <a:buNone/>
-            </a:pPr>
-            <a:r>
-              <a:t/>
-            </a:r>
             <a:endParaRPr/>
           </a:p>
         </p:txBody>
@@ -7086,11 +7184,11 @@
 </file>
 
 <file path=ppt/slides/slide4.xml><?xml version="1.0" encoding="utf-8"?>
-<p:sld xmlns:a="http://schemas.openxmlformats.org/drawingml/2006/main" xmlns:r="http://schemas.openxmlformats.org/officeDocument/2006/relationships" xmlns:mc="http://schemas.openxmlformats.org/markup-compatibility/2006" xmlns:mv="urn:schemas-microsoft-com:mac:vml" xmlns:p="http://schemas.openxmlformats.org/presentationml/2006/main" xmlns:c="http://schemas.openxmlformats.org/drawingml/2006/chart" xmlns:dgm="http://schemas.openxmlformats.org/drawingml/2006/diagram" xmlns:o="urn:schemas-microsoft-com:office:office" xmlns:v="urn:schemas-microsoft-com:vml" xmlns:pvml="urn:schemas-microsoft-com:office:powerpoint" xmlns:com="http://schemas.openxmlformats.org/drawingml/2006/compatibility" xmlns:p14="http://schemas.microsoft.com/office/powerpoint/2010/main" xmlns:p15="http://schemas.microsoft.com/office/powerpoint/2012/main" xmlns:ahyp="http://schemas.microsoft.com/office/drawing/2018/hyperlinkcolor">
+<p:sld xmlns:a="http://schemas.openxmlformats.org/drawingml/2006/main" xmlns:r="http://schemas.openxmlformats.org/officeDocument/2006/relationships" xmlns:p="http://schemas.openxmlformats.org/presentationml/2006/main">
   <p:cSld>
     <p:spTree>
       <p:nvGrpSpPr>
-        <p:cNvPr id="81" name="Shape 81"/>
+        <p:cNvPr id="1" name="Shape 81"/>
         <p:cNvGrpSpPr/>
         <p:nvPr/>
       </p:nvGrpSpPr>
@@ -7105,7 +7203,9 @@
       <p:sp>
         <p:nvSpPr>
           <p:cNvPr id="82" name="Google Shape;82;p16"/>
-          <p:cNvSpPr txBox="1"/>
+          <p:cNvSpPr txBox="1">
+            <a:spLocks noGrp="1"/>
+          </p:cNvSpPr>
           <p:nvPr>
             <p:ph type="title"/>
           </p:nvPr>
@@ -7120,12 +7220,12 @@
           </a:prstGeom>
         </p:spPr>
         <p:txBody>
-          <a:bodyPr anchorCtr="0" anchor="b" bIns="91425" lIns="91425" spcFirstLastPara="1" rIns="91425" wrap="square" tIns="91425">
+          <a:bodyPr spcFirstLastPara="1" wrap="square" lIns="91425" tIns="91425" rIns="91425" bIns="91425" anchor="b" anchorCtr="0">
             <a:normAutofit/>
           </a:bodyPr>
           <a:lstStyle/>
           <a:p>
-            <a:pPr indent="0" lvl="0" marL="0" rtl="0" algn="l">
+            <a:pPr marL="0" lvl="0" indent="0" algn="l" rtl="0">
               <a:spcBef>
                 <a:spcPts val="0"/>
               </a:spcBef>
@@ -7145,9 +7245,11 @@
       <p:sp>
         <p:nvSpPr>
           <p:cNvPr id="83" name="Google Shape;83;p16"/>
-          <p:cNvSpPr txBox="1"/>
+          <p:cNvSpPr txBox="1">
+            <a:spLocks noGrp="1"/>
+          </p:cNvSpPr>
           <p:nvPr>
-            <p:ph idx="1" type="body"/>
+            <p:ph type="body" idx="1"/>
           </p:nvPr>
         </p:nvSpPr>
         <p:spPr>
@@ -7160,12 +7262,12 @@
           </a:prstGeom>
         </p:spPr>
         <p:txBody>
-          <a:bodyPr anchorCtr="0" anchor="t" bIns="91425" lIns="91425" spcFirstLastPara="1" rIns="91425" wrap="square" tIns="91425">
+          <a:bodyPr spcFirstLastPara="1" wrap="square" lIns="91425" tIns="91425" rIns="91425" bIns="91425" anchor="t" anchorCtr="0">
             <a:normAutofit lnSpcReduction="20000"/>
           </a:bodyPr>
           <a:lstStyle/>
           <a:p>
-            <a:pPr indent="0" lvl="0" marL="0" rtl="0" algn="l">
+            <a:pPr marL="0" lvl="0" indent="0" algn="l" rtl="0">
               <a:spcBef>
                 <a:spcPts val="0"/>
               </a:spcBef>
@@ -7181,7 +7283,7 @@
             <a:endParaRPr/>
           </a:p>
           <a:p>
-            <a:pPr indent="0" lvl="0" marL="0" rtl="0" algn="l">
+            <a:pPr marL="0" lvl="0" indent="0" algn="l" rtl="0">
               <a:spcBef>
                 <a:spcPts val="1200"/>
               </a:spcBef>
@@ -7197,7 +7299,7 @@
             <a:endParaRPr/>
           </a:p>
           <a:p>
-            <a:pPr indent="0" lvl="0" marL="0" rtl="0" algn="l">
+            <a:pPr marL="0" lvl="0" indent="0" algn="l" rtl="0">
               <a:spcBef>
                 <a:spcPts val="1200"/>
               </a:spcBef>
@@ -7213,7 +7315,7 @@
             <a:endParaRPr/>
           </a:p>
           <a:p>
-            <a:pPr indent="0" lvl="0" marL="0" rtl="0" algn="l">
+            <a:pPr marL="0" lvl="0" indent="0" algn="l" rtl="0">
               <a:spcBef>
                 <a:spcPts val="1200"/>
               </a:spcBef>
@@ -7229,7 +7331,7 @@
             <a:endParaRPr/>
           </a:p>
           <a:p>
-            <a:pPr indent="0" lvl="0" marL="0" rtl="0" algn="l">
+            <a:pPr marL="0" lvl="0" indent="0" algn="l" rtl="0">
               <a:spcBef>
                 <a:spcPts val="1200"/>
               </a:spcBef>
@@ -7245,7 +7347,7 @@
             <a:endParaRPr/>
           </a:p>
           <a:p>
-            <a:pPr indent="0" lvl="0" marL="0" rtl="0" algn="l">
+            <a:pPr marL="0" lvl="0" indent="0" algn="l" rtl="0">
               <a:spcBef>
                 <a:spcPts val="1200"/>
               </a:spcBef>
@@ -7261,7 +7363,7 @@
             <a:endParaRPr/>
           </a:p>
           <a:p>
-            <a:pPr indent="0" lvl="0" marL="0" rtl="0" algn="l">
+            <a:pPr marL="0" lvl="0" indent="0" algn="l" rtl="0">
               <a:spcBef>
                 <a:spcPts val="1200"/>
               </a:spcBef>
@@ -7270,9 +7372,6 @@
               </a:spcAft>
               <a:buNone/>
             </a:pPr>
-            <a:r>
-              <a:t/>
-            </a:r>
             <a:endParaRPr/>
           </a:p>
         </p:txBody>
@@ -7280,9 +7379,11 @@
       <p:sp>
         <p:nvSpPr>
           <p:cNvPr id="84" name="Google Shape;84;p16"/>
-          <p:cNvSpPr txBox="1"/>
+          <p:cNvSpPr txBox="1">
+            <a:spLocks noGrp="1"/>
+          </p:cNvSpPr>
           <p:nvPr>
-            <p:ph idx="1" type="body"/>
+            <p:ph type="body" idx="1"/>
           </p:nvPr>
         </p:nvSpPr>
         <p:spPr>
@@ -7295,12 +7396,12 @@
           </a:prstGeom>
         </p:spPr>
         <p:txBody>
-          <a:bodyPr anchorCtr="0" anchor="t" bIns="91425" lIns="91425" spcFirstLastPara="1" rIns="91425" wrap="square" tIns="91425">
+          <a:bodyPr spcFirstLastPara="1" wrap="square" lIns="91425" tIns="91425" rIns="91425" bIns="91425" anchor="t" anchorCtr="0">
             <a:normAutofit/>
           </a:bodyPr>
           <a:lstStyle/>
           <a:p>
-            <a:pPr indent="0" lvl="0" marL="0" rtl="0" algn="l">
+            <a:pPr marL="0" lvl="0" indent="0" algn="l" rtl="0">
               <a:spcBef>
                 <a:spcPts val="0"/>
               </a:spcBef>
@@ -7316,7 +7417,7 @@
             <a:endParaRPr/>
           </a:p>
           <a:p>
-            <a:pPr indent="0" lvl="0" marL="0" rtl="0" algn="l">
+            <a:pPr marL="0" lvl="0" indent="0" algn="l" rtl="0">
               <a:spcBef>
                 <a:spcPts val="1200"/>
               </a:spcBef>
@@ -7327,16 +7428,12 @@
             </a:pPr>
             <a:r>
               <a:rPr lang="en"/>
-              <a:t>Jupyter</a:t>
-            </a:r>
-            <a:r>
-              <a:rPr lang="en"/>
-              <a:t> Notebook. </a:t>
+              <a:t>Jupyter Notebook. </a:t>
             </a:r>
             <a:endParaRPr/>
           </a:p>
           <a:p>
-            <a:pPr indent="0" lvl="0" marL="0" rtl="0" algn="l">
+            <a:pPr marL="0" lvl="0" indent="0" algn="l" rtl="0">
               <a:spcBef>
                 <a:spcPts val="1200"/>
               </a:spcBef>
@@ -7362,11 +7459,11 @@
 </file>
 
 <file path=ppt/slides/slide5.xml><?xml version="1.0" encoding="utf-8"?>
-<p:sld xmlns:a="http://schemas.openxmlformats.org/drawingml/2006/main" xmlns:r="http://schemas.openxmlformats.org/officeDocument/2006/relationships" xmlns:mc="http://schemas.openxmlformats.org/markup-compatibility/2006" xmlns:mv="urn:schemas-microsoft-com:mac:vml" xmlns:p="http://schemas.openxmlformats.org/presentationml/2006/main" xmlns:c="http://schemas.openxmlformats.org/drawingml/2006/chart" xmlns:dgm="http://schemas.openxmlformats.org/drawingml/2006/diagram" xmlns:o="urn:schemas-microsoft-com:office:office" xmlns:v="urn:schemas-microsoft-com:vml" xmlns:pvml="urn:schemas-microsoft-com:office:powerpoint" xmlns:com="http://schemas.openxmlformats.org/drawingml/2006/compatibility" xmlns:p14="http://schemas.microsoft.com/office/powerpoint/2010/main" xmlns:p15="http://schemas.microsoft.com/office/powerpoint/2012/main" xmlns:ahyp="http://schemas.microsoft.com/office/drawing/2018/hyperlinkcolor">
+<p:sld xmlns:a="http://schemas.openxmlformats.org/drawingml/2006/main" xmlns:r="http://schemas.openxmlformats.org/officeDocument/2006/relationships" xmlns:p="http://schemas.openxmlformats.org/presentationml/2006/main">
   <p:cSld>
     <p:spTree>
       <p:nvGrpSpPr>
-        <p:cNvPr id="88" name="Shape 88"/>
+        <p:cNvPr id="1" name="Shape 88"/>
         <p:cNvGrpSpPr/>
         <p:nvPr/>
       </p:nvGrpSpPr>
@@ -7381,7 +7478,9 @@
       <p:sp>
         <p:nvSpPr>
           <p:cNvPr id="89" name="Google Shape;89;p17"/>
-          <p:cNvSpPr txBox="1"/>
+          <p:cNvSpPr txBox="1">
+            <a:spLocks noGrp="1"/>
+          </p:cNvSpPr>
           <p:nvPr>
             <p:ph type="title"/>
           </p:nvPr>
@@ -7396,12 +7495,12 @@
           </a:prstGeom>
         </p:spPr>
         <p:txBody>
-          <a:bodyPr anchorCtr="0" anchor="b" bIns="91425" lIns="91425" spcFirstLastPara="1" rIns="91425" wrap="square" tIns="91425">
+          <a:bodyPr spcFirstLastPara="1" wrap="square" lIns="91425" tIns="91425" rIns="91425" bIns="91425" anchor="b" anchorCtr="0">
             <a:normAutofit/>
           </a:bodyPr>
           <a:lstStyle/>
           <a:p>
-            <a:pPr indent="0" lvl="0" marL="0" rtl="0" algn="l">
+            <a:pPr marL="0" lvl="0" indent="0" algn="l" rtl="0">
               <a:spcBef>
                 <a:spcPts val="0"/>
               </a:spcBef>
@@ -7410,19 +7509,18 @@
               </a:spcAft>
               <a:buNone/>
             </a:pPr>
-            <a:r>
-              <a:t/>
-            </a:r>
-            <a:endParaRPr/>
+            <a:endParaRPr dirty="0"/>
           </a:p>
         </p:txBody>
       </p:sp>
       <p:sp>
         <p:nvSpPr>
           <p:cNvPr id="90" name="Google Shape;90;p17"/>
-          <p:cNvSpPr txBox="1"/>
+          <p:cNvSpPr txBox="1">
+            <a:spLocks noGrp="1"/>
+          </p:cNvSpPr>
           <p:nvPr>
-            <p:ph idx="1" type="body"/>
+            <p:ph type="body" idx="1"/>
           </p:nvPr>
         </p:nvSpPr>
         <p:spPr>
@@ -7435,12 +7533,12 @@
           </a:prstGeom>
         </p:spPr>
         <p:txBody>
-          <a:bodyPr anchorCtr="0" anchor="t" bIns="91425" lIns="91425" spcFirstLastPara="1" rIns="91425" wrap="square" tIns="91425">
+          <a:bodyPr spcFirstLastPara="1" wrap="square" lIns="91425" tIns="91425" rIns="91425" bIns="91425" anchor="t" anchorCtr="0">
             <a:normAutofit/>
           </a:bodyPr>
           <a:lstStyle/>
           <a:p>
-            <a:pPr indent="0" lvl="0" marL="0" rtl="0" algn="l">
+            <a:pPr marL="0" lvl="0" indent="0" algn="l" rtl="0">
               <a:spcBef>
                 <a:spcPts val="0"/>
               </a:spcBef>
@@ -7449,39 +7547,38 @@
               </a:spcAft>
               <a:buNone/>
             </a:pPr>
-            <a:r>
-              <a:t/>
-            </a:r>
-            <a:endParaRPr/>
+            <a:endParaRPr dirty="0"/>
           </a:p>
         </p:txBody>
       </p:sp>
       <p:pic>
         <p:nvPicPr>
-          <p:cNvPr id="91" name="Google Shape;91;p17"/>
-          <p:cNvPicPr preferRelativeResize="0"/>
+          <p:cNvPr id="3" name="Picture 2">
+            <a:extLst>
+              <a:ext uri="{FF2B5EF4-FFF2-40B4-BE49-F238E27FC236}">
+                <a16:creationId xmlns:a16="http://schemas.microsoft.com/office/drawing/2014/main" id="{8ED7449E-A414-2D0C-4277-54CC26D33444}"/>
+              </a:ext>
+            </a:extLst>
+          </p:cNvPr>
+          <p:cNvPicPr>
+            <a:picLocks noChangeAspect="1"/>
+          </p:cNvPicPr>
           <p:nvPr/>
         </p:nvPicPr>
         <p:blipFill>
-          <a:blip r:embed="rId3">
-            <a:alphaModFix/>
-          </a:blip>
+          <a:blip r:embed="rId3"/>
           <a:stretch>
             <a:fillRect/>
           </a:stretch>
         </p:blipFill>
         <p:spPr>
           <a:xfrm>
-            <a:off x="911188" y="458025"/>
-            <a:ext cx="7321624" cy="4386276"/>
+            <a:off x="385869" y="302400"/>
+            <a:ext cx="8370231" cy="4550400"/>
           </a:xfrm>
           <a:prstGeom prst="rect">
             <a:avLst/>
           </a:prstGeom>
-          <a:noFill/>
-          <a:ln>
-            <a:noFill/>
-          </a:ln>
         </p:spPr>
       </p:pic>
     </p:spTree>
@@ -7493,11 +7590,121 @@
 </file>
 
 <file path=ppt/slides/slide6.xml><?xml version="1.0" encoding="utf-8"?>
-<p:sld xmlns:a="http://schemas.openxmlformats.org/drawingml/2006/main" xmlns:r="http://schemas.openxmlformats.org/officeDocument/2006/relationships" xmlns:mc="http://schemas.openxmlformats.org/markup-compatibility/2006" xmlns:mv="urn:schemas-microsoft-com:mac:vml" xmlns:p="http://schemas.openxmlformats.org/presentationml/2006/main" xmlns:c="http://schemas.openxmlformats.org/drawingml/2006/chart" xmlns:dgm="http://schemas.openxmlformats.org/drawingml/2006/diagram" xmlns:o="urn:schemas-microsoft-com:office:office" xmlns:v="urn:schemas-microsoft-com:vml" xmlns:pvml="urn:schemas-microsoft-com:office:powerpoint" xmlns:com="http://schemas.openxmlformats.org/drawingml/2006/compatibility" xmlns:p14="http://schemas.microsoft.com/office/powerpoint/2010/main" xmlns:p15="http://schemas.microsoft.com/office/powerpoint/2012/main" xmlns:ahyp="http://schemas.microsoft.com/office/drawing/2018/hyperlinkcolor">
+<p:sld xmlns:a="http://schemas.openxmlformats.org/drawingml/2006/main" xmlns:r="http://schemas.openxmlformats.org/officeDocument/2006/relationships" xmlns:p="http://schemas.openxmlformats.org/presentationml/2006/main">
   <p:cSld>
     <p:spTree>
       <p:nvGrpSpPr>
-        <p:cNvPr id="95" name="Shape 95"/>
+        <p:cNvPr id="1" name=""/>
+        <p:cNvGrpSpPr/>
+        <p:nvPr/>
+      </p:nvGrpSpPr>
+      <p:grpSpPr>
+        <a:xfrm>
+          <a:off x="0" y="0"/>
+          <a:ext cx="0" cy="0"/>
+          <a:chOff x="0" y="0"/>
+          <a:chExt cx="0" cy="0"/>
+        </a:xfrm>
+      </p:grpSpPr>
+      <p:sp>
+        <p:nvSpPr>
+          <p:cNvPr id="2" name="Title 1">
+            <a:extLst>
+              <a:ext uri="{FF2B5EF4-FFF2-40B4-BE49-F238E27FC236}">
+                <a16:creationId xmlns:a16="http://schemas.microsoft.com/office/drawing/2014/main" id="{F407DF12-9CF7-6AB3-9CA2-058CE65DA5E0}"/>
+              </a:ext>
+            </a:extLst>
+          </p:cNvPr>
+          <p:cNvSpPr>
+            <a:spLocks noGrp="1"/>
+          </p:cNvSpPr>
+          <p:nvPr>
+            <p:ph type="title"/>
+          </p:nvPr>
+        </p:nvSpPr>
+        <p:spPr/>
+        <p:txBody>
+          <a:bodyPr/>
+          <a:lstStyle/>
+          <a:p>
+            <a:endParaRPr lang="en-IN"/>
+          </a:p>
+        </p:txBody>
+      </p:sp>
+      <p:sp>
+        <p:nvSpPr>
+          <p:cNvPr id="3" name="Text Placeholder 2">
+            <a:extLst>
+              <a:ext uri="{FF2B5EF4-FFF2-40B4-BE49-F238E27FC236}">
+                <a16:creationId xmlns:a16="http://schemas.microsoft.com/office/drawing/2014/main" id="{28A846E1-BE7B-E7E7-DC9F-96DA15C1E6E1}"/>
+              </a:ext>
+            </a:extLst>
+          </p:cNvPr>
+          <p:cNvSpPr>
+            <a:spLocks noGrp="1"/>
+          </p:cNvSpPr>
+          <p:nvPr>
+            <p:ph type="body" idx="1"/>
+          </p:nvPr>
+        </p:nvSpPr>
+        <p:spPr/>
+        <p:txBody>
+          <a:bodyPr/>
+          <a:lstStyle/>
+          <a:p>
+            <a:endParaRPr lang="en-IN"/>
+          </a:p>
+        </p:txBody>
+      </p:sp>
+      <p:pic>
+        <p:nvPicPr>
+          <p:cNvPr id="5" name="Picture 4">
+            <a:extLst>
+              <a:ext uri="{FF2B5EF4-FFF2-40B4-BE49-F238E27FC236}">
+                <a16:creationId xmlns:a16="http://schemas.microsoft.com/office/drawing/2014/main" id="{5735536E-4B8E-75CF-FE55-F21A66A22A05}"/>
+              </a:ext>
+            </a:extLst>
+          </p:cNvPr>
+          <p:cNvPicPr>
+            <a:picLocks noChangeAspect="1"/>
+          </p:cNvPicPr>
+          <p:nvPr/>
+        </p:nvPicPr>
+        <p:blipFill>
+          <a:blip r:embed="rId2"/>
+          <a:stretch>
+            <a:fillRect/>
+          </a:stretch>
+        </p:blipFill>
+        <p:spPr>
+          <a:xfrm>
+            <a:off x="387900" y="400605"/>
+            <a:ext cx="8368200" cy="4228995"/>
+          </a:xfrm>
+          <a:prstGeom prst="rect">
+            <a:avLst/>
+          </a:prstGeom>
+        </p:spPr>
+      </p:pic>
+    </p:spTree>
+    <p:extLst>
+      <p:ext uri="{BB962C8B-B14F-4D97-AF65-F5344CB8AC3E}">
+        <p14:creationId xmlns:p14="http://schemas.microsoft.com/office/powerpoint/2010/main" val="2303752369"/>
+      </p:ext>
+    </p:extLst>
+  </p:cSld>
+  <p:clrMapOvr>
+    <a:masterClrMapping/>
+  </p:clrMapOvr>
+</p:sld>
+</file>
+
+<file path=ppt/slides/slide7.xml><?xml version="1.0" encoding="utf-8"?>
+<p:sld xmlns:a="http://schemas.openxmlformats.org/drawingml/2006/main" xmlns:r="http://schemas.openxmlformats.org/officeDocument/2006/relationships" xmlns:p="http://schemas.openxmlformats.org/presentationml/2006/main">
+  <p:cSld>
+    <p:spTree>
+      <p:nvGrpSpPr>
+        <p:cNvPr id="1" name="Shape 95"/>
         <p:cNvGrpSpPr/>
         <p:nvPr/>
       </p:nvGrpSpPr>
@@ -7512,7 +7719,9 @@
       <p:sp>
         <p:nvSpPr>
           <p:cNvPr id="96" name="Google Shape;96;p18"/>
-          <p:cNvSpPr txBox="1"/>
+          <p:cNvSpPr txBox="1">
+            <a:spLocks noGrp="1"/>
+          </p:cNvSpPr>
           <p:nvPr>
             <p:ph type="title"/>
           </p:nvPr>
@@ -7527,12 +7736,12 @@
           </a:prstGeom>
         </p:spPr>
         <p:txBody>
-          <a:bodyPr anchorCtr="0" anchor="b" bIns="91425" lIns="91425" spcFirstLastPara="1" rIns="91425" wrap="square" tIns="91425">
+          <a:bodyPr spcFirstLastPara="1" wrap="square" lIns="91425" tIns="91425" rIns="91425" bIns="91425" anchor="b" anchorCtr="0">
             <a:normAutofit/>
           </a:bodyPr>
           <a:lstStyle/>
           <a:p>
-            <a:pPr indent="0" lvl="0" marL="0" rtl="0" algn="l">
+            <a:pPr marL="0" lvl="0" indent="0" algn="l" rtl="0">
               <a:spcBef>
                 <a:spcPts val="0"/>
               </a:spcBef>
@@ -7552,9 +7761,11 @@
       <p:sp>
         <p:nvSpPr>
           <p:cNvPr id="97" name="Google Shape;97;p18"/>
-          <p:cNvSpPr txBox="1"/>
+          <p:cNvSpPr txBox="1">
+            <a:spLocks noGrp="1"/>
+          </p:cNvSpPr>
           <p:nvPr>
-            <p:ph idx="1" type="body"/>
+            <p:ph type="body" idx="1"/>
           </p:nvPr>
         </p:nvSpPr>
         <p:spPr>
@@ -7567,12 +7778,12 @@
           </a:prstGeom>
         </p:spPr>
         <p:txBody>
-          <a:bodyPr anchorCtr="0" anchor="t" bIns="91425" lIns="91425" spcFirstLastPara="1" rIns="91425" wrap="square" tIns="91425">
+          <a:bodyPr spcFirstLastPara="1" wrap="square" lIns="91425" tIns="91425" rIns="91425" bIns="91425" anchor="t" anchorCtr="0">
             <a:normAutofit/>
           </a:bodyPr>
           <a:lstStyle/>
           <a:p>
-            <a:pPr indent="0" lvl="0" marL="0" rtl="0" algn="l">
+            <a:pPr marL="0" lvl="0" indent="0" algn="l" rtl="0">
               <a:spcBef>
                 <a:spcPts val="0"/>
               </a:spcBef>
@@ -7582,53 +7793,21 @@
               <a:buNone/>
             </a:pPr>
             <a:r>
-              <a:rPr lang="en"/>
-              <a:t>This System, customer can predict the flight price of a particular seat </a:t>
+              <a:rPr lang="en" dirty="0"/>
+              <a:t>This System, customer can predict the flight </a:t>
             </a:r>
             <a:r>
               <a:rPr lang="en"/>
-              <a:t>on a</a:t>
+              <a:t>price of </a:t>
             </a:r>
             <a:r>
-              <a:rPr lang="en"/>
-              <a:t> day before booking the flight tickets. It will provide an ease to </a:t>
+              <a:rPr lang="en" dirty="0"/>
+              <a:t>a day before booking the flight tickets. It will provide an ease to the customer for the flight ticket booking. Travelers can save money if they choose to buy a ticket when its price is the lowest. The problem is how to determine when is the best time to buy flight ticket for the desired destination and period.</a:t>
             </a:r>
-            <a:r>
-              <a:rPr lang="en"/>
-              <a:t>the customer</a:t>
-            </a:r>
-            <a:r>
-              <a:rPr lang="en"/>
-              <a:t> for the flight ticket booking. Travelers can save money if </a:t>
-            </a:r>
-            <a:r>
-              <a:rPr lang="en"/>
-              <a:t>they choose</a:t>
-            </a:r>
-            <a:r>
-              <a:rPr lang="en"/>
-              <a:t> to buy a ticket when its price is the lowest. The problem is </a:t>
-            </a:r>
-            <a:r>
-              <a:rPr lang="en"/>
-              <a:t>how to</a:t>
-            </a:r>
-            <a:r>
-              <a:rPr lang="en"/>
-              <a:t> determine when is the best time to buy flight ticket for the </a:t>
-            </a:r>
-            <a:r>
-              <a:rPr lang="en"/>
-              <a:t>desired destination</a:t>
-            </a:r>
-            <a:r>
-              <a:rPr lang="en"/>
-              <a:t> and period.</a:t>
-            </a:r>
-            <a:endParaRPr/>
+            <a:endParaRPr dirty="0"/>
           </a:p>
           <a:p>
-            <a:pPr indent="0" lvl="0" marL="0" rtl="0" algn="l">
+            <a:pPr marL="0" lvl="0" indent="0" algn="l" rtl="0">
               <a:spcBef>
                 <a:spcPts val="1200"/>
               </a:spcBef>
@@ -7637,13 +7816,10 @@
               </a:spcAft>
               <a:buNone/>
             </a:pPr>
-            <a:r>
-              <a:t/>
-            </a:r>
-            <a:endParaRPr/>
+            <a:endParaRPr dirty="0"/>
           </a:p>
           <a:p>
-            <a:pPr indent="0" lvl="0" marL="0" rtl="0" algn="l">
+            <a:pPr marL="0" lvl="0" indent="0" algn="l" rtl="0">
               <a:spcBef>
                 <a:spcPts val="1200"/>
               </a:spcBef>
@@ -7652,10 +7828,7 @@
               </a:spcAft>
               <a:buNone/>
             </a:pPr>
-            <a:r>
-              <a:t/>
-            </a:r>
-            <a:endParaRPr/>
+            <a:endParaRPr dirty="0"/>
           </a:p>
         </p:txBody>
       </p:sp>
@@ -7668,7 +7841,7 @@
 </file>
 
 <file path=ppt/theme/theme1.xml><?xml version="1.0" encoding="utf-8"?>
-<a:theme xmlns:a="http://schemas.openxmlformats.org/drawingml/2006/main" xmlns:r="http://schemas.openxmlformats.org/officeDocument/2006/relationships" name="Marina">
+<a:theme xmlns:a="http://schemas.openxmlformats.org/drawingml/2006/main" name="Marina">
   <a:themeElements>
     <a:clrScheme name="Marina">
       <a:dk1>
@@ -7943,11 +8116,13 @@
       </a:bgFillStyleLst>
     </a:fmtScheme>
   </a:themeElements>
+  <a:objectDefaults/>
+  <a:extraClrSchemeLst/>
 </a:theme>
 </file>
 
 <file path=ppt/theme/theme2.xml><?xml version="1.0" encoding="utf-8"?>
-<a:theme xmlns:a="http://schemas.openxmlformats.org/drawingml/2006/main" xmlns:r="http://schemas.openxmlformats.org/officeDocument/2006/relationships">
+<a:theme xmlns:a="http://schemas.openxmlformats.org/drawingml/2006/main">
   <a:themeElements>
     <a:clrScheme name="Default">
       <a:dk1>
@@ -8222,5 +8397,7 @@
       </a:bgFillStyleLst>
     </a:fmtScheme>
   </a:themeElements>
+  <a:objectDefaults/>
+  <a:extraClrSchemeLst/>
 </a:theme>
 </file>